--- a/meeting/20210323.pptx
+++ b/meeting/20210323.pptx
@@ -8,17 +8,16 @@
     <p:sldId id="256" r:id="rId2"/>
     <p:sldId id="257" r:id="rId3"/>
     <p:sldId id="258" r:id="rId4"/>
-    <p:sldId id="259" r:id="rId5"/>
-    <p:sldId id="260" r:id="rId6"/>
-    <p:sldId id="261" r:id="rId7"/>
-    <p:sldId id="262" r:id="rId8"/>
-    <p:sldId id="263" r:id="rId9"/>
-    <p:sldId id="265" r:id="rId10"/>
-    <p:sldId id="264" r:id="rId11"/>
-    <p:sldId id="266" r:id="rId12"/>
-    <p:sldId id="267" r:id="rId13"/>
-    <p:sldId id="268" r:id="rId14"/>
-    <p:sldId id="269" r:id="rId15"/>
+    <p:sldId id="263" r:id="rId5"/>
+    <p:sldId id="265" r:id="rId6"/>
+    <p:sldId id="264" r:id="rId7"/>
+    <p:sldId id="266" r:id="rId8"/>
+    <p:sldId id="267" r:id="rId9"/>
+    <p:sldId id="270" r:id="rId10"/>
+    <p:sldId id="271" r:id="rId11"/>
+    <p:sldId id="268" r:id="rId12"/>
+    <p:sldId id="269" r:id="rId13"/>
+    <p:sldId id="272" r:id="rId14"/>
   </p:sldIdLst>
   <p:sldSz cx="12192000" cy="6858000"/>
   <p:notesSz cx="6858000" cy="9144000"/>
@@ -272,7 +271,7 @@
           <a:p>
             <a:fld id="{9508E511-C4A5-4250-91AD-093C2CA813FA}" type="datetimeFigureOut">
               <a:rPr lang="en-US" smtClean="0"/>
-              <a:t>3/23/2021</a:t>
+              <a:t>3/25/2021</a:t>
             </a:fld>
             <a:endParaRPr lang="en-US"/>
           </a:p>
@@ -470,7 +469,7 @@
           <a:p>
             <a:fld id="{9508E511-C4A5-4250-91AD-093C2CA813FA}" type="datetimeFigureOut">
               <a:rPr lang="en-US" smtClean="0"/>
-              <a:t>3/23/2021</a:t>
+              <a:t>3/25/2021</a:t>
             </a:fld>
             <a:endParaRPr lang="en-US"/>
           </a:p>
@@ -678,7 +677,7 @@
           <a:p>
             <a:fld id="{9508E511-C4A5-4250-91AD-093C2CA813FA}" type="datetimeFigureOut">
               <a:rPr lang="en-US" smtClean="0"/>
-              <a:t>3/23/2021</a:t>
+              <a:t>3/25/2021</a:t>
             </a:fld>
             <a:endParaRPr lang="en-US"/>
           </a:p>
@@ -876,7 +875,7 @@
           <a:p>
             <a:fld id="{9508E511-C4A5-4250-91AD-093C2CA813FA}" type="datetimeFigureOut">
               <a:rPr lang="en-US" smtClean="0"/>
-              <a:t>3/23/2021</a:t>
+              <a:t>3/25/2021</a:t>
             </a:fld>
             <a:endParaRPr lang="en-US"/>
           </a:p>
@@ -1151,7 +1150,7 @@
           <a:p>
             <a:fld id="{9508E511-C4A5-4250-91AD-093C2CA813FA}" type="datetimeFigureOut">
               <a:rPr lang="en-US" smtClean="0"/>
-              <a:t>3/23/2021</a:t>
+              <a:t>3/25/2021</a:t>
             </a:fld>
             <a:endParaRPr lang="en-US"/>
           </a:p>
@@ -1416,7 +1415,7 @@
           <a:p>
             <a:fld id="{9508E511-C4A5-4250-91AD-093C2CA813FA}" type="datetimeFigureOut">
               <a:rPr lang="en-US" smtClean="0"/>
-              <a:t>3/23/2021</a:t>
+              <a:t>3/25/2021</a:t>
             </a:fld>
             <a:endParaRPr lang="en-US"/>
           </a:p>
@@ -1828,7 +1827,7 @@
           <a:p>
             <a:fld id="{9508E511-C4A5-4250-91AD-093C2CA813FA}" type="datetimeFigureOut">
               <a:rPr lang="en-US" smtClean="0"/>
-              <a:t>3/23/2021</a:t>
+              <a:t>3/25/2021</a:t>
             </a:fld>
             <a:endParaRPr lang="en-US"/>
           </a:p>
@@ -1969,7 +1968,7 @@
           <a:p>
             <a:fld id="{9508E511-C4A5-4250-91AD-093C2CA813FA}" type="datetimeFigureOut">
               <a:rPr lang="en-US" smtClean="0"/>
-              <a:t>3/23/2021</a:t>
+              <a:t>3/25/2021</a:t>
             </a:fld>
             <a:endParaRPr lang="en-US"/>
           </a:p>
@@ -2082,7 +2081,7 @@
           <a:p>
             <a:fld id="{9508E511-C4A5-4250-91AD-093C2CA813FA}" type="datetimeFigureOut">
               <a:rPr lang="en-US" smtClean="0"/>
-              <a:t>3/23/2021</a:t>
+              <a:t>3/25/2021</a:t>
             </a:fld>
             <a:endParaRPr lang="en-US"/>
           </a:p>
@@ -2393,7 +2392,7 @@
           <a:p>
             <a:fld id="{9508E511-C4A5-4250-91AD-093C2CA813FA}" type="datetimeFigureOut">
               <a:rPr lang="en-US" smtClean="0"/>
-              <a:t>3/23/2021</a:t>
+              <a:t>3/25/2021</a:t>
             </a:fld>
             <a:endParaRPr lang="en-US"/>
           </a:p>
@@ -2681,7 +2680,7 @@
           <a:p>
             <a:fld id="{9508E511-C4A5-4250-91AD-093C2CA813FA}" type="datetimeFigureOut">
               <a:rPr lang="en-US" smtClean="0"/>
-              <a:t>3/23/2021</a:t>
+              <a:t>3/25/2021</a:t>
             </a:fld>
             <a:endParaRPr lang="en-US"/>
           </a:p>
@@ -2922,7 +2921,7 @@
           <a:p>
             <a:fld id="{9508E511-C4A5-4250-91AD-093C2CA813FA}" type="datetimeFigureOut">
               <a:rPr lang="en-US" smtClean="0"/>
-              <a:t>3/23/2021</a:t>
+              <a:t>3/25/2021</a:t>
             </a:fld>
             <a:endParaRPr lang="en-US"/>
           </a:p>
@@ -3427,963 +3426,6 @@
           <p:cNvPr id="2" name="Title 1">
             <a:extLst>
               <a:ext uri="{FF2B5EF4-FFF2-40B4-BE49-F238E27FC236}">
-                <a16:creationId xmlns:a16="http://schemas.microsoft.com/office/drawing/2014/main" id="{2E2E1E41-84E8-43EE-B9C3-F8939717CC01}"/>
-              </a:ext>
-            </a:extLst>
-          </p:cNvPr>
-          <p:cNvSpPr>
-            <a:spLocks noGrp="1"/>
-          </p:cNvSpPr>
-          <p:nvPr>
-            <p:ph type="title"/>
-          </p:nvPr>
-        </p:nvSpPr>
-        <p:spPr/>
-        <p:txBody>
-          <a:bodyPr/>
-          <a:lstStyle/>
-          <a:p>
-            <a:r>
-              <a:rPr lang="en-US" dirty="0"/>
-              <a:t>3/23</a:t>
-            </a:r>
-          </a:p>
-        </p:txBody>
-      </p:sp>
-      <p:sp>
-        <p:nvSpPr>
-          <p:cNvPr id="3" name="Content Placeholder 2">
-            <a:extLst>
-              <a:ext uri="{FF2B5EF4-FFF2-40B4-BE49-F238E27FC236}">
-                <a16:creationId xmlns:a16="http://schemas.microsoft.com/office/drawing/2014/main" id="{ED5B9780-EE98-4AFC-ACFB-FA10C3B69FF4}"/>
-              </a:ext>
-            </a:extLst>
-          </p:cNvPr>
-          <p:cNvSpPr>
-            <a:spLocks noGrp="1"/>
-          </p:cNvSpPr>
-          <p:nvPr>
-            <p:ph idx="1"/>
-          </p:nvPr>
-        </p:nvSpPr>
-        <p:spPr/>
-        <p:txBody>
-          <a:bodyPr/>
-          <a:lstStyle/>
-          <a:p>
-            <a:r>
-              <a:rPr lang="en-US" dirty="0"/>
-              <a:t>MPC model accuracy</a:t>
-            </a:r>
-          </a:p>
-          <a:p>
-            <a:endParaRPr lang="en-US" dirty="0"/>
-          </a:p>
-        </p:txBody>
-      </p:sp>
-      <p:pic>
-        <p:nvPicPr>
-          <p:cNvPr id="4" name="Picture 3">
-            <a:extLst>
-              <a:ext uri="{FF2B5EF4-FFF2-40B4-BE49-F238E27FC236}">
-                <a16:creationId xmlns:a16="http://schemas.microsoft.com/office/drawing/2014/main" id="{29557EF6-374B-426F-B28F-F74F2C9815A9}"/>
-              </a:ext>
-            </a:extLst>
-          </p:cNvPr>
-          <p:cNvPicPr>
-            <a:picLocks noChangeAspect="1"/>
-          </p:cNvPicPr>
-          <p:nvPr/>
-        </p:nvPicPr>
-        <p:blipFill>
-          <a:blip r:embed="rId2"/>
-          <a:stretch>
-            <a:fillRect/>
-          </a:stretch>
-        </p:blipFill>
-        <p:spPr>
-          <a:xfrm>
-            <a:off x="6492728" y="2896299"/>
-            <a:ext cx="4598276" cy="3200400"/>
-          </a:xfrm>
-          <a:prstGeom prst="rect">
-            <a:avLst/>
-          </a:prstGeom>
-        </p:spPr>
-      </p:pic>
-      <mc:AlternateContent xmlns:mc="http://schemas.openxmlformats.org/markup-compatibility/2006" xmlns:a14="http://schemas.microsoft.com/office/drawing/2010/main">
-        <mc:Choice Requires="a14">
-          <p:sp>
-            <p:nvSpPr>
-              <p:cNvPr id="6" name="TextBox 5">
-                <a:extLst>
-                  <a:ext uri="{FF2B5EF4-FFF2-40B4-BE49-F238E27FC236}">
-                    <a16:creationId xmlns:a16="http://schemas.microsoft.com/office/drawing/2014/main" id="{16DEB784-AFED-4ECA-BAB2-4F9DAEB6BD1B}"/>
-                  </a:ext>
-                </a:extLst>
-              </p:cNvPr>
-              <p:cNvSpPr txBox="1"/>
-              <p:nvPr/>
-            </p:nvSpPr>
-            <p:spPr>
-              <a:xfrm>
-                <a:off x="7176781" y="2117368"/>
-                <a:ext cx="1836400" cy="778931"/>
-              </a:xfrm>
-              <a:prstGeom prst="rect">
-                <a:avLst/>
-              </a:prstGeom>
-              <a:noFill/>
-            </p:spPr>
-            <p:txBody>
-              <a:bodyPr wrap="none" lIns="0" tIns="0" rIns="0" bIns="0" rtlCol="0">
-                <a:spAutoFit/>
-              </a:bodyPr>
-              <a:lstStyle/>
-              <a:p>
-                <a:pPr/>
-                <a14:m>
-                  <m:oMathPara xmlns:m="http://schemas.openxmlformats.org/officeDocument/2006/math">
-                    <m:oMathParaPr>
-                      <m:jc m:val="centerGroup"/>
-                    </m:oMathParaPr>
-                    <m:oMath xmlns:m="http://schemas.openxmlformats.org/officeDocument/2006/math">
-                      <m:func>
-                        <m:funcPr>
-                          <m:ctrlPr>
-                            <a:rPr lang="en-US" b="0" i="1" smtClean="0">
-                              <a:latin typeface="Cambria Math" panose="02040503050406030204" pitchFamily="18" charset="0"/>
-                            </a:rPr>
-                          </m:ctrlPr>
-                        </m:funcPr>
-                        <m:fName>
-                          <m:limLow>
-                            <m:limLowPr>
-                              <m:ctrlPr>
-                                <a:rPr lang="en-US" b="0" i="1" smtClean="0">
-                                  <a:latin typeface="Cambria Math" panose="02040503050406030204" pitchFamily="18" charset="0"/>
-                                </a:rPr>
-                              </m:ctrlPr>
-                            </m:limLowPr>
-                            <m:e>
-                              <m:r>
-                                <m:rPr>
-                                  <m:sty m:val="p"/>
-                                </m:rPr>
-                                <a:rPr lang="en-US" b="0" i="0" smtClean="0">
-                                  <a:latin typeface="Cambria Math" panose="02040503050406030204" pitchFamily="18" charset="0"/>
-                                </a:rPr>
-                                <m:t>min</m:t>
-                              </m:r>
-                            </m:e>
-                            <m:lim>
-                              <m:r>
-                                <m:rPr>
-                                  <m:sty m:val="p"/>
-                                </m:rPr>
-                                <a:rPr lang="en-US" b="0" i="0" smtClean="0">
-                                  <a:latin typeface="Cambria Math" panose="02040503050406030204" pitchFamily="18" charset="0"/>
-                                </a:rPr>
-                                <m:t>u</m:t>
-                              </m:r>
-                            </m:lim>
-                          </m:limLow>
-                        </m:fName>
-                        <m:e>
-                          <m:nary>
-                            <m:naryPr>
-                              <m:chr m:val="∑"/>
-                              <m:ctrlPr>
-                                <a:rPr lang="en-US" b="0" i="1" smtClean="0">
-                                  <a:latin typeface="Cambria Math" panose="02040503050406030204" pitchFamily="18" charset="0"/>
-                                </a:rPr>
-                              </m:ctrlPr>
-                            </m:naryPr>
-                            <m:sub>
-                              <m:r>
-                                <m:rPr>
-                                  <m:brk m:alnAt="23"/>
-                                </m:rPr>
-                                <a:rPr lang="en-US" b="0" i="1" smtClean="0">
-                                  <a:latin typeface="Cambria Math" panose="02040503050406030204" pitchFamily="18" charset="0"/>
-                                </a:rPr>
-                                <m:t>𝑖</m:t>
-                              </m:r>
-                              <m:r>
-                                <a:rPr lang="en-US" b="0" i="1" smtClean="0">
-                                  <a:latin typeface="Cambria Math" panose="02040503050406030204" pitchFamily="18" charset="0"/>
-                                </a:rPr>
-                                <m:t>=1</m:t>
-                              </m:r>
-                            </m:sub>
-                            <m:sup>
-                              <m:r>
-                                <a:rPr lang="en-US" b="0" i="1" smtClean="0">
-                                  <a:latin typeface="Cambria Math" panose="02040503050406030204" pitchFamily="18" charset="0"/>
-                                </a:rPr>
-                                <m:t>𝑃𝐻</m:t>
-                              </m:r>
-                            </m:sup>
-                            <m:e>
-                              <m:sSub>
-                                <m:sSubPr>
-                                  <m:ctrlPr>
-                                    <a:rPr lang="en-US" b="0" i="1" smtClean="0">
-                                      <a:latin typeface="Cambria Math" panose="02040503050406030204" pitchFamily="18" charset="0"/>
-                                    </a:rPr>
-                                  </m:ctrlPr>
-                                </m:sSubPr>
-                                <m:e>
-                                  <m:r>
-                                    <a:rPr lang="en-US" b="0" i="1" smtClean="0">
-                                      <a:latin typeface="Cambria Math" panose="02040503050406030204" pitchFamily="18" charset="0"/>
-                                    </a:rPr>
-                                    <m:t>(</m:t>
-                                  </m:r>
-                                  <m:r>
-                                    <a:rPr lang="en-US" b="0" i="1" smtClean="0">
-                                      <a:latin typeface="Cambria Math" panose="02040503050406030204" pitchFamily="18" charset="0"/>
-                                    </a:rPr>
-                                    <m:t>𝑑𝑇</m:t>
-                                  </m:r>
-                                </m:e>
-                                <m:sub>
-                                  <m:r>
-                                    <a:rPr lang="en-US" b="0" i="1" smtClean="0">
-                                      <a:latin typeface="Cambria Math" panose="02040503050406030204" pitchFamily="18" charset="0"/>
-                                    </a:rPr>
-                                    <m:t>𝑢</m:t>
-                                  </m:r>
-                                </m:sub>
-                              </m:sSub>
-                              <m:r>
-                                <a:rPr lang="en-US" b="0" i="1" smtClean="0">
-                                  <a:latin typeface="Cambria Math" panose="02040503050406030204" pitchFamily="18" charset="0"/>
-                                </a:rPr>
-                                <m:t>+</m:t>
-                              </m:r>
-                              <m:r>
-                                <a:rPr lang="en-US" b="0" i="1" smtClean="0">
-                                  <a:latin typeface="Cambria Math" panose="02040503050406030204" pitchFamily="18" charset="0"/>
-                                </a:rPr>
-                                <m:t>𝑑</m:t>
-                              </m:r>
-                              <m:sSub>
-                                <m:sSubPr>
-                                  <m:ctrlPr>
-                                    <a:rPr lang="en-US" b="0" i="1" smtClean="0">
-                                      <a:latin typeface="Cambria Math" panose="02040503050406030204" pitchFamily="18" charset="0"/>
-                                    </a:rPr>
-                                  </m:ctrlPr>
-                                </m:sSubPr>
-                                <m:e>
-                                  <m:r>
-                                    <a:rPr lang="en-US" b="0" i="1" smtClean="0">
-                                      <a:latin typeface="Cambria Math" panose="02040503050406030204" pitchFamily="18" charset="0"/>
-                                    </a:rPr>
-                                    <m:t>𝑇</m:t>
-                                  </m:r>
-                                </m:e>
-                                <m:sub>
-                                  <m:r>
-                                    <a:rPr lang="en-US" b="0" i="1" smtClean="0">
-                                      <a:latin typeface="Cambria Math" panose="02040503050406030204" pitchFamily="18" charset="0"/>
-                                    </a:rPr>
-                                    <m:t>𝑙</m:t>
-                                  </m:r>
-                                </m:sub>
-                              </m:sSub>
-                              <m:r>
-                                <a:rPr lang="en-US" b="0" i="1" smtClean="0">
-                                  <a:latin typeface="Cambria Math" panose="02040503050406030204" pitchFamily="18" charset="0"/>
-                                </a:rPr>
-                                <m:t>)</m:t>
-                              </m:r>
-                            </m:e>
-                          </m:nary>
-                        </m:e>
-                      </m:func>
-                    </m:oMath>
-                  </m:oMathPara>
-                </a14:m>
-                <a:endParaRPr lang="en-US" dirty="0"/>
-              </a:p>
-            </p:txBody>
-          </p:sp>
-        </mc:Choice>
-        <mc:Fallback xmlns="">
-          <p:sp>
-            <p:nvSpPr>
-              <p:cNvPr id="6" name="TextBox 5">
-                <a:extLst>
-                  <a:ext uri="{FF2B5EF4-FFF2-40B4-BE49-F238E27FC236}">
-                    <a16:creationId xmlns:a16="http://schemas.microsoft.com/office/drawing/2014/main" id="{16DEB784-AFED-4ECA-BAB2-4F9DAEB6BD1B}"/>
-                  </a:ext>
-                </a:extLst>
-              </p:cNvPr>
-              <p:cNvSpPr txBox="1">
-                <a:spLocks noRot="1" noChangeAspect="1" noMove="1" noResize="1" noEditPoints="1" noAdjustHandles="1" noChangeArrowheads="1" noChangeShapeType="1" noTextEdit="1"/>
-              </p:cNvSpPr>
-              <p:nvPr/>
-            </p:nvSpPr>
-            <p:spPr>
-              <a:xfrm>
-                <a:off x="7176781" y="2117368"/>
-                <a:ext cx="1836400" cy="778931"/>
-              </a:xfrm>
-              <a:prstGeom prst="rect">
-                <a:avLst/>
-              </a:prstGeom>
-              <a:blipFill>
-                <a:blip r:embed="rId3"/>
-                <a:stretch>
-                  <a:fillRect/>
-                </a:stretch>
-              </a:blipFill>
-            </p:spPr>
-            <p:txBody>
-              <a:bodyPr/>
-              <a:lstStyle/>
-              <a:p>
-                <a:r>
-                  <a:rPr lang="en-US">
-                    <a:noFill/>
-                  </a:rPr>
-                  <a:t> </a:t>
-                </a:r>
-              </a:p>
-            </p:txBody>
-          </p:sp>
-        </mc:Fallback>
-      </mc:AlternateContent>
-      <p:sp>
-        <p:nvSpPr>
-          <p:cNvPr id="7" name="TextBox 6">
-            <a:extLst>
-              <a:ext uri="{FF2B5EF4-FFF2-40B4-BE49-F238E27FC236}">
-                <a16:creationId xmlns:a16="http://schemas.microsoft.com/office/drawing/2014/main" id="{B6F15B68-D6D6-46D7-9E36-97D2927CFFE6}"/>
-              </a:ext>
-            </a:extLst>
-          </p:cNvPr>
-          <p:cNvSpPr txBox="1"/>
-          <p:nvPr/>
-        </p:nvSpPr>
-        <p:spPr>
-          <a:xfrm>
-            <a:off x="9357237" y="2324265"/>
-            <a:ext cx="679994" cy="369332"/>
-          </a:xfrm>
-          <a:prstGeom prst="rect">
-            <a:avLst/>
-          </a:prstGeom>
-          <a:noFill/>
-        </p:spPr>
-        <p:txBody>
-          <a:bodyPr wrap="none" rtlCol="0">
-            <a:spAutoFit/>
-          </a:bodyPr>
-          <a:lstStyle/>
-          <a:p>
-            <a:r>
-              <a:rPr lang="en-US" dirty="0"/>
-              <a:t>PH=1</a:t>
-            </a:r>
-          </a:p>
-        </p:txBody>
-      </p:sp>
-      <p:pic>
-        <p:nvPicPr>
-          <p:cNvPr id="8" name="Picture 7">
-            <a:extLst>
-              <a:ext uri="{FF2B5EF4-FFF2-40B4-BE49-F238E27FC236}">
-                <a16:creationId xmlns:a16="http://schemas.microsoft.com/office/drawing/2014/main" id="{8256B481-302E-4069-B64D-CA322B67F98E}"/>
-              </a:ext>
-            </a:extLst>
-          </p:cNvPr>
-          <p:cNvPicPr>
-            <a:picLocks noChangeAspect="1"/>
-          </p:cNvPicPr>
-          <p:nvPr/>
-        </p:nvPicPr>
-        <p:blipFill>
-          <a:blip r:embed="rId4"/>
-          <a:stretch>
-            <a:fillRect/>
-          </a:stretch>
-        </p:blipFill>
-        <p:spPr>
-          <a:xfrm>
-            <a:off x="838200" y="2999866"/>
-            <a:ext cx="4460906" cy="3157810"/>
-          </a:xfrm>
-          <a:prstGeom prst="rect">
-            <a:avLst/>
-          </a:prstGeom>
-        </p:spPr>
-      </p:pic>
-      <mc:AlternateContent xmlns:mc="http://schemas.openxmlformats.org/markup-compatibility/2006" xmlns:a14="http://schemas.microsoft.com/office/drawing/2010/main">
-        <mc:Choice Requires="a14">
-          <p:sp>
-            <p:nvSpPr>
-              <p:cNvPr id="9" name="TextBox 8">
-                <a:extLst>
-                  <a:ext uri="{FF2B5EF4-FFF2-40B4-BE49-F238E27FC236}">
-                    <a16:creationId xmlns:a16="http://schemas.microsoft.com/office/drawing/2014/main" id="{86232F01-8319-4C4C-A7F8-D1F729D1AB0C}"/>
-                  </a:ext>
-                </a:extLst>
-              </p:cNvPr>
-              <p:cNvSpPr txBox="1"/>
-              <p:nvPr/>
-            </p:nvSpPr>
-            <p:spPr>
-              <a:xfrm>
-                <a:off x="1696550" y="2201648"/>
-                <a:ext cx="1607876" cy="778931"/>
-              </a:xfrm>
-              <a:prstGeom prst="rect">
-                <a:avLst/>
-              </a:prstGeom>
-              <a:noFill/>
-            </p:spPr>
-            <p:txBody>
-              <a:bodyPr wrap="none" lIns="0" tIns="0" rIns="0" bIns="0" rtlCol="0">
-                <a:spAutoFit/>
-              </a:bodyPr>
-              <a:lstStyle/>
-              <a:p>
-                <a:pPr/>
-                <a14:m>
-                  <m:oMathPara xmlns:m="http://schemas.openxmlformats.org/officeDocument/2006/math">
-                    <m:oMathParaPr>
-                      <m:jc m:val="centerGroup"/>
-                    </m:oMathParaPr>
-                    <m:oMath xmlns:m="http://schemas.openxmlformats.org/officeDocument/2006/math">
-                      <m:func>
-                        <m:funcPr>
-                          <m:ctrlPr>
-                            <a:rPr lang="en-US" b="0" i="1" smtClean="0">
-                              <a:latin typeface="Cambria Math" panose="02040503050406030204" pitchFamily="18" charset="0"/>
-                            </a:rPr>
-                          </m:ctrlPr>
-                        </m:funcPr>
-                        <m:fName>
-                          <m:limLow>
-                            <m:limLowPr>
-                              <m:ctrlPr>
-                                <a:rPr lang="en-US" b="0" i="1" smtClean="0">
-                                  <a:latin typeface="Cambria Math" panose="02040503050406030204" pitchFamily="18" charset="0"/>
-                                </a:rPr>
-                              </m:ctrlPr>
-                            </m:limLowPr>
-                            <m:e>
-                              <m:r>
-                                <m:rPr>
-                                  <m:sty m:val="p"/>
-                                </m:rPr>
-                                <a:rPr lang="en-US" b="0" i="0" smtClean="0">
-                                  <a:latin typeface="Cambria Math" panose="02040503050406030204" pitchFamily="18" charset="0"/>
-                                </a:rPr>
-                                <m:t>min</m:t>
-                              </m:r>
-                            </m:e>
-                            <m:lim>
-                              <m:r>
-                                <m:rPr>
-                                  <m:sty m:val="p"/>
-                                </m:rPr>
-                                <a:rPr lang="en-US" b="0" i="0" smtClean="0">
-                                  <a:latin typeface="Cambria Math" panose="02040503050406030204" pitchFamily="18" charset="0"/>
-                                </a:rPr>
-                                <m:t>u</m:t>
-                              </m:r>
-                            </m:lim>
-                          </m:limLow>
-                        </m:fName>
-                        <m:e>
-                          <m:nary>
-                            <m:naryPr>
-                              <m:chr m:val="∑"/>
-                              <m:ctrlPr>
-                                <a:rPr lang="en-US" b="0" i="1" smtClean="0">
-                                  <a:latin typeface="Cambria Math" panose="02040503050406030204" pitchFamily="18" charset="0"/>
-                                </a:rPr>
-                              </m:ctrlPr>
-                            </m:naryPr>
-                            <m:sub>
-                              <m:r>
-                                <m:rPr>
-                                  <m:brk m:alnAt="23"/>
-                                </m:rPr>
-                                <a:rPr lang="en-US" b="0" i="1" smtClean="0">
-                                  <a:latin typeface="Cambria Math" panose="02040503050406030204" pitchFamily="18" charset="0"/>
-                                </a:rPr>
-                                <m:t>𝑖</m:t>
-                              </m:r>
-                              <m:r>
-                                <a:rPr lang="en-US" b="0" i="1" smtClean="0">
-                                  <a:latin typeface="Cambria Math" panose="02040503050406030204" pitchFamily="18" charset="0"/>
-                                </a:rPr>
-                                <m:t>=1</m:t>
-                              </m:r>
-                            </m:sub>
-                            <m:sup>
-                              <m:r>
-                                <a:rPr lang="en-US" b="0" i="1" smtClean="0">
-                                  <a:latin typeface="Cambria Math" panose="02040503050406030204" pitchFamily="18" charset="0"/>
-                                </a:rPr>
-                                <m:t>𝑃𝐻</m:t>
-                              </m:r>
-                            </m:sup>
-                            <m:e>
-                              <m:sSub>
-                                <m:sSubPr>
-                                  <m:ctrlPr>
-                                    <a:rPr lang="en-US" b="0" i="1" smtClean="0">
-                                      <a:latin typeface="Cambria Math" panose="02040503050406030204" pitchFamily="18" charset="0"/>
-                                    </a:rPr>
-                                  </m:ctrlPr>
-                                </m:sSubPr>
-                                <m:e>
-                                  <m:r>
-                                    <a:rPr lang="en-US" b="0" i="1" smtClean="0">
-                                      <a:latin typeface="Cambria Math" panose="02040503050406030204" pitchFamily="18" charset="0"/>
-                                    </a:rPr>
-                                    <m:t>𝑝</m:t>
-                                  </m:r>
-                                </m:e>
-                                <m:sub>
-                                  <m:r>
-                                    <a:rPr lang="en-US" b="0" i="1" smtClean="0">
-                                      <a:latin typeface="Cambria Math" panose="02040503050406030204" pitchFamily="18" charset="0"/>
-                                    </a:rPr>
-                                    <m:t>𝑖</m:t>
-                                  </m:r>
-                                </m:sub>
-                              </m:sSub>
-                              <m:sSub>
-                                <m:sSubPr>
-                                  <m:ctrlPr>
-                                    <a:rPr lang="en-US" b="0" i="1" smtClean="0">
-                                      <a:latin typeface="Cambria Math" panose="02040503050406030204" pitchFamily="18" charset="0"/>
-                                    </a:rPr>
-                                  </m:ctrlPr>
-                                </m:sSubPr>
-                                <m:e>
-                                  <m:r>
-                                    <a:rPr lang="en-US" b="0" i="1" smtClean="0">
-                                      <a:latin typeface="Cambria Math" panose="02040503050406030204" pitchFamily="18" charset="0"/>
-                                    </a:rPr>
-                                    <m:t>𝑃</m:t>
-                                  </m:r>
-                                </m:e>
-                                <m:sub>
-                                  <m:r>
-                                    <a:rPr lang="en-US" b="0" i="1" smtClean="0">
-                                      <a:latin typeface="Cambria Math" panose="02040503050406030204" pitchFamily="18" charset="0"/>
-                                    </a:rPr>
-                                    <m:t>𝑖</m:t>
-                                  </m:r>
-                                </m:sub>
-                              </m:sSub>
-                              <m:d>
-                                <m:dPr>
-                                  <m:ctrlPr>
-                                    <a:rPr lang="en-US" b="0" i="1" smtClean="0">
-                                      <a:latin typeface="Cambria Math" panose="02040503050406030204" pitchFamily="18" charset="0"/>
-                                    </a:rPr>
-                                  </m:ctrlPr>
-                                </m:dPr>
-                                <m:e>
-                                  <m:sSub>
-                                    <m:sSubPr>
-                                      <m:ctrlPr>
-                                        <a:rPr lang="en-US" b="0" i="1" smtClean="0">
-                                          <a:latin typeface="Cambria Math" panose="02040503050406030204" pitchFamily="18" charset="0"/>
-                                        </a:rPr>
-                                      </m:ctrlPr>
-                                    </m:sSubPr>
-                                    <m:e>
-                                      <m:r>
-                                        <a:rPr lang="en-US" b="0" i="1" smtClean="0">
-                                          <a:latin typeface="Cambria Math" panose="02040503050406030204" pitchFamily="18" charset="0"/>
-                                        </a:rPr>
-                                        <m:t>𝑢</m:t>
-                                      </m:r>
-                                    </m:e>
-                                    <m:sub>
-                                      <m:r>
-                                        <a:rPr lang="en-US" b="0" i="1" smtClean="0">
-                                          <a:latin typeface="Cambria Math" panose="02040503050406030204" pitchFamily="18" charset="0"/>
-                                        </a:rPr>
-                                        <m:t>𝑖</m:t>
-                                      </m:r>
-                                    </m:sub>
-                                  </m:sSub>
-                                </m:e>
-                              </m:d>
-                            </m:e>
-                          </m:nary>
-                        </m:e>
-                      </m:func>
-                    </m:oMath>
-                  </m:oMathPara>
-                </a14:m>
-                <a:endParaRPr lang="en-US" dirty="0"/>
-              </a:p>
-            </p:txBody>
-          </p:sp>
-        </mc:Choice>
-        <mc:Fallback xmlns="">
-          <p:sp>
-            <p:nvSpPr>
-              <p:cNvPr id="9" name="TextBox 8">
-                <a:extLst>
-                  <a:ext uri="{FF2B5EF4-FFF2-40B4-BE49-F238E27FC236}">
-                    <a16:creationId xmlns:a16="http://schemas.microsoft.com/office/drawing/2014/main" id="{86232F01-8319-4C4C-A7F8-D1F729D1AB0C}"/>
-                  </a:ext>
-                </a:extLst>
-              </p:cNvPr>
-              <p:cNvSpPr txBox="1">
-                <a:spLocks noRot="1" noChangeAspect="1" noMove="1" noResize="1" noEditPoints="1" noAdjustHandles="1" noChangeArrowheads="1" noChangeShapeType="1" noTextEdit="1"/>
-              </p:cNvSpPr>
-              <p:nvPr/>
-            </p:nvSpPr>
-            <p:spPr>
-              <a:xfrm>
-                <a:off x="1696550" y="2201648"/>
-                <a:ext cx="1607876" cy="778931"/>
-              </a:xfrm>
-              <a:prstGeom prst="rect">
-                <a:avLst/>
-              </a:prstGeom>
-              <a:blipFill>
-                <a:blip r:embed="rId5"/>
-                <a:stretch>
-                  <a:fillRect/>
-                </a:stretch>
-              </a:blipFill>
-            </p:spPr>
-            <p:txBody>
-              <a:bodyPr/>
-              <a:lstStyle/>
-              <a:p>
-                <a:r>
-                  <a:rPr lang="en-US">
-                    <a:noFill/>
-                  </a:rPr>
-                  <a:t> </a:t>
-                </a:r>
-              </a:p>
-            </p:txBody>
-          </p:sp>
-        </mc:Fallback>
-      </mc:AlternateContent>
-      <p:sp>
-        <p:nvSpPr>
-          <p:cNvPr id="10" name="TextBox 9">
-            <a:extLst>
-              <a:ext uri="{FF2B5EF4-FFF2-40B4-BE49-F238E27FC236}">
-                <a16:creationId xmlns:a16="http://schemas.microsoft.com/office/drawing/2014/main" id="{360541BC-D51B-4D2D-AC9F-C44DFF4C8D59}"/>
-              </a:ext>
-            </a:extLst>
-          </p:cNvPr>
-          <p:cNvSpPr txBox="1"/>
-          <p:nvPr/>
-        </p:nvSpPr>
-        <p:spPr>
-          <a:xfrm>
-            <a:off x="3729623" y="2436225"/>
-            <a:ext cx="679994" cy="369332"/>
-          </a:xfrm>
-          <a:prstGeom prst="rect">
-            <a:avLst/>
-          </a:prstGeom>
-          <a:noFill/>
-        </p:spPr>
-        <p:txBody>
-          <a:bodyPr wrap="none" rtlCol="0">
-            <a:spAutoFit/>
-          </a:bodyPr>
-          <a:lstStyle/>
-          <a:p>
-            <a:r>
-              <a:rPr lang="en-US" dirty="0"/>
-              <a:t>PH=1</a:t>
-            </a:r>
-          </a:p>
-        </p:txBody>
-      </p:sp>
-    </p:spTree>
-    <p:extLst>
-      <p:ext uri="{BB962C8B-B14F-4D97-AF65-F5344CB8AC3E}">
-        <p14:creationId xmlns:p14="http://schemas.microsoft.com/office/powerpoint/2010/main" val="3792786487"/>
-      </p:ext>
-    </p:extLst>
-  </p:cSld>
-  <p:clrMapOvr>
-    <a:masterClrMapping/>
-  </p:clrMapOvr>
-</p:sld>
-</file>
-
-<file path=ppt/slides/slide11.xml><?xml version="1.0" encoding="utf-8"?>
-<p:sld xmlns:a="http://schemas.openxmlformats.org/drawingml/2006/main" xmlns:r="http://schemas.openxmlformats.org/officeDocument/2006/relationships" xmlns:p="http://schemas.openxmlformats.org/presentationml/2006/main">
-  <p:cSld>
-    <p:spTree>
-      <p:nvGrpSpPr>
-        <p:cNvPr id="1" name=""/>
-        <p:cNvGrpSpPr/>
-        <p:nvPr/>
-      </p:nvGrpSpPr>
-      <p:grpSpPr>
-        <a:xfrm>
-          <a:off x="0" y="0"/>
-          <a:ext cx="0" cy="0"/>
-          <a:chOff x="0" y="0"/>
-          <a:chExt cx="0" cy="0"/>
-        </a:xfrm>
-      </p:grpSpPr>
-      <p:sp>
-        <p:nvSpPr>
-          <p:cNvPr id="2" name="Title 1">
-            <a:extLst>
-              <a:ext uri="{FF2B5EF4-FFF2-40B4-BE49-F238E27FC236}">
-                <a16:creationId xmlns:a16="http://schemas.microsoft.com/office/drawing/2014/main" id="{8AFF19EB-A762-4838-A240-737139FA2C84}"/>
-              </a:ext>
-            </a:extLst>
-          </p:cNvPr>
-          <p:cNvSpPr>
-            <a:spLocks noGrp="1"/>
-          </p:cNvSpPr>
-          <p:nvPr>
-            <p:ph type="title"/>
-          </p:nvPr>
-        </p:nvSpPr>
-        <p:spPr>
-          <a:xfrm>
-            <a:off x="838200" y="365125"/>
-            <a:ext cx="10515600" cy="910002"/>
-          </a:xfrm>
-        </p:spPr>
-        <p:txBody>
-          <a:bodyPr/>
-          <a:lstStyle/>
-          <a:p>
-            <a:r>
-              <a:rPr lang="en-US" dirty="0"/>
-              <a:t>Zone Temperature Dynamics</a:t>
-            </a:r>
-          </a:p>
-        </p:txBody>
-      </p:sp>
-      <p:sp>
-        <p:nvSpPr>
-          <p:cNvPr id="3" name="Content Placeholder 2">
-            <a:extLst>
-              <a:ext uri="{FF2B5EF4-FFF2-40B4-BE49-F238E27FC236}">
-                <a16:creationId xmlns:a16="http://schemas.microsoft.com/office/drawing/2014/main" id="{19DF214F-E69E-4142-BF06-E3F82D06856C}"/>
-              </a:ext>
-            </a:extLst>
-          </p:cNvPr>
-          <p:cNvSpPr>
-            <a:spLocks noGrp="1"/>
-          </p:cNvSpPr>
-          <p:nvPr>
-            <p:ph idx="1"/>
-          </p:nvPr>
-        </p:nvSpPr>
-        <p:spPr/>
-        <p:txBody>
-          <a:bodyPr/>
-          <a:lstStyle/>
-          <a:p>
-            <a:r>
-              <a:rPr lang="en-US" dirty="0"/>
-              <a:t>Model 1: polynomial </a:t>
-            </a:r>
-          </a:p>
-          <a:p>
-            <a:r>
-              <a:rPr lang="en-US" dirty="0"/>
-              <a:t>Model 2: ANN</a:t>
-            </a:r>
-          </a:p>
-          <a:p>
-            <a:pPr lvl="1"/>
-            <a:r>
-              <a:rPr lang="en-US" dirty="0"/>
-              <a:t>1. one history step</a:t>
-            </a:r>
-          </a:p>
-          <a:p>
-            <a:pPr lvl="1"/>
-            <a:r>
-              <a:rPr lang="en-US" dirty="0"/>
-              <a:t>2. four history step</a:t>
-            </a:r>
-          </a:p>
-        </p:txBody>
-      </p:sp>
-    </p:spTree>
-    <p:extLst>
-      <p:ext uri="{BB962C8B-B14F-4D97-AF65-F5344CB8AC3E}">
-        <p14:creationId xmlns:p14="http://schemas.microsoft.com/office/powerpoint/2010/main" val="695880980"/>
-      </p:ext>
-    </p:extLst>
-  </p:cSld>
-  <p:clrMapOvr>
-    <a:masterClrMapping/>
-  </p:clrMapOvr>
-</p:sld>
-</file>
-
-<file path=ppt/slides/slide12.xml><?xml version="1.0" encoding="utf-8"?>
-<p:sld xmlns:a="http://schemas.openxmlformats.org/drawingml/2006/main" xmlns:r="http://schemas.openxmlformats.org/officeDocument/2006/relationships" xmlns:p="http://schemas.openxmlformats.org/presentationml/2006/main">
-  <p:cSld>
-    <p:spTree>
-      <p:nvGrpSpPr>
-        <p:cNvPr id="1" name=""/>
-        <p:cNvGrpSpPr/>
-        <p:nvPr/>
-      </p:nvGrpSpPr>
-      <p:grpSpPr>
-        <a:xfrm>
-          <a:off x="0" y="0"/>
-          <a:ext cx="0" cy="0"/>
-          <a:chOff x="0" y="0"/>
-          <a:chExt cx="0" cy="0"/>
-        </a:xfrm>
-      </p:grpSpPr>
-      <p:sp>
-        <p:nvSpPr>
-          <p:cNvPr id="2" name="Title 1">
-            <a:extLst>
-              <a:ext uri="{FF2B5EF4-FFF2-40B4-BE49-F238E27FC236}">
-                <a16:creationId xmlns:a16="http://schemas.microsoft.com/office/drawing/2014/main" id="{22E75172-1386-433B-8A05-E6B4E9764C7F}"/>
-              </a:ext>
-            </a:extLst>
-          </p:cNvPr>
-          <p:cNvSpPr>
-            <a:spLocks noGrp="1"/>
-          </p:cNvSpPr>
-          <p:nvPr>
-            <p:ph type="title"/>
-          </p:nvPr>
-        </p:nvSpPr>
-        <p:spPr/>
-        <p:txBody>
-          <a:bodyPr/>
-          <a:lstStyle/>
-          <a:p>
-            <a:r>
-              <a:rPr lang="en-US" dirty="0"/>
-              <a:t>Model 2:</a:t>
-            </a:r>
-          </a:p>
-        </p:txBody>
-      </p:sp>
-      <p:pic>
-        <p:nvPicPr>
-          <p:cNvPr id="5" name="Content Placeholder 4">
-            <a:extLst>
-              <a:ext uri="{FF2B5EF4-FFF2-40B4-BE49-F238E27FC236}">
-                <a16:creationId xmlns:a16="http://schemas.microsoft.com/office/drawing/2014/main" id="{7125860C-C965-4F37-9244-7315275AB018}"/>
-              </a:ext>
-            </a:extLst>
-          </p:cNvPr>
-          <p:cNvPicPr>
-            <a:picLocks noGrp="1" noChangeAspect="1"/>
-          </p:cNvPicPr>
-          <p:nvPr>
-            <p:ph idx="1"/>
-          </p:nvPr>
-        </p:nvPicPr>
-        <p:blipFill>
-          <a:blip r:embed="rId2"/>
-          <a:stretch>
-            <a:fillRect/>
-          </a:stretch>
-        </p:blipFill>
-        <p:spPr>
-          <a:xfrm>
-            <a:off x="5829172" y="2387687"/>
-            <a:ext cx="6137501" cy="4351338"/>
-          </a:xfrm>
-          <a:prstGeom prst="rect">
-            <a:avLst/>
-          </a:prstGeom>
-        </p:spPr>
-      </p:pic>
-      <p:sp>
-        <p:nvSpPr>
-          <p:cNvPr id="6" name="TextBox 5">
-            <a:extLst>
-              <a:ext uri="{FF2B5EF4-FFF2-40B4-BE49-F238E27FC236}">
-                <a16:creationId xmlns:a16="http://schemas.microsoft.com/office/drawing/2014/main" id="{BF0035B1-13B7-4FAA-8E7D-885F9B225D33}"/>
-              </a:ext>
-            </a:extLst>
-          </p:cNvPr>
-          <p:cNvSpPr txBox="1"/>
-          <p:nvPr/>
-        </p:nvSpPr>
-        <p:spPr>
-          <a:xfrm>
-            <a:off x="8472882" y="1954634"/>
-            <a:ext cx="476412" cy="369332"/>
-          </a:xfrm>
-          <a:prstGeom prst="rect">
-            <a:avLst/>
-          </a:prstGeom>
-          <a:noFill/>
-        </p:spPr>
-        <p:txBody>
-          <a:bodyPr wrap="none" rtlCol="0">
-            <a:spAutoFit/>
-          </a:bodyPr>
-          <a:lstStyle/>
-          <a:p>
-            <a:r>
-              <a:rPr lang="en-US" dirty="0"/>
-              <a:t>2.2</a:t>
-            </a:r>
-          </a:p>
-        </p:txBody>
-      </p:sp>
-    </p:spTree>
-    <p:extLst>
-      <p:ext uri="{BB962C8B-B14F-4D97-AF65-F5344CB8AC3E}">
-        <p14:creationId xmlns:p14="http://schemas.microsoft.com/office/powerpoint/2010/main" val="702200145"/>
-      </p:ext>
-    </p:extLst>
-  </p:cSld>
-  <p:clrMapOvr>
-    <a:masterClrMapping/>
-  </p:clrMapOvr>
-</p:sld>
-</file>
-
-<file path=ppt/slides/slide13.xml><?xml version="1.0" encoding="utf-8"?>
-<p:sld xmlns:a="http://schemas.openxmlformats.org/drawingml/2006/main" xmlns:r="http://schemas.openxmlformats.org/officeDocument/2006/relationships" xmlns:p="http://schemas.openxmlformats.org/presentationml/2006/main">
-  <p:cSld>
-    <p:spTree>
-      <p:nvGrpSpPr>
-        <p:cNvPr id="1" name=""/>
-        <p:cNvGrpSpPr/>
-        <p:nvPr/>
-      </p:nvGrpSpPr>
-      <p:grpSpPr>
-        <a:xfrm>
-          <a:off x="0" y="0"/>
-          <a:ext cx="0" cy="0"/>
-          <a:chOff x="0" y="0"/>
-          <a:chExt cx="0" cy="0"/>
-        </a:xfrm>
-      </p:grpSpPr>
-      <p:sp>
-        <p:nvSpPr>
-          <p:cNvPr id="2" name="Title 1">
-            <a:extLst>
-              <a:ext uri="{FF2B5EF4-FFF2-40B4-BE49-F238E27FC236}">
                 <a16:creationId xmlns:a16="http://schemas.microsoft.com/office/drawing/2014/main" id="{3646AFDB-3C27-4B51-ABCA-7E43867793DA}"/>
               </a:ext>
             </a:extLst>
@@ -4412,38 +3454,6 @@
           </a:p>
         </p:txBody>
       </p:sp>
-      <p:pic>
-        <p:nvPicPr>
-          <p:cNvPr id="5" name="Content Placeholder 4">
-            <a:extLst>
-              <a:ext uri="{FF2B5EF4-FFF2-40B4-BE49-F238E27FC236}">
-                <a16:creationId xmlns:a16="http://schemas.microsoft.com/office/drawing/2014/main" id="{3C463D21-1015-4253-AC31-FA2046E1BC7A}"/>
-              </a:ext>
-            </a:extLst>
-          </p:cNvPr>
-          <p:cNvPicPr>
-            <a:picLocks noGrp="1" noChangeAspect="1"/>
-          </p:cNvPicPr>
-          <p:nvPr>
-            <p:ph idx="1"/>
-          </p:nvPr>
-        </p:nvPicPr>
-        <p:blipFill>
-          <a:blip r:embed="rId2"/>
-          <a:stretch>
-            <a:fillRect/>
-          </a:stretch>
-        </p:blipFill>
-        <p:spPr>
-          <a:xfrm>
-            <a:off x="107913" y="2765192"/>
-            <a:ext cx="3734828" cy="2662485"/>
-          </a:xfrm>
-          <a:prstGeom prst="rect">
-            <a:avLst/>
-          </a:prstGeom>
-        </p:spPr>
-      </p:pic>
       <p:sp>
         <p:nvSpPr>
           <p:cNvPr id="4" name="TextBox 3">
@@ -4474,43 +3484,13 @@
           <a:p>
             <a:r>
               <a:rPr lang="en-US" dirty="0"/>
-              <a:t>Model 2.2: PH=1</a:t>
+              <a:t>Model 1.2: PH=4</a:t>
             </a:r>
           </a:p>
         </p:txBody>
       </p:sp>
-      <p:pic>
-        <p:nvPicPr>
-          <p:cNvPr id="6" name="Picture 5">
-            <a:extLst>
-              <a:ext uri="{FF2B5EF4-FFF2-40B4-BE49-F238E27FC236}">
-                <a16:creationId xmlns:a16="http://schemas.microsoft.com/office/drawing/2014/main" id="{1FCA101D-0C64-46A1-BDDE-171B0B434BC3}"/>
-              </a:ext>
-            </a:extLst>
-          </p:cNvPr>
-          <p:cNvPicPr>
-            <a:picLocks noChangeAspect="1"/>
-          </p:cNvPicPr>
-          <p:nvPr/>
-        </p:nvPicPr>
-        <p:blipFill>
-          <a:blip r:embed="rId3"/>
-          <a:stretch>
-            <a:fillRect/>
-          </a:stretch>
-        </p:blipFill>
-        <p:spPr>
-          <a:xfrm>
-            <a:off x="3959647" y="2492507"/>
-            <a:ext cx="3752001" cy="2935170"/>
-          </a:xfrm>
-          <a:prstGeom prst="rect">
-            <a:avLst/>
-          </a:prstGeom>
-        </p:spPr>
-      </p:pic>
-      <mc:AlternateContent xmlns:mc="http://schemas.openxmlformats.org/markup-compatibility/2006">
-        <mc:Choice xmlns:a14="http://schemas.microsoft.com/office/drawing/2010/main" Requires="a14">
+      <mc:AlternateContent xmlns:mc="http://schemas.openxmlformats.org/markup-compatibility/2006" xmlns:a14="http://schemas.microsoft.com/office/drawing/2010/main">
+        <mc:Choice Requires="a14">
           <p:sp>
             <p:nvSpPr>
               <p:cNvPr id="7" name="TextBox 6">
@@ -4721,7 +3701,7 @@
             </p:txBody>
           </p:sp>
         </mc:Choice>
-        <mc:Fallback>
+        <mc:Fallback xmlns="">
           <p:sp>
             <p:nvSpPr>
               <p:cNvPr id="7" name="TextBox 6">
@@ -4766,8 +3746,8 @@
           </p:sp>
         </mc:Fallback>
       </mc:AlternateContent>
-      <mc:AlternateContent xmlns:mc="http://schemas.openxmlformats.org/markup-compatibility/2006">
-        <mc:Choice xmlns:a14="http://schemas.microsoft.com/office/drawing/2010/main" Requires="a14">
+      <mc:AlternateContent xmlns:mc="http://schemas.openxmlformats.org/markup-compatibility/2006" xmlns:a14="http://schemas.microsoft.com/office/drawing/2010/main">
+        <mc:Choice Requires="a14">
           <p:sp>
             <p:nvSpPr>
               <p:cNvPr id="8" name="TextBox 7">
@@ -4966,7 +3946,7 @@
             </p:txBody>
           </p:sp>
         </mc:Choice>
-        <mc:Fallback>
+        <mc:Fallback xmlns="">
           <p:sp>
             <p:nvSpPr>
               <p:cNvPr id="8" name="TextBox 7">
@@ -5028,7 +4008,7 @@
             <p:spPr>
               <a:xfrm>
                 <a:off x="8669449" y="1986261"/>
-                <a:ext cx="3040512" cy="778931"/>
+                <a:ext cx="3186962" cy="778931"/>
               </a:xfrm>
               <a:prstGeom prst="rect">
                 <a:avLst/>
@@ -5230,6 +4210,12 @@
                                     <a:rPr lang="en-US" b="0" i="1" smtClean="0">
                                       <a:latin typeface="Cambria Math" panose="02040503050406030204" pitchFamily="18" charset="0"/>
                                     </a:rPr>
+                                    <m:t>𝛽</m:t>
+                                  </m:r>
+                                  <m:r>
+                                    <a:rPr lang="en-US" b="0" i="1" smtClean="0">
+                                      <a:latin typeface="Cambria Math" panose="02040503050406030204" pitchFamily="18" charset="0"/>
+                                    </a:rPr>
                                     <m:t>(</m:t>
                                   </m:r>
                                   <m:r>
@@ -5321,7 +4307,7 @@
             <p:spPr>
               <a:xfrm>
                 <a:off x="8669449" y="1986261"/>
-                <a:ext cx="3040512" cy="778931"/>
+                <a:ext cx="3186962" cy="778931"/>
               </a:xfrm>
               <a:prstGeom prst="rect">
                 <a:avLst/>
@@ -5350,10 +4336,10 @@
       </mc:AlternateContent>
       <p:pic>
         <p:nvPicPr>
-          <p:cNvPr id="11" name="Picture 10">
-            <a:extLst>
-              <a:ext uri="{FF2B5EF4-FFF2-40B4-BE49-F238E27FC236}">
-                <a16:creationId xmlns:a16="http://schemas.microsoft.com/office/drawing/2014/main" id="{B1026518-42EC-4B2A-AB63-D72FA406AFF5}"/>
+          <p:cNvPr id="3" name="Picture 2">
+            <a:extLst>
+              <a:ext uri="{FF2B5EF4-FFF2-40B4-BE49-F238E27FC236}">
+                <a16:creationId xmlns:a16="http://schemas.microsoft.com/office/drawing/2014/main" id="{E5C7BA81-D238-42E7-AE60-4D532B069B21}"/>
               </a:ext>
             </a:extLst>
           </p:cNvPr>
@@ -5370,8 +4356,68 @@
         </p:blipFill>
         <p:spPr>
           <a:xfrm>
-            <a:off x="8107749" y="2765192"/>
-            <a:ext cx="3713288" cy="2662485"/>
+            <a:off x="4113846" y="2765192"/>
+            <a:ext cx="3899737" cy="2752756"/>
+          </a:xfrm>
+          <a:prstGeom prst="rect">
+            <a:avLst/>
+          </a:prstGeom>
+        </p:spPr>
+      </p:pic>
+      <p:pic>
+        <p:nvPicPr>
+          <p:cNvPr id="5" name="Picture 4">
+            <a:extLst>
+              <a:ext uri="{FF2B5EF4-FFF2-40B4-BE49-F238E27FC236}">
+                <a16:creationId xmlns:a16="http://schemas.microsoft.com/office/drawing/2014/main" id="{79FDC3F6-FC35-46DC-8B51-C439798D1F69}"/>
+              </a:ext>
+            </a:extLst>
+          </p:cNvPr>
+          <p:cNvPicPr>
+            <a:picLocks noChangeAspect="1"/>
+          </p:cNvPicPr>
+          <p:nvPr/>
+        </p:nvPicPr>
+        <p:blipFill>
+          <a:blip r:embed="rId8"/>
+          <a:stretch>
+            <a:fillRect/>
+          </a:stretch>
+        </p:blipFill>
+        <p:spPr>
+          <a:xfrm>
+            <a:off x="8148780" y="2765192"/>
+            <a:ext cx="3932508" cy="2752756"/>
+          </a:xfrm>
+          <a:prstGeom prst="rect">
+            <a:avLst/>
+          </a:prstGeom>
+        </p:spPr>
+      </p:pic>
+      <p:pic>
+        <p:nvPicPr>
+          <p:cNvPr id="6" name="Picture 5">
+            <a:extLst>
+              <a:ext uri="{FF2B5EF4-FFF2-40B4-BE49-F238E27FC236}">
+                <a16:creationId xmlns:a16="http://schemas.microsoft.com/office/drawing/2014/main" id="{9D06F48D-0DA9-4EA3-AF78-CD46BF7834E2}"/>
+              </a:ext>
+            </a:extLst>
+          </p:cNvPr>
+          <p:cNvPicPr>
+            <a:picLocks noChangeAspect="1"/>
+          </p:cNvPicPr>
+          <p:nvPr/>
+        </p:nvPicPr>
+        <p:blipFill>
+          <a:blip r:embed="rId9"/>
+          <a:stretch>
+            <a:fillRect/>
+          </a:stretch>
+        </p:blipFill>
+        <p:spPr>
+          <a:xfrm>
+            <a:off x="0" y="2765192"/>
+            <a:ext cx="3980336" cy="2752756"/>
           </a:xfrm>
           <a:prstGeom prst="rect">
             <a:avLst/>
@@ -5381,7 +4427,7 @@
     </p:spTree>
     <p:extLst>
       <p:ext uri="{BB962C8B-B14F-4D97-AF65-F5344CB8AC3E}">
-        <p14:creationId xmlns:p14="http://schemas.microsoft.com/office/powerpoint/2010/main" val="1539644446"/>
+        <p14:creationId xmlns:p14="http://schemas.microsoft.com/office/powerpoint/2010/main" val="1278580623"/>
       </p:ext>
     </p:extLst>
   </p:cSld>
@@ -5391,7 +4437,7 @@
 </p:sld>
 </file>
 
-<file path=ppt/slides/slide14.xml><?xml version="1.0" encoding="utf-8"?>
+<file path=ppt/slides/slide11.xml><?xml version="1.0" encoding="utf-8"?>
 <p:sld xmlns:a="http://schemas.openxmlformats.org/drawingml/2006/main" xmlns:r="http://schemas.openxmlformats.org/officeDocument/2006/relationships" xmlns:p="http://schemas.openxmlformats.org/presentationml/2006/main">
   <p:cSld>
     <p:spTree>
@@ -5441,6 +4487,38 @@
           </a:p>
         </p:txBody>
       </p:sp>
+      <p:pic>
+        <p:nvPicPr>
+          <p:cNvPr id="5" name="Content Placeholder 4">
+            <a:extLst>
+              <a:ext uri="{FF2B5EF4-FFF2-40B4-BE49-F238E27FC236}">
+                <a16:creationId xmlns:a16="http://schemas.microsoft.com/office/drawing/2014/main" id="{3C463D21-1015-4253-AC31-FA2046E1BC7A}"/>
+              </a:ext>
+            </a:extLst>
+          </p:cNvPr>
+          <p:cNvPicPr>
+            <a:picLocks noGrp="1" noChangeAspect="1"/>
+          </p:cNvPicPr>
+          <p:nvPr>
+            <p:ph idx="1"/>
+          </p:nvPr>
+        </p:nvPicPr>
+        <p:blipFill>
+          <a:blip r:embed="rId2"/>
+          <a:stretch>
+            <a:fillRect/>
+          </a:stretch>
+        </p:blipFill>
+        <p:spPr>
+          <a:xfrm>
+            <a:off x="107913" y="2765192"/>
+            <a:ext cx="3734828" cy="2662485"/>
+          </a:xfrm>
+          <a:prstGeom prst="rect">
+            <a:avLst/>
+          </a:prstGeom>
+        </p:spPr>
+      </p:pic>
       <p:sp>
         <p:nvSpPr>
           <p:cNvPr id="4" name="TextBox 3">
@@ -5471,13 +4549,43 @@
           <a:p>
             <a:r>
               <a:rPr lang="en-US" dirty="0"/>
-              <a:t>Model 2.2: PH=4</a:t>
+              <a:t>Model 2.2: PH=1</a:t>
             </a:r>
           </a:p>
         </p:txBody>
       </p:sp>
-      <mc:AlternateContent xmlns:mc="http://schemas.openxmlformats.org/markup-compatibility/2006">
-        <mc:Choice xmlns:a14="http://schemas.microsoft.com/office/drawing/2010/main" Requires="a14">
+      <p:pic>
+        <p:nvPicPr>
+          <p:cNvPr id="6" name="Picture 5">
+            <a:extLst>
+              <a:ext uri="{FF2B5EF4-FFF2-40B4-BE49-F238E27FC236}">
+                <a16:creationId xmlns:a16="http://schemas.microsoft.com/office/drawing/2014/main" id="{1FCA101D-0C64-46A1-BDDE-171B0B434BC3}"/>
+              </a:ext>
+            </a:extLst>
+          </p:cNvPr>
+          <p:cNvPicPr>
+            <a:picLocks noChangeAspect="1"/>
+          </p:cNvPicPr>
+          <p:nvPr/>
+        </p:nvPicPr>
+        <p:blipFill>
+          <a:blip r:embed="rId3"/>
+          <a:stretch>
+            <a:fillRect/>
+          </a:stretch>
+        </p:blipFill>
+        <p:spPr>
+          <a:xfrm>
+            <a:off x="3959647" y="2492507"/>
+            <a:ext cx="3752001" cy="2935170"/>
+          </a:xfrm>
+          <a:prstGeom prst="rect">
+            <a:avLst/>
+          </a:prstGeom>
+        </p:spPr>
+      </p:pic>
+      <mc:AlternateContent xmlns:mc="http://schemas.openxmlformats.org/markup-compatibility/2006" xmlns:a14="http://schemas.microsoft.com/office/drawing/2010/main">
+        <mc:Choice Requires="a14">
           <p:sp>
             <p:nvSpPr>
               <p:cNvPr id="7" name="TextBox 6">
@@ -5688,7 +4796,7 @@
             </p:txBody>
           </p:sp>
         </mc:Choice>
-        <mc:Fallback>
+        <mc:Fallback xmlns="">
           <p:sp>
             <p:nvSpPr>
               <p:cNvPr id="7" name="TextBox 6">
@@ -5712,7 +4820,7 @@
                 <a:avLst/>
               </a:prstGeom>
               <a:blipFill>
-                <a:blip r:embed="rId2"/>
+                <a:blip r:embed="rId4"/>
                 <a:stretch>
                   <a:fillRect/>
                 </a:stretch>
@@ -5733,8 +4841,8 @@
           </p:sp>
         </mc:Fallback>
       </mc:AlternateContent>
-      <mc:AlternateContent xmlns:mc="http://schemas.openxmlformats.org/markup-compatibility/2006">
-        <mc:Choice xmlns:a14="http://schemas.microsoft.com/office/drawing/2010/main" Requires="a14">
+      <mc:AlternateContent xmlns:mc="http://schemas.openxmlformats.org/markup-compatibility/2006" xmlns:a14="http://schemas.microsoft.com/office/drawing/2010/main">
+        <mc:Choice Requires="a14">
           <p:sp>
             <p:nvSpPr>
               <p:cNvPr id="8" name="TextBox 7">
@@ -5933,7 +5041,7 @@
             </p:txBody>
           </p:sp>
         </mc:Choice>
-        <mc:Fallback>
+        <mc:Fallback xmlns="">
           <p:sp>
             <p:nvSpPr>
               <p:cNvPr id="8" name="TextBox 7">
@@ -5957,7 +5065,7 @@
                 <a:avLst/>
               </a:prstGeom>
               <a:blipFill>
-                <a:blip r:embed="rId3"/>
+                <a:blip r:embed="rId5"/>
                 <a:stretch>
                   <a:fillRect/>
                 </a:stretch>
@@ -5995,7 +5103,7 @@
             <p:spPr>
               <a:xfrm>
                 <a:off x="8669449" y="1986261"/>
-                <a:ext cx="3040512" cy="778931"/>
+                <a:ext cx="3186962" cy="778931"/>
               </a:xfrm>
               <a:prstGeom prst="rect">
                 <a:avLst/>
@@ -6197,6 +5305,12 @@
                                     <a:rPr lang="en-US" b="0" i="1" smtClean="0">
                                       <a:latin typeface="Cambria Math" panose="02040503050406030204" pitchFamily="18" charset="0"/>
                                     </a:rPr>
+                                    <m:t>𝛽</m:t>
+                                  </m:r>
+                                  <m:r>
+                                    <a:rPr lang="en-US" b="0" i="1" smtClean="0">
+                                      <a:latin typeface="Cambria Math" panose="02040503050406030204" pitchFamily="18" charset="0"/>
+                                    </a:rPr>
                                     <m:t>(</m:t>
                                   </m:r>
                                   <m:r>
@@ -6288,7 +5402,980 @@
             <p:spPr>
               <a:xfrm>
                 <a:off x="8669449" y="1986261"/>
-                <a:ext cx="3040512" cy="778931"/>
+                <a:ext cx="3186962" cy="778931"/>
+              </a:xfrm>
+              <a:prstGeom prst="rect">
+                <a:avLst/>
+              </a:prstGeom>
+              <a:blipFill>
+                <a:blip r:embed="rId6"/>
+                <a:stretch>
+                  <a:fillRect/>
+                </a:stretch>
+              </a:blipFill>
+            </p:spPr>
+            <p:txBody>
+              <a:bodyPr/>
+              <a:lstStyle/>
+              <a:p>
+                <a:r>
+                  <a:rPr lang="en-US">
+                    <a:noFill/>
+                  </a:rPr>
+                  <a:t> </a:t>
+                </a:r>
+              </a:p>
+            </p:txBody>
+          </p:sp>
+        </mc:Fallback>
+      </mc:AlternateContent>
+      <p:pic>
+        <p:nvPicPr>
+          <p:cNvPr id="11" name="Picture 10">
+            <a:extLst>
+              <a:ext uri="{FF2B5EF4-FFF2-40B4-BE49-F238E27FC236}">
+                <a16:creationId xmlns:a16="http://schemas.microsoft.com/office/drawing/2014/main" id="{B1026518-42EC-4B2A-AB63-D72FA406AFF5}"/>
+              </a:ext>
+            </a:extLst>
+          </p:cNvPr>
+          <p:cNvPicPr>
+            <a:picLocks noChangeAspect="1"/>
+          </p:cNvPicPr>
+          <p:nvPr/>
+        </p:nvPicPr>
+        <p:blipFill>
+          <a:blip r:embed="rId7"/>
+          <a:stretch>
+            <a:fillRect/>
+          </a:stretch>
+        </p:blipFill>
+        <p:spPr>
+          <a:xfrm>
+            <a:off x="8107749" y="2765192"/>
+            <a:ext cx="3713288" cy="2662485"/>
+          </a:xfrm>
+          <a:prstGeom prst="rect">
+            <a:avLst/>
+          </a:prstGeom>
+        </p:spPr>
+      </p:pic>
+    </p:spTree>
+    <p:extLst>
+      <p:ext uri="{BB962C8B-B14F-4D97-AF65-F5344CB8AC3E}">
+        <p14:creationId xmlns:p14="http://schemas.microsoft.com/office/powerpoint/2010/main" val="1539644446"/>
+      </p:ext>
+    </p:extLst>
+  </p:cSld>
+  <p:clrMapOvr>
+    <a:masterClrMapping/>
+  </p:clrMapOvr>
+</p:sld>
+</file>
+
+<file path=ppt/slides/slide12.xml><?xml version="1.0" encoding="utf-8"?>
+<p:sld xmlns:a="http://schemas.openxmlformats.org/drawingml/2006/main" xmlns:r="http://schemas.openxmlformats.org/officeDocument/2006/relationships" xmlns:p="http://schemas.openxmlformats.org/presentationml/2006/main">
+  <p:cSld>
+    <p:spTree>
+      <p:nvGrpSpPr>
+        <p:cNvPr id="1" name=""/>
+        <p:cNvGrpSpPr/>
+        <p:nvPr/>
+      </p:nvGrpSpPr>
+      <p:grpSpPr>
+        <a:xfrm>
+          <a:off x="0" y="0"/>
+          <a:ext cx="0" cy="0"/>
+          <a:chOff x="0" y="0"/>
+          <a:chExt cx="0" cy="0"/>
+        </a:xfrm>
+      </p:grpSpPr>
+      <p:sp>
+        <p:nvSpPr>
+          <p:cNvPr id="2" name="Title 1">
+            <a:extLst>
+              <a:ext uri="{FF2B5EF4-FFF2-40B4-BE49-F238E27FC236}">
+                <a16:creationId xmlns:a16="http://schemas.microsoft.com/office/drawing/2014/main" id="{3646AFDB-3C27-4B51-ABCA-7E43867793DA}"/>
+              </a:ext>
+            </a:extLst>
+          </p:cNvPr>
+          <p:cNvSpPr>
+            <a:spLocks noGrp="1"/>
+          </p:cNvSpPr>
+          <p:nvPr>
+            <p:ph type="title"/>
+          </p:nvPr>
+        </p:nvSpPr>
+        <p:spPr>
+          <a:xfrm>
+            <a:off x="838200" y="365125"/>
+            <a:ext cx="10515600" cy="834501"/>
+          </a:xfrm>
+        </p:spPr>
+        <p:txBody>
+          <a:bodyPr/>
+          <a:lstStyle/>
+          <a:p>
+            <a:r>
+              <a:rPr lang="en-US" dirty="0"/>
+              <a:t>MPC</a:t>
+            </a:r>
+          </a:p>
+        </p:txBody>
+      </p:sp>
+      <p:sp>
+        <p:nvSpPr>
+          <p:cNvPr id="4" name="TextBox 3">
+            <a:extLst>
+              <a:ext uri="{FF2B5EF4-FFF2-40B4-BE49-F238E27FC236}">
+                <a16:creationId xmlns:a16="http://schemas.microsoft.com/office/drawing/2014/main" id="{E59AD211-7DC5-434B-BABD-D1E8C00792FD}"/>
+              </a:ext>
+            </a:extLst>
+          </p:cNvPr>
+          <p:cNvSpPr txBox="1"/>
+          <p:nvPr/>
+        </p:nvSpPr>
+        <p:spPr>
+          <a:xfrm>
+            <a:off x="838200" y="1327959"/>
+            <a:ext cx="1749197" cy="369332"/>
+          </a:xfrm>
+          <a:prstGeom prst="rect">
+            <a:avLst/>
+          </a:prstGeom>
+          <a:noFill/>
+        </p:spPr>
+        <p:txBody>
+          <a:bodyPr wrap="none" rtlCol="0">
+            <a:spAutoFit/>
+          </a:bodyPr>
+          <a:lstStyle/>
+          <a:p>
+            <a:r>
+              <a:rPr lang="en-US" dirty="0"/>
+              <a:t>Model 2.2: PH=4</a:t>
+            </a:r>
+          </a:p>
+        </p:txBody>
+      </p:sp>
+      <mc:AlternateContent xmlns:mc="http://schemas.openxmlformats.org/markup-compatibility/2006" xmlns:a14="http://schemas.microsoft.com/office/drawing/2010/main">
+        <mc:Choice Requires="a14">
+          <p:sp>
+            <p:nvSpPr>
+              <p:cNvPr id="7" name="TextBox 6">
+                <a:extLst>
+                  <a:ext uri="{FF2B5EF4-FFF2-40B4-BE49-F238E27FC236}">
+                    <a16:creationId xmlns:a16="http://schemas.microsoft.com/office/drawing/2014/main" id="{3D316B3E-197F-4450-BF17-E50051B33414}"/>
+                  </a:ext>
+                </a:extLst>
+              </p:cNvPr>
+              <p:cNvSpPr txBox="1"/>
+              <p:nvPr/>
+            </p:nvSpPr>
+            <p:spPr>
+              <a:xfrm>
+                <a:off x="979521" y="1986261"/>
+                <a:ext cx="1607876" cy="778931"/>
+              </a:xfrm>
+              <a:prstGeom prst="rect">
+                <a:avLst/>
+              </a:prstGeom>
+              <a:noFill/>
+            </p:spPr>
+            <p:txBody>
+              <a:bodyPr wrap="none" lIns="0" tIns="0" rIns="0" bIns="0" rtlCol="0">
+                <a:spAutoFit/>
+              </a:bodyPr>
+              <a:lstStyle/>
+              <a:p>
+                <a:pPr/>
+                <a14:m>
+                  <m:oMathPara xmlns:m="http://schemas.openxmlformats.org/officeDocument/2006/math">
+                    <m:oMathParaPr>
+                      <m:jc m:val="centerGroup"/>
+                    </m:oMathParaPr>
+                    <m:oMath xmlns:m="http://schemas.openxmlformats.org/officeDocument/2006/math">
+                      <m:func>
+                        <m:funcPr>
+                          <m:ctrlPr>
+                            <a:rPr lang="en-US" b="0" i="1" smtClean="0">
+                              <a:latin typeface="Cambria Math" panose="02040503050406030204" pitchFamily="18" charset="0"/>
+                            </a:rPr>
+                          </m:ctrlPr>
+                        </m:funcPr>
+                        <m:fName>
+                          <m:limLow>
+                            <m:limLowPr>
+                              <m:ctrlPr>
+                                <a:rPr lang="en-US" b="0" i="1" smtClean="0">
+                                  <a:latin typeface="Cambria Math" panose="02040503050406030204" pitchFamily="18" charset="0"/>
+                                </a:rPr>
+                              </m:ctrlPr>
+                            </m:limLowPr>
+                            <m:e>
+                              <m:r>
+                                <m:rPr>
+                                  <m:sty m:val="p"/>
+                                </m:rPr>
+                                <a:rPr lang="en-US" b="0" i="0" smtClean="0">
+                                  <a:latin typeface="Cambria Math" panose="02040503050406030204" pitchFamily="18" charset="0"/>
+                                </a:rPr>
+                                <m:t>min</m:t>
+                              </m:r>
+                            </m:e>
+                            <m:lim>
+                              <m:r>
+                                <m:rPr>
+                                  <m:sty m:val="p"/>
+                                </m:rPr>
+                                <a:rPr lang="en-US" b="0" i="0" smtClean="0">
+                                  <a:latin typeface="Cambria Math" panose="02040503050406030204" pitchFamily="18" charset="0"/>
+                                </a:rPr>
+                                <m:t>u</m:t>
+                              </m:r>
+                            </m:lim>
+                          </m:limLow>
+                        </m:fName>
+                        <m:e>
+                          <m:nary>
+                            <m:naryPr>
+                              <m:chr m:val="∑"/>
+                              <m:ctrlPr>
+                                <a:rPr lang="en-US" b="0" i="1" smtClean="0">
+                                  <a:latin typeface="Cambria Math" panose="02040503050406030204" pitchFamily="18" charset="0"/>
+                                </a:rPr>
+                              </m:ctrlPr>
+                            </m:naryPr>
+                            <m:sub>
+                              <m:r>
+                                <m:rPr>
+                                  <m:brk m:alnAt="23"/>
+                                </m:rPr>
+                                <a:rPr lang="en-US" b="0" i="1" smtClean="0">
+                                  <a:latin typeface="Cambria Math" panose="02040503050406030204" pitchFamily="18" charset="0"/>
+                                </a:rPr>
+                                <m:t>𝑖</m:t>
+                              </m:r>
+                              <m:r>
+                                <a:rPr lang="en-US" b="0" i="1" smtClean="0">
+                                  <a:latin typeface="Cambria Math" panose="02040503050406030204" pitchFamily="18" charset="0"/>
+                                </a:rPr>
+                                <m:t>=1</m:t>
+                              </m:r>
+                            </m:sub>
+                            <m:sup>
+                              <m:r>
+                                <a:rPr lang="en-US" b="0" i="1" smtClean="0">
+                                  <a:latin typeface="Cambria Math" panose="02040503050406030204" pitchFamily="18" charset="0"/>
+                                </a:rPr>
+                                <m:t>𝑃𝐻</m:t>
+                              </m:r>
+                            </m:sup>
+                            <m:e>
+                              <m:sSub>
+                                <m:sSubPr>
+                                  <m:ctrlPr>
+                                    <a:rPr lang="en-US" b="0" i="1" smtClean="0">
+                                      <a:latin typeface="Cambria Math" panose="02040503050406030204" pitchFamily="18" charset="0"/>
+                                    </a:rPr>
+                                  </m:ctrlPr>
+                                </m:sSubPr>
+                                <m:e>
+                                  <m:r>
+                                    <a:rPr lang="en-US" b="0" i="1" smtClean="0">
+                                      <a:latin typeface="Cambria Math" panose="02040503050406030204" pitchFamily="18" charset="0"/>
+                                    </a:rPr>
+                                    <m:t>𝑝</m:t>
+                                  </m:r>
+                                </m:e>
+                                <m:sub>
+                                  <m:r>
+                                    <a:rPr lang="en-US" b="0" i="1" smtClean="0">
+                                      <a:latin typeface="Cambria Math" panose="02040503050406030204" pitchFamily="18" charset="0"/>
+                                    </a:rPr>
+                                    <m:t>𝑖</m:t>
+                                  </m:r>
+                                </m:sub>
+                              </m:sSub>
+                              <m:sSub>
+                                <m:sSubPr>
+                                  <m:ctrlPr>
+                                    <a:rPr lang="en-US" b="0" i="1" smtClean="0">
+                                      <a:latin typeface="Cambria Math" panose="02040503050406030204" pitchFamily="18" charset="0"/>
+                                    </a:rPr>
+                                  </m:ctrlPr>
+                                </m:sSubPr>
+                                <m:e>
+                                  <m:r>
+                                    <a:rPr lang="en-US" b="0" i="1" smtClean="0">
+                                      <a:latin typeface="Cambria Math" panose="02040503050406030204" pitchFamily="18" charset="0"/>
+                                    </a:rPr>
+                                    <m:t>𝑃</m:t>
+                                  </m:r>
+                                </m:e>
+                                <m:sub>
+                                  <m:r>
+                                    <a:rPr lang="en-US" b="0" i="1" smtClean="0">
+                                      <a:latin typeface="Cambria Math" panose="02040503050406030204" pitchFamily="18" charset="0"/>
+                                    </a:rPr>
+                                    <m:t>𝑖</m:t>
+                                  </m:r>
+                                </m:sub>
+                              </m:sSub>
+                              <m:d>
+                                <m:dPr>
+                                  <m:ctrlPr>
+                                    <a:rPr lang="en-US" b="0" i="1" smtClean="0">
+                                      <a:latin typeface="Cambria Math" panose="02040503050406030204" pitchFamily="18" charset="0"/>
+                                    </a:rPr>
+                                  </m:ctrlPr>
+                                </m:dPr>
+                                <m:e>
+                                  <m:sSub>
+                                    <m:sSubPr>
+                                      <m:ctrlPr>
+                                        <a:rPr lang="en-US" b="0" i="1" smtClean="0">
+                                          <a:latin typeface="Cambria Math" panose="02040503050406030204" pitchFamily="18" charset="0"/>
+                                        </a:rPr>
+                                      </m:ctrlPr>
+                                    </m:sSubPr>
+                                    <m:e>
+                                      <m:r>
+                                        <a:rPr lang="en-US" b="0" i="1" smtClean="0">
+                                          <a:latin typeface="Cambria Math" panose="02040503050406030204" pitchFamily="18" charset="0"/>
+                                        </a:rPr>
+                                        <m:t>𝑢</m:t>
+                                      </m:r>
+                                    </m:e>
+                                    <m:sub>
+                                      <m:r>
+                                        <a:rPr lang="en-US" b="0" i="1" smtClean="0">
+                                          <a:latin typeface="Cambria Math" panose="02040503050406030204" pitchFamily="18" charset="0"/>
+                                        </a:rPr>
+                                        <m:t>𝑖</m:t>
+                                      </m:r>
+                                    </m:sub>
+                                  </m:sSub>
+                                </m:e>
+                              </m:d>
+                            </m:e>
+                          </m:nary>
+                        </m:e>
+                      </m:func>
+                    </m:oMath>
+                  </m:oMathPara>
+                </a14:m>
+                <a:endParaRPr lang="en-US" dirty="0"/>
+              </a:p>
+            </p:txBody>
+          </p:sp>
+        </mc:Choice>
+        <mc:Fallback xmlns="">
+          <p:sp>
+            <p:nvSpPr>
+              <p:cNvPr id="7" name="TextBox 6">
+                <a:extLst>
+                  <a:ext uri="{FF2B5EF4-FFF2-40B4-BE49-F238E27FC236}">
+                    <a16:creationId xmlns:a16="http://schemas.microsoft.com/office/drawing/2014/main" id="{3D316B3E-197F-4450-BF17-E50051B33414}"/>
+                  </a:ext>
+                </a:extLst>
+              </p:cNvPr>
+              <p:cNvSpPr txBox="1">
+                <a:spLocks noRot="1" noChangeAspect="1" noMove="1" noResize="1" noEditPoints="1" noAdjustHandles="1" noChangeArrowheads="1" noChangeShapeType="1" noTextEdit="1"/>
+              </p:cNvSpPr>
+              <p:nvPr/>
+            </p:nvSpPr>
+            <p:spPr>
+              <a:xfrm>
+                <a:off x="979521" y="1986261"/>
+                <a:ext cx="1607876" cy="778931"/>
+              </a:xfrm>
+              <a:prstGeom prst="rect">
+                <a:avLst/>
+              </a:prstGeom>
+              <a:blipFill>
+                <a:blip r:embed="rId2"/>
+                <a:stretch>
+                  <a:fillRect/>
+                </a:stretch>
+              </a:blipFill>
+            </p:spPr>
+            <p:txBody>
+              <a:bodyPr/>
+              <a:lstStyle/>
+              <a:p>
+                <a:r>
+                  <a:rPr lang="en-US">
+                    <a:noFill/>
+                  </a:rPr>
+                  <a:t> </a:t>
+                </a:r>
+              </a:p>
+            </p:txBody>
+          </p:sp>
+        </mc:Fallback>
+      </mc:AlternateContent>
+      <mc:AlternateContent xmlns:mc="http://schemas.openxmlformats.org/markup-compatibility/2006" xmlns:a14="http://schemas.microsoft.com/office/drawing/2010/main">
+        <mc:Choice Requires="a14">
+          <p:sp>
+            <p:nvSpPr>
+              <p:cNvPr id="8" name="TextBox 7">
+                <a:extLst>
+                  <a:ext uri="{FF2B5EF4-FFF2-40B4-BE49-F238E27FC236}">
+                    <a16:creationId xmlns:a16="http://schemas.microsoft.com/office/drawing/2014/main" id="{1D9FB051-799C-4097-9803-A11EB38C9F17}"/>
+                  </a:ext>
+                </a:extLst>
+              </p:cNvPr>
+              <p:cNvSpPr txBox="1"/>
+              <p:nvPr/>
+            </p:nvSpPr>
+            <p:spPr>
+              <a:xfrm>
+                <a:off x="4917448" y="1986261"/>
+                <a:ext cx="1836400" cy="778931"/>
+              </a:xfrm>
+              <a:prstGeom prst="rect">
+                <a:avLst/>
+              </a:prstGeom>
+              <a:noFill/>
+            </p:spPr>
+            <p:txBody>
+              <a:bodyPr wrap="none" lIns="0" tIns="0" rIns="0" bIns="0" rtlCol="0">
+                <a:spAutoFit/>
+              </a:bodyPr>
+              <a:lstStyle/>
+              <a:p>
+                <a:pPr/>
+                <a14:m>
+                  <m:oMathPara xmlns:m="http://schemas.openxmlformats.org/officeDocument/2006/math">
+                    <m:oMathParaPr>
+                      <m:jc m:val="centerGroup"/>
+                    </m:oMathParaPr>
+                    <m:oMath xmlns:m="http://schemas.openxmlformats.org/officeDocument/2006/math">
+                      <m:func>
+                        <m:funcPr>
+                          <m:ctrlPr>
+                            <a:rPr lang="en-US" b="0" i="1" smtClean="0">
+                              <a:latin typeface="Cambria Math" panose="02040503050406030204" pitchFamily="18" charset="0"/>
+                            </a:rPr>
+                          </m:ctrlPr>
+                        </m:funcPr>
+                        <m:fName>
+                          <m:limLow>
+                            <m:limLowPr>
+                              <m:ctrlPr>
+                                <a:rPr lang="en-US" b="0" i="1" smtClean="0">
+                                  <a:latin typeface="Cambria Math" panose="02040503050406030204" pitchFamily="18" charset="0"/>
+                                </a:rPr>
+                              </m:ctrlPr>
+                            </m:limLowPr>
+                            <m:e>
+                              <m:r>
+                                <m:rPr>
+                                  <m:sty m:val="p"/>
+                                </m:rPr>
+                                <a:rPr lang="en-US" b="0" i="0" smtClean="0">
+                                  <a:latin typeface="Cambria Math" panose="02040503050406030204" pitchFamily="18" charset="0"/>
+                                </a:rPr>
+                                <m:t>min</m:t>
+                              </m:r>
+                            </m:e>
+                            <m:lim>
+                              <m:r>
+                                <m:rPr>
+                                  <m:sty m:val="p"/>
+                                </m:rPr>
+                                <a:rPr lang="en-US" b="0" i="0" smtClean="0">
+                                  <a:latin typeface="Cambria Math" panose="02040503050406030204" pitchFamily="18" charset="0"/>
+                                </a:rPr>
+                                <m:t>u</m:t>
+                              </m:r>
+                            </m:lim>
+                          </m:limLow>
+                        </m:fName>
+                        <m:e>
+                          <m:nary>
+                            <m:naryPr>
+                              <m:chr m:val="∑"/>
+                              <m:ctrlPr>
+                                <a:rPr lang="en-US" b="0" i="1" smtClean="0">
+                                  <a:latin typeface="Cambria Math" panose="02040503050406030204" pitchFamily="18" charset="0"/>
+                                </a:rPr>
+                              </m:ctrlPr>
+                            </m:naryPr>
+                            <m:sub>
+                              <m:r>
+                                <m:rPr>
+                                  <m:brk m:alnAt="23"/>
+                                </m:rPr>
+                                <a:rPr lang="en-US" b="0" i="1" smtClean="0">
+                                  <a:latin typeface="Cambria Math" panose="02040503050406030204" pitchFamily="18" charset="0"/>
+                                </a:rPr>
+                                <m:t>𝑖</m:t>
+                              </m:r>
+                              <m:r>
+                                <a:rPr lang="en-US" b="0" i="1" smtClean="0">
+                                  <a:latin typeface="Cambria Math" panose="02040503050406030204" pitchFamily="18" charset="0"/>
+                                </a:rPr>
+                                <m:t>=1</m:t>
+                              </m:r>
+                            </m:sub>
+                            <m:sup>
+                              <m:r>
+                                <a:rPr lang="en-US" b="0" i="1" smtClean="0">
+                                  <a:latin typeface="Cambria Math" panose="02040503050406030204" pitchFamily="18" charset="0"/>
+                                </a:rPr>
+                                <m:t>𝑃𝐻</m:t>
+                              </m:r>
+                            </m:sup>
+                            <m:e>
+                              <m:sSub>
+                                <m:sSubPr>
+                                  <m:ctrlPr>
+                                    <a:rPr lang="en-US" b="0" i="1" smtClean="0">
+                                      <a:latin typeface="Cambria Math" panose="02040503050406030204" pitchFamily="18" charset="0"/>
+                                    </a:rPr>
+                                  </m:ctrlPr>
+                                </m:sSubPr>
+                                <m:e>
+                                  <m:r>
+                                    <a:rPr lang="en-US" b="0" i="1" smtClean="0">
+                                      <a:latin typeface="Cambria Math" panose="02040503050406030204" pitchFamily="18" charset="0"/>
+                                    </a:rPr>
+                                    <m:t>(</m:t>
+                                  </m:r>
+                                  <m:r>
+                                    <a:rPr lang="en-US" b="0" i="1" smtClean="0">
+                                      <a:latin typeface="Cambria Math" panose="02040503050406030204" pitchFamily="18" charset="0"/>
+                                    </a:rPr>
+                                    <m:t>𝑑𝑇</m:t>
+                                  </m:r>
+                                </m:e>
+                                <m:sub>
+                                  <m:r>
+                                    <a:rPr lang="en-US" b="0" i="1" smtClean="0">
+                                      <a:latin typeface="Cambria Math" panose="02040503050406030204" pitchFamily="18" charset="0"/>
+                                    </a:rPr>
+                                    <m:t>𝑢</m:t>
+                                  </m:r>
+                                </m:sub>
+                              </m:sSub>
+                              <m:r>
+                                <a:rPr lang="en-US" b="0" i="1" smtClean="0">
+                                  <a:latin typeface="Cambria Math" panose="02040503050406030204" pitchFamily="18" charset="0"/>
+                                </a:rPr>
+                                <m:t>+</m:t>
+                              </m:r>
+                              <m:r>
+                                <a:rPr lang="en-US" b="0" i="1" smtClean="0">
+                                  <a:latin typeface="Cambria Math" panose="02040503050406030204" pitchFamily="18" charset="0"/>
+                                </a:rPr>
+                                <m:t>𝑑</m:t>
+                              </m:r>
+                              <m:sSub>
+                                <m:sSubPr>
+                                  <m:ctrlPr>
+                                    <a:rPr lang="en-US" b="0" i="1" smtClean="0">
+                                      <a:latin typeface="Cambria Math" panose="02040503050406030204" pitchFamily="18" charset="0"/>
+                                    </a:rPr>
+                                  </m:ctrlPr>
+                                </m:sSubPr>
+                                <m:e>
+                                  <m:r>
+                                    <a:rPr lang="en-US" b="0" i="1" smtClean="0">
+                                      <a:latin typeface="Cambria Math" panose="02040503050406030204" pitchFamily="18" charset="0"/>
+                                    </a:rPr>
+                                    <m:t>𝑇</m:t>
+                                  </m:r>
+                                </m:e>
+                                <m:sub>
+                                  <m:r>
+                                    <a:rPr lang="en-US" b="0" i="1" smtClean="0">
+                                      <a:latin typeface="Cambria Math" panose="02040503050406030204" pitchFamily="18" charset="0"/>
+                                    </a:rPr>
+                                    <m:t>𝑙</m:t>
+                                  </m:r>
+                                </m:sub>
+                              </m:sSub>
+                              <m:r>
+                                <a:rPr lang="en-US" b="0" i="1" smtClean="0">
+                                  <a:latin typeface="Cambria Math" panose="02040503050406030204" pitchFamily="18" charset="0"/>
+                                </a:rPr>
+                                <m:t>)</m:t>
+                              </m:r>
+                            </m:e>
+                          </m:nary>
+                        </m:e>
+                      </m:func>
+                    </m:oMath>
+                  </m:oMathPara>
+                </a14:m>
+                <a:endParaRPr lang="en-US" dirty="0"/>
+              </a:p>
+            </p:txBody>
+          </p:sp>
+        </mc:Choice>
+        <mc:Fallback xmlns="">
+          <p:sp>
+            <p:nvSpPr>
+              <p:cNvPr id="8" name="TextBox 7">
+                <a:extLst>
+                  <a:ext uri="{FF2B5EF4-FFF2-40B4-BE49-F238E27FC236}">
+                    <a16:creationId xmlns:a16="http://schemas.microsoft.com/office/drawing/2014/main" id="{1D9FB051-799C-4097-9803-A11EB38C9F17}"/>
+                  </a:ext>
+                </a:extLst>
+              </p:cNvPr>
+              <p:cNvSpPr txBox="1">
+                <a:spLocks noRot="1" noChangeAspect="1" noMove="1" noResize="1" noEditPoints="1" noAdjustHandles="1" noChangeArrowheads="1" noChangeShapeType="1" noTextEdit="1"/>
+              </p:cNvSpPr>
+              <p:nvPr/>
+            </p:nvSpPr>
+            <p:spPr>
+              <a:xfrm>
+                <a:off x="4917448" y="1986261"/>
+                <a:ext cx="1836400" cy="778931"/>
+              </a:xfrm>
+              <a:prstGeom prst="rect">
+                <a:avLst/>
+              </a:prstGeom>
+              <a:blipFill>
+                <a:blip r:embed="rId3"/>
+                <a:stretch>
+                  <a:fillRect/>
+                </a:stretch>
+              </a:blipFill>
+            </p:spPr>
+            <p:txBody>
+              <a:bodyPr/>
+              <a:lstStyle/>
+              <a:p>
+                <a:r>
+                  <a:rPr lang="en-US">
+                    <a:noFill/>
+                  </a:rPr>
+                  <a:t> </a:t>
+                </a:r>
+              </a:p>
+            </p:txBody>
+          </p:sp>
+        </mc:Fallback>
+      </mc:AlternateContent>
+      <mc:AlternateContent xmlns:mc="http://schemas.openxmlformats.org/markup-compatibility/2006">
+        <mc:Choice xmlns:a14="http://schemas.microsoft.com/office/drawing/2010/main" Requires="a14">
+          <p:sp>
+            <p:nvSpPr>
+              <p:cNvPr id="9" name="TextBox 8">
+                <a:extLst>
+                  <a:ext uri="{FF2B5EF4-FFF2-40B4-BE49-F238E27FC236}">
+                    <a16:creationId xmlns:a16="http://schemas.microsoft.com/office/drawing/2014/main" id="{D585C990-80A8-444A-93C4-2BC12C9DF567}"/>
+                  </a:ext>
+                </a:extLst>
+              </p:cNvPr>
+              <p:cNvSpPr txBox="1"/>
+              <p:nvPr/>
+            </p:nvSpPr>
+            <p:spPr>
+              <a:xfrm>
+                <a:off x="8669449" y="1986261"/>
+                <a:ext cx="3186962" cy="778931"/>
+              </a:xfrm>
+              <a:prstGeom prst="rect">
+                <a:avLst/>
+              </a:prstGeom>
+              <a:noFill/>
+            </p:spPr>
+            <p:txBody>
+              <a:bodyPr wrap="none" lIns="0" tIns="0" rIns="0" bIns="0" rtlCol="0">
+                <a:spAutoFit/>
+              </a:bodyPr>
+              <a:lstStyle/>
+              <a:p>
+                <a:pPr/>
+                <a14:m>
+                  <m:oMathPara xmlns:m="http://schemas.openxmlformats.org/officeDocument/2006/math">
+                    <m:oMathParaPr>
+                      <m:jc m:val="centerGroup"/>
+                    </m:oMathParaPr>
+                    <m:oMath xmlns:m="http://schemas.openxmlformats.org/officeDocument/2006/math">
+                      <m:func>
+                        <m:funcPr>
+                          <m:ctrlPr>
+                            <a:rPr lang="en-US" b="0" i="1" smtClean="0">
+                              <a:latin typeface="Cambria Math" panose="02040503050406030204" pitchFamily="18" charset="0"/>
+                            </a:rPr>
+                          </m:ctrlPr>
+                        </m:funcPr>
+                        <m:fName>
+                          <m:limLow>
+                            <m:limLowPr>
+                              <m:ctrlPr>
+                                <a:rPr lang="en-US" b="0" i="1" smtClean="0">
+                                  <a:latin typeface="Cambria Math" panose="02040503050406030204" pitchFamily="18" charset="0"/>
+                                </a:rPr>
+                              </m:ctrlPr>
+                            </m:limLowPr>
+                            <m:e>
+                              <m:r>
+                                <m:rPr>
+                                  <m:sty m:val="p"/>
+                                </m:rPr>
+                                <a:rPr lang="en-US" b="0" i="0" smtClean="0">
+                                  <a:latin typeface="Cambria Math" panose="02040503050406030204" pitchFamily="18" charset="0"/>
+                                </a:rPr>
+                                <m:t>min</m:t>
+                              </m:r>
+                            </m:e>
+                            <m:lim>
+                              <m:r>
+                                <m:rPr>
+                                  <m:sty m:val="p"/>
+                                </m:rPr>
+                                <a:rPr lang="en-US" b="0" i="0" smtClean="0">
+                                  <a:latin typeface="Cambria Math" panose="02040503050406030204" pitchFamily="18" charset="0"/>
+                                </a:rPr>
+                                <m:t>u</m:t>
+                              </m:r>
+                            </m:lim>
+                          </m:limLow>
+                        </m:fName>
+                        <m:e>
+                          <m:nary>
+                            <m:naryPr>
+                              <m:chr m:val="∑"/>
+                              <m:ctrlPr>
+                                <a:rPr lang="en-US" b="0" i="1" smtClean="0">
+                                  <a:latin typeface="Cambria Math" panose="02040503050406030204" pitchFamily="18" charset="0"/>
+                                </a:rPr>
+                              </m:ctrlPr>
+                            </m:naryPr>
+                            <m:sub>
+                              <m:r>
+                                <m:rPr>
+                                  <m:brk m:alnAt="23"/>
+                                </m:rPr>
+                                <a:rPr lang="en-US" b="0" i="1" smtClean="0">
+                                  <a:latin typeface="Cambria Math" panose="02040503050406030204" pitchFamily="18" charset="0"/>
+                                </a:rPr>
+                                <m:t>𝑖</m:t>
+                              </m:r>
+                              <m:r>
+                                <a:rPr lang="en-US" b="0" i="1" smtClean="0">
+                                  <a:latin typeface="Cambria Math" panose="02040503050406030204" pitchFamily="18" charset="0"/>
+                                </a:rPr>
+                                <m:t>=1</m:t>
+                              </m:r>
+                            </m:sub>
+                            <m:sup>
+                              <m:r>
+                                <a:rPr lang="en-US" b="0" i="1" smtClean="0">
+                                  <a:latin typeface="Cambria Math" panose="02040503050406030204" pitchFamily="18" charset="0"/>
+                                </a:rPr>
+                                <m:t>𝑃𝐻</m:t>
+                              </m:r>
+                            </m:sup>
+                            <m:e>
+                              <m:sSub>
+                                <m:sSubPr>
+                                  <m:ctrlPr>
+                                    <a:rPr lang="en-US" b="0" i="1" smtClean="0">
+                                      <a:latin typeface="Cambria Math" panose="02040503050406030204" pitchFamily="18" charset="0"/>
+                                    </a:rPr>
+                                  </m:ctrlPr>
+                                </m:sSubPr>
+                                <m:e>
+                                  <m:sSub>
+                                    <m:sSubPr>
+                                      <m:ctrlPr>
+                                        <a:rPr lang="en-US" i="1">
+                                          <a:latin typeface="Cambria Math" panose="02040503050406030204" pitchFamily="18" charset="0"/>
+                                        </a:rPr>
+                                      </m:ctrlPr>
+                                    </m:sSubPr>
+                                    <m:e>
+                                      <m:r>
+                                        <a:rPr lang="en-US" i="1">
+                                          <a:latin typeface="Cambria Math" panose="02040503050406030204" pitchFamily="18" charset="0"/>
+                                        </a:rPr>
+                                        <m:t>𝑝</m:t>
+                                      </m:r>
+                                    </m:e>
+                                    <m:sub>
+                                      <m:r>
+                                        <a:rPr lang="en-US" i="1">
+                                          <a:latin typeface="Cambria Math" panose="02040503050406030204" pitchFamily="18" charset="0"/>
+                                        </a:rPr>
+                                        <m:t>𝑖</m:t>
+                                      </m:r>
+                                    </m:sub>
+                                  </m:sSub>
+                                  <m:sSub>
+                                    <m:sSubPr>
+                                      <m:ctrlPr>
+                                        <a:rPr lang="en-US" i="1">
+                                          <a:latin typeface="Cambria Math" panose="02040503050406030204" pitchFamily="18" charset="0"/>
+                                        </a:rPr>
+                                      </m:ctrlPr>
+                                    </m:sSubPr>
+                                    <m:e>
+                                      <m:r>
+                                        <a:rPr lang="en-US" i="1">
+                                          <a:latin typeface="Cambria Math" panose="02040503050406030204" pitchFamily="18" charset="0"/>
+                                        </a:rPr>
+                                        <m:t>𝑃</m:t>
+                                      </m:r>
+                                    </m:e>
+                                    <m:sub>
+                                      <m:r>
+                                        <a:rPr lang="en-US" i="1">
+                                          <a:latin typeface="Cambria Math" panose="02040503050406030204" pitchFamily="18" charset="0"/>
+                                        </a:rPr>
+                                        <m:t>𝑖</m:t>
+                                      </m:r>
+                                    </m:sub>
+                                  </m:sSub>
+                                  <m:d>
+                                    <m:dPr>
+                                      <m:ctrlPr>
+                                        <a:rPr lang="en-US" i="1">
+                                          <a:latin typeface="Cambria Math" panose="02040503050406030204" pitchFamily="18" charset="0"/>
+                                        </a:rPr>
+                                      </m:ctrlPr>
+                                    </m:dPr>
+                                    <m:e>
+                                      <m:sSub>
+                                        <m:sSubPr>
+                                          <m:ctrlPr>
+                                            <a:rPr lang="en-US" i="1">
+                                              <a:latin typeface="Cambria Math" panose="02040503050406030204" pitchFamily="18" charset="0"/>
+                                            </a:rPr>
+                                          </m:ctrlPr>
+                                        </m:sSubPr>
+                                        <m:e>
+                                          <m:r>
+                                            <a:rPr lang="en-US" i="1">
+                                              <a:latin typeface="Cambria Math" panose="02040503050406030204" pitchFamily="18" charset="0"/>
+                                            </a:rPr>
+                                            <m:t>𝑢</m:t>
+                                          </m:r>
+                                        </m:e>
+                                        <m:sub>
+                                          <m:r>
+                                            <a:rPr lang="en-US" i="1">
+                                              <a:latin typeface="Cambria Math" panose="02040503050406030204" pitchFamily="18" charset="0"/>
+                                            </a:rPr>
+                                            <m:t>𝑖</m:t>
+                                          </m:r>
+                                        </m:sub>
+                                      </m:sSub>
+                                    </m:e>
+                                  </m:d>
+                                  <m:r>
+                                    <a:rPr lang="en-US" b="0" i="1" smtClean="0">
+                                      <a:latin typeface="Cambria Math" panose="02040503050406030204" pitchFamily="18" charset="0"/>
+                                    </a:rPr>
+                                    <m:t>+</m:t>
+                                  </m:r>
+                                  <m:r>
+                                    <a:rPr lang="en-US" b="0" i="1" smtClean="0">
+                                      <a:latin typeface="Cambria Math" panose="02040503050406030204" pitchFamily="18" charset="0"/>
+                                    </a:rPr>
+                                    <m:t>𝛽</m:t>
+                                  </m:r>
+                                  <m:r>
+                                    <a:rPr lang="en-US" b="0" i="1" smtClean="0">
+                                      <a:latin typeface="Cambria Math" panose="02040503050406030204" pitchFamily="18" charset="0"/>
+                                    </a:rPr>
+                                    <m:t>(</m:t>
+                                  </m:r>
+                                  <m:r>
+                                    <a:rPr lang="en-US" b="0" i="1" smtClean="0">
+                                      <a:latin typeface="Cambria Math" panose="02040503050406030204" pitchFamily="18" charset="0"/>
+                                    </a:rPr>
+                                    <m:t>𝑑𝑇</m:t>
+                                  </m:r>
+                                </m:e>
+                                <m:sub>
+                                  <m:r>
+                                    <a:rPr lang="en-US" b="0" i="1" smtClean="0">
+                                      <a:latin typeface="Cambria Math" panose="02040503050406030204" pitchFamily="18" charset="0"/>
+                                    </a:rPr>
+                                    <m:t>𝑢</m:t>
+                                  </m:r>
+                                </m:sub>
+                              </m:sSub>
+                              <m:r>
+                                <a:rPr lang="en-US" b="0" i="1" smtClean="0">
+                                  <a:latin typeface="Cambria Math" panose="02040503050406030204" pitchFamily="18" charset="0"/>
+                                </a:rPr>
+                                <m:t>+</m:t>
+                              </m:r>
+                              <m:r>
+                                <a:rPr lang="en-US" b="0" i="1" smtClean="0">
+                                  <a:latin typeface="Cambria Math" panose="02040503050406030204" pitchFamily="18" charset="0"/>
+                                </a:rPr>
+                                <m:t>𝑑</m:t>
+                              </m:r>
+                              <m:sSub>
+                                <m:sSubPr>
+                                  <m:ctrlPr>
+                                    <a:rPr lang="en-US" b="0" i="1" smtClean="0">
+                                      <a:latin typeface="Cambria Math" panose="02040503050406030204" pitchFamily="18" charset="0"/>
+                                    </a:rPr>
+                                  </m:ctrlPr>
+                                </m:sSubPr>
+                                <m:e>
+                                  <m:r>
+                                    <a:rPr lang="en-US" b="0" i="1" smtClean="0">
+                                      <a:latin typeface="Cambria Math" panose="02040503050406030204" pitchFamily="18" charset="0"/>
+                                    </a:rPr>
+                                    <m:t>𝑇</m:t>
+                                  </m:r>
+                                </m:e>
+                                <m:sub>
+                                  <m:r>
+                                    <a:rPr lang="en-US" b="0" i="1" smtClean="0">
+                                      <a:latin typeface="Cambria Math" panose="02040503050406030204" pitchFamily="18" charset="0"/>
+                                    </a:rPr>
+                                    <m:t>𝑙</m:t>
+                                  </m:r>
+                                </m:sub>
+                              </m:sSub>
+                              <m:r>
+                                <a:rPr lang="en-US" b="0" i="1" smtClean="0">
+                                  <a:latin typeface="Cambria Math" panose="02040503050406030204" pitchFamily="18" charset="0"/>
+                                </a:rPr>
+                                <m:t>)</m:t>
+                              </m:r>
+                            </m:e>
+                          </m:nary>
+                        </m:e>
+                      </m:func>
+                    </m:oMath>
+                  </m:oMathPara>
+                </a14:m>
+                <a:endParaRPr lang="en-US" dirty="0"/>
+              </a:p>
+            </p:txBody>
+          </p:sp>
+        </mc:Choice>
+        <mc:Fallback>
+          <p:sp>
+            <p:nvSpPr>
+              <p:cNvPr id="9" name="TextBox 8">
+                <a:extLst>
+                  <a:ext uri="{FF2B5EF4-FFF2-40B4-BE49-F238E27FC236}">
+                    <a16:creationId xmlns:a16="http://schemas.microsoft.com/office/drawing/2014/main" id="{D585C990-80A8-444A-93C4-2BC12C9DF567}"/>
+                  </a:ext>
+                </a:extLst>
+              </p:cNvPr>
+              <p:cNvSpPr txBox="1">
+                <a:spLocks noRot="1" noChangeAspect="1" noMove="1" noResize="1" noEditPoints="1" noAdjustHandles="1" noChangeArrowheads="1" noChangeShapeType="1" noTextEdit="1"/>
+              </p:cNvSpPr>
+              <p:nvPr/>
+            </p:nvSpPr>
+            <p:spPr>
+              <a:xfrm>
+                <a:off x="8669449" y="1986261"/>
+                <a:ext cx="3186962" cy="778931"/>
               </a:xfrm>
               <a:prstGeom prst="rect">
                 <a:avLst/>
@@ -6315,10 +6402,631 @@
           </p:sp>
         </mc:Fallback>
       </mc:AlternateContent>
+      <p:pic>
+        <p:nvPicPr>
+          <p:cNvPr id="3" name="Picture 2">
+            <a:extLst>
+              <a:ext uri="{FF2B5EF4-FFF2-40B4-BE49-F238E27FC236}">
+                <a16:creationId xmlns:a16="http://schemas.microsoft.com/office/drawing/2014/main" id="{47EC89E1-83F3-4168-80B2-B44D7614E30F}"/>
+              </a:ext>
+            </a:extLst>
+          </p:cNvPr>
+          <p:cNvPicPr>
+            <a:picLocks noChangeAspect="1"/>
+          </p:cNvPicPr>
+          <p:nvPr/>
+        </p:nvPicPr>
+        <p:blipFill>
+          <a:blip r:embed="rId5"/>
+          <a:stretch>
+            <a:fillRect/>
+          </a:stretch>
+        </p:blipFill>
+        <p:spPr>
+          <a:xfrm>
+            <a:off x="3941001" y="2749491"/>
+            <a:ext cx="3798068" cy="2915544"/>
+          </a:xfrm>
+          <a:prstGeom prst="rect">
+            <a:avLst/>
+          </a:prstGeom>
+        </p:spPr>
+      </p:pic>
+      <p:pic>
+        <p:nvPicPr>
+          <p:cNvPr id="5" name="Picture 4">
+            <a:extLst>
+              <a:ext uri="{FF2B5EF4-FFF2-40B4-BE49-F238E27FC236}">
+                <a16:creationId xmlns:a16="http://schemas.microsoft.com/office/drawing/2014/main" id="{FABA23BB-F27D-41AF-A07F-2F8494EB9D5F}"/>
+              </a:ext>
+            </a:extLst>
+          </p:cNvPr>
+          <p:cNvPicPr>
+            <a:picLocks noChangeAspect="1"/>
+          </p:cNvPicPr>
+          <p:nvPr/>
+        </p:nvPicPr>
+        <p:blipFill>
+          <a:blip r:embed="rId6"/>
+          <a:stretch>
+            <a:fillRect/>
+          </a:stretch>
+        </p:blipFill>
+        <p:spPr>
+          <a:xfrm>
+            <a:off x="7999165" y="2945964"/>
+            <a:ext cx="3798068" cy="2719071"/>
+          </a:xfrm>
+          <a:prstGeom prst="rect">
+            <a:avLst/>
+          </a:prstGeom>
+        </p:spPr>
+      </p:pic>
+      <p:pic>
+        <p:nvPicPr>
+          <p:cNvPr id="6" name="Picture 5">
+            <a:extLst>
+              <a:ext uri="{FF2B5EF4-FFF2-40B4-BE49-F238E27FC236}">
+                <a16:creationId xmlns:a16="http://schemas.microsoft.com/office/drawing/2014/main" id="{38F9D8F5-99D5-45FC-AEBA-54E6F25D3333}"/>
+              </a:ext>
+            </a:extLst>
+          </p:cNvPr>
+          <p:cNvPicPr>
+            <a:picLocks noChangeAspect="1"/>
+          </p:cNvPicPr>
+          <p:nvPr/>
+        </p:nvPicPr>
+        <p:blipFill>
+          <a:blip r:embed="rId7"/>
+          <a:stretch>
+            <a:fillRect/>
+          </a:stretch>
+        </p:blipFill>
+        <p:spPr>
+          <a:xfrm>
+            <a:off x="30424" y="3051003"/>
+            <a:ext cx="3695700" cy="2614032"/>
+          </a:xfrm>
+          <a:prstGeom prst="rect">
+            <a:avLst/>
+          </a:prstGeom>
+        </p:spPr>
+      </p:pic>
     </p:spTree>
     <p:extLst>
       <p:ext uri="{BB962C8B-B14F-4D97-AF65-F5344CB8AC3E}">
         <p14:creationId xmlns:p14="http://schemas.microsoft.com/office/powerpoint/2010/main" val="3202893770"/>
+      </p:ext>
+    </p:extLst>
+  </p:cSld>
+  <p:clrMapOvr>
+    <a:masterClrMapping/>
+  </p:clrMapOvr>
+</p:sld>
+</file>
+
+<file path=ppt/slides/slide13.xml><?xml version="1.0" encoding="utf-8"?>
+<p:sld xmlns:a="http://schemas.openxmlformats.org/drawingml/2006/main" xmlns:r="http://schemas.openxmlformats.org/officeDocument/2006/relationships" xmlns:p="http://schemas.openxmlformats.org/presentationml/2006/main">
+  <p:cSld>
+    <p:spTree>
+      <p:nvGrpSpPr>
+        <p:cNvPr id="1" name=""/>
+        <p:cNvGrpSpPr/>
+        <p:nvPr/>
+      </p:nvGrpSpPr>
+      <p:grpSpPr>
+        <a:xfrm>
+          <a:off x="0" y="0"/>
+          <a:ext cx="0" cy="0"/>
+          <a:chOff x="0" y="0"/>
+          <a:chExt cx="0" cy="0"/>
+        </a:xfrm>
+      </p:grpSpPr>
+      <p:sp>
+        <p:nvSpPr>
+          <p:cNvPr id="2" name="Title 1">
+            <a:extLst>
+              <a:ext uri="{FF2B5EF4-FFF2-40B4-BE49-F238E27FC236}">
+                <a16:creationId xmlns:a16="http://schemas.microsoft.com/office/drawing/2014/main" id="{73A5DDE9-F5A4-4E10-979F-6CA95DB78F23}"/>
+              </a:ext>
+            </a:extLst>
+          </p:cNvPr>
+          <p:cNvSpPr>
+            <a:spLocks noGrp="1"/>
+          </p:cNvSpPr>
+          <p:nvPr>
+            <p:ph type="title"/>
+          </p:nvPr>
+        </p:nvSpPr>
+        <p:spPr/>
+        <p:txBody>
+          <a:bodyPr/>
+          <a:lstStyle/>
+          <a:p>
+            <a:r>
+              <a:rPr lang="en-US" dirty="0"/>
+              <a:t>MPC </a:t>
+            </a:r>
+          </a:p>
+        </p:txBody>
+      </p:sp>
+      <p:pic>
+        <p:nvPicPr>
+          <p:cNvPr id="4" name="Picture 3">
+            <a:extLst>
+              <a:ext uri="{FF2B5EF4-FFF2-40B4-BE49-F238E27FC236}">
+                <a16:creationId xmlns:a16="http://schemas.microsoft.com/office/drawing/2014/main" id="{8EA32AD4-AFB5-443F-B907-96A4DAC99CB2}"/>
+              </a:ext>
+            </a:extLst>
+          </p:cNvPr>
+          <p:cNvPicPr>
+            <a:picLocks noChangeAspect="1"/>
+          </p:cNvPicPr>
+          <p:nvPr/>
+        </p:nvPicPr>
+        <p:blipFill>
+          <a:blip r:embed="rId2"/>
+          <a:stretch>
+            <a:fillRect/>
+          </a:stretch>
+        </p:blipFill>
+        <p:spPr>
+          <a:xfrm>
+            <a:off x="420541" y="2330450"/>
+            <a:ext cx="5408760" cy="3887707"/>
+          </a:xfrm>
+          <a:prstGeom prst="rect">
+            <a:avLst/>
+          </a:prstGeom>
+        </p:spPr>
+      </p:pic>
+      <p:pic>
+        <p:nvPicPr>
+          <p:cNvPr id="6" name="Picture 5">
+            <a:extLst>
+              <a:ext uri="{FF2B5EF4-FFF2-40B4-BE49-F238E27FC236}">
+                <a16:creationId xmlns:a16="http://schemas.microsoft.com/office/drawing/2014/main" id="{1670643F-2199-4E39-B154-8802FFB4DB4B}"/>
+              </a:ext>
+            </a:extLst>
+          </p:cNvPr>
+          <p:cNvPicPr>
+            <a:picLocks noChangeAspect="1"/>
+          </p:cNvPicPr>
+          <p:nvPr/>
+        </p:nvPicPr>
+        <p:blipFill>
+          <a:blip r:embed="rId3"/>
+          <a:stretch>
+            <a:fillRect/>
+          </a:stretch>
+        </p:blipFill>
+        <p:spPr>
+          <a:xfrm>
+            <a:off x="6362700" y="2345978"/>
+            <a:ext cx="5408759" cy="3872179"/>
+          </a:xfrm>
+          <a:prstGeom prst="rect">
+            <a:avLst/>
+          </a:prstGeom>
+        </p:spPr>
+      </p:pic>
+      <mc:AlternateContent xmlns:mc="http://schemas.openxmlformats.org/markup-compatibility/2006">
+        <mc:Choice xmlns:a14="http://schemas.microsoft.com/office/drawing/2010/main" Requires="a14">
+          <p:sp>
+            <p:nvSpPr>
+              <p:cNvPr id="7" name="TextBox 6">
+                <a:extLst>
+                  <a:ext uri="{FF2B5EF4-FFF2-40B4-BE49-F238E27FC236}">
+                    <a16:creationId xmlns:a16="http://schemas.microsoft.com/office/drawing/2014/main" id="{73796381-36EC-4FCE-BFA3-CFFE68C1ED1F}"/>
+                  </a:ext>
+                </a:extLst>
+              </p:cNvPr>
+              <p:cNvSpPr txBox="1"/>
+              <p:nvPr/>
+            </p:nvSpPr>
+            <p:spPr>
+              <a:xfrm>
+                <a:off x="3737334" y="638440"/>
+                <a:ext cx="3186962" cy="778931"/>
+              </a:xfrm>
+              <a:prstGeom prst="rect">
+                <a:avLst/>
+              </a:prstGeom>
+              <a:noFill/>
+            </p:spPr>
+            <p:txBody>
+              <a:bodyPr wrap="none" lIns="0" tIns="0" rIns="0" bIns="0" rtlCol="0">
+                <a:spAutoFit/>
+              </a:bodyPr>
+              <a:lstStyle/>
+              <a:p>
+                <a:pPr/>
+                <a14:m>
+                  <m:oMathPara xmlns:m="http://schemas.openxmlformats.org/officeDocument/2006/math">
+                    <m:oMathParaPr>
+                      <m:jc m:val="centerGroup"/>
+                    </m:oMathParaPr>
+                    <m:oMath xmlns:m="http://schemas.openxmlformats.org/officeDocument/2006/math">
+                      <m:func>
+                        <m:funcPr>
+                          <m:ctrlPr>
+                            <a:rPr lang="en-US" b="0" i="1" smtClean="0">
+                              <a:latin typeface="Cambria Math" panose="02040503050406030204" pitchFamily="18" charset="0"/>
+                            </a:rPr>
+                          </m:ctrlPr>
+                        </m:funcPr>
+                        <m:fName>
+                          <m:limLow>
+                            <m:limLowPr>
+                              <m:ctrlPr>
+                                <a:rPr lang="en-US" b="0" i="1" smtClean="0">
+                                  <a:latin typeface="Cambria Math" panose="02040503050406030204" pitchFamily="18" charset="0"/>
+                                </a:rPr>
+                              </m:ctrlPr>
+                            </m:limLowPr>
+                            <m:e>
+                              <m:r>
+                                <m:rPr>
+                                  <m:sty m:val="p"/>
+                                </m:rPr>
+                                <a:rPr lang="en-US" b="0" i="0" smtClean="0">
+                                  <a:latin typeface="Cambria Math" panose="02040503050406030204" pitchFamily="18" charset="0"/>
+                                </a:rPr>
+                                <m:t>min</m:t>
+                              </m:r>
+                            </m:e>
+                            <m:lim>
+                              <m:r>
+                                <m:rPr>
+                                  <m:sty m:val="p"/>
+                                </m:rPr>
+                                <a:rPr lang="en-US" b="0" i="0" smtClean="0">
+                                  <a:latin typeface="Cambria Math" panose="02040503050406030204" pitchFamily="18" charset="0"/>
+                                </a:rPr>
+                                <m:t>u</m:t>
+                              </m:r>
+                            </m:lim>
+                          </m:limLow>
+                        </m:fName>
+                        <m:e>
+                          <m:nary>
+                            <m:naryPr>
+                              <m:chr m:val="∑"/>
+                              <m:ctrlPr>
+                                <a:rPr lang="en-US" b="0" i="1" smtClean="0">
+                                  <a:latin typeface="Cambria Math" panose="02040503050406030204" pitchFamily="18" charset="0"/>
+                                </a:rPr>
+                              </m:ctrlPr>
+                            </m:naryPr>
+                            <m:sub>
+                              <m:r>
+                                <m:rPr>
+                                  <m:brk m:alnAt="23"/>
+                                </m:rPr>
+                                <a:rPr lang="en-US" b="0" i="1" smtClean="0">
+                                  <a:latin typeface="Cambria Math" panose="02040503050406030204" pitchFamily="18" charset="0"/>
+                                </a:rPr>
+                                <m:t>𝑖</m:t>
+                              </m:r>
+                              <m:r>
+                                <a:rPr lang="en-US" b="0" i="1" smtClean="0">
+                                  <a:latin typeface="Cambria Math" panose="02040503050406030204" pitchFamily="18" charset="0"/>
+                                </a:rPr>
+                                <m:t>=1</m:t>
+                              </m:r>
+                            </m:sub>
+                            <m:sup>
+                              <m:r>
+                                <a:rPr lang="en-US" b="0" i="1" smtClean="0">
+                                  <a:latin typeface="Cambria Math" panose="02040503050406030204" pitchFamily="18" charset="0"/>
+                                </a:rPr>
+                                <m:t>𝑃𝐻</m:t>
+                              </m:r>
+                            </m:sup>
+                            <m:e>
+                              <m:sSub>
+                                <m:sSubPr>
+                                  <m:ctrlPr>
+                                    <a:rPr lang="en-US" b="0" i="1" smtClean="0">
+                                      <a:latin typeface="Cambria Math" panose="02040503050406030204" pitchFamily="18" charset="0"/>
+                                    </a:rPr>
+                                  </m:ctrlPr>
+                                </m:sSubPr>
+                                <m:e>
+                                  <m:sSub>
+                                    <m:sSubPr>
+                                      <m:ctrlPr>
+                                        <a:rPr lang="en-US" i="1">
+                                          <a:latin typeface="Cambria Math" panose="02040503050406030204" pitchFamily="18" charset="0"/>
+                                        </a:rPr>
+                                      </m:ctrlPr>
+                                    </m:sSubPr>
+                                    <m:e>
+                                      <m:r>
+                                        <a:rPr lang="en-US" i="1">
+                                          <a:latin typeface="Cambria Math" panose="02040503050406030204" pitchFamily="18" charset="0"/>
+                                        </a:rPr>
+                                        <m:t>𝑝</m:t>
+                                      </m:r>
+                                    </m:e>
+                                    <m:sub>
+                                      <m:r>
+                                        <a:rPr lang="en-US" i="1">
+                                          <a:latin typeface="Cambria Math" panose="02040503050406030204" pitchFamily="18" charset="0"/>
+                                        </a:rPr>
+                                        <m:t>𝑖</m:t>
+                                      </m:r>
+                                    </m:sub>
+                                  </m:sSub>
+                                  <m:sSub>
+                                    <m:sSubPr>
+                                      <m:ctrlPr>
+                                        <a:rPr lang="en-US" i="1">
+                                          <a:latin typeface="Cambria Math" panose="02040503050406030204" pitchFamily="18" charset="0"/>
+                                        </a:rPr>
+                                      </m:ctrlPr>
+                                    </m:sSubPr>
+                                    <m:e>
+                                      <m:r>
+                                        <a:rPr lang="en-US" i="1">
+                                          <a:latin typeface="Cambria Math" panose="02040503050406030204" pitchFamily="18" charset="0"/>
+                                        </a:rPr>
+                                        <m:t>𝑃</m:t>
+                                      </m:r>
+                                    </m:e>
+                                    <m:sub>
+                                      <m:r>
+                                        <a:rPr lang="en-US" i="1">
+                                          <a:latin typeface="Cambria Math" panose="02040503050406030204" pitchFamily="18" charset="0"/>
+                                        </a:rPr>
+                                        <m:t>𝑖</m:t>
+                                      </m:r>
+                                    </m:sub>
+                                  </m:sSub>
+                                  <m:d>
+                                    <m:dPr>
+                                      <m:ctrlPr>
+                                        <a:rPr lang="en-US" i="1">
+                                          <a:latin typeface="Cambria Math" panose="02040503050406030204" pitchFamily="18" charset="0"/>
+                                        </a:rPr>
+                                      </m:ctrlPr>
+                                    </m:dPr>
+                                    <m:e>
+                                      <m:sSub>
+                                        <m:sSubPr>
+                                          <m:ctrlPr>
+                                            <a:rPr lang="en-US" i="1">
+                                              <a:latin typeface="Cambria Math" panose="02040503050406030204" pitchFamily="18" charset="0"/>
+                                            </a:rPr>
+                                          </m:ctrlPr>
+                                        </m:sSubPr>
+                                        <m:e>
+                                          <m:r>
+                                            <a:rPr lang="en-US" i="1">
+                                              <a:latin typeface="Cambria Math" panose="02040503050406030204" pitchFamily="18" charset="0"/>
+                                            </a:rPr>
+                                            <m:t>𝑢</m:t>
+                                          </m:r>
+                                        </m:e>
+                                        <m:sub>
+                                          <m:r>
+                                            <a:rPr lang="en-US" i="1">
+                                              <a:latin typeface="Cambria Math" panose="02040503050406030204" pitchFamily="18" charset="0"/>
+                                            </a:rPr>
+                                            <m:t>𝑖</m:t>
+                                          </m:r>
+                                        </m:sub>
+                                      </m:sSub>
+                                    </m:e>
+                                  </m:d>
+                                  <m:r>
+                                    <a:rPr lang="en-US" b="0" i="1" smtClean="0">
+                                      <a:latin typeface="Cambria Math" panose="02040503050406030204" pitchFamily="18" charset="0"/>
+                                    </a:rPr>
+                                    <m:t>+</m:t>
+                                  </m:r>
+                                  <m:r>
+                                    <a:rPr lang="en-US" b="0" i="1" smtClean="0">
+                                      <a:latin typeface="Cambria Math" panose="02040503050406030204" pitchFamily="18" charset="0"/>
+                                    </a:rPr>
+                                    <m:t>𝛽</m:t>
+                                  </m:r>
+                                  <m:r>
+                                    <a:rPr lang="en-US" b="0" i="1" smtClean="0">
+                                      <a:latin typeface="Cambria Math" panose="02040503050406030204" pitchFamily="18" charset="0"/>
+                                    </a:rPr>
+                                    <m:t>(</m:t>
+                                  </m:r>
+                                  <m:r>
+                                    <a:rPr lang="en-US" b="0" i="1" smtClean="0">
+                                      <a:latin typeface="Cambria Math" panose="02040503050406030204" pitchFamily="18" charset="0"/>
+                                    </a:rPr>
+                                    <m:t>𝑑𝑇</m:t>
+                                  </m:r>
+                                </m:e>
+                                <m:sub>
+                                  <m:r>
+                                    <a:rPr lang="en-US" b="0" i="1" smtClean="0">
+                                      <a:latin typeface="Cambria Math" panose="02040503050406030204" pitchFamily="18" charset="0"/>
+                                    </a:rPr>
+                                    <m:t>𝑢</m:t>
+                                  </m:r>
+                                </m:sub>
+                              </m:sSub>
+                              <m:r>
+                                <a:rPr lang="en-US" b="0" i="1" smtClean="0">
+                                  <a:latin typeface="Cambria Math" panose="02040503050406030204" pitchFamily="18" charset="0"/>
+                                </a:rPr>
+                                <m:t>+</m:t>
+                              </m:r>
+                              <m:r>
+                                <a:rPr lang="en-US" b="0" i="1" smtClean="0">
+                                  <a:latin typeface="Cambria Math" panose="02040503050406030204" pitchFamily="18" charset="0"/>
+                                </a:rPr>
+                                <m:t>𝑑</m:t>
+                              </m:r>
+                              <m:sSub>
+                                <m:sSubPr>
+                                  <m:ctrlPr>
+                                    <a:rPr lang="en-US" b="0" i="1" smtClean="0">
+                                      <a:latin typeface="Cambria Math" panose="02040503050406030204" pitchFamily="18" charset="0"/>
+                                    </a:rPr>
+                                  </m:ctrlPr>
+                                </m:sSubPr>
+                                <m:e>
+                                  <m:r>
+                                    <a:rPr lang="en-US" b="0" i="1" smtClean="0">
+                                      <a:latin typeface="Cambria Math" panose="02040503050406030204" pitchFamily="18" charset="0"/>
+                                    </a:rPr>
+                                    <m:t>𝑇</m:t>
+                                  </m:r>
+                                </m:e>
+                                <m:sub>
+                                  <m:r>
+                                    <a:rPr lang="en-US" b="0" i="1" smtClean="0">
+                                      <a:latin typeface="Cambria Math" panose="02040503050406030204" pitchFamily="18" charset="0"/>
+                                    </a:rPr>
+                                    <m:t>𝑙</m:t>
+                                  </m:r>
+                                </m:sub>
+                              </m:sSub>
+                              <m:r>
+                                <a:rPr lang="en-US" b="0" i="1" smtClean="0">
+                                  <a:latin typeface="Cambria Math" panose="02040503050406030204" pitchFamily="18" charset="0"/>
+                                </a:rPr>
+                                <m:t>)</m:t>
+                              </m:r>
+                            </m:e>
+                          </m:nary>
+                        </m:e>
+                      </m:func>
+                    </m:oMath>
+                  </m:oMathPara>
+                </a14:m>
+                <a:endParaRPr lang="en-US" dirty="0"/>
+              </a:p>
+            </p:txBody>
+          </p:sp>
+        </mc:Choice>
+        <mc:Fallback>
+          <p:sp>
+            <p:nvSpPr>
+              <p:cNvPr id="7" name="TextBox 6">
+                <a:extLst>
+                  <a:ext uri="{FF2B5EF4-FFF2-40B4-BE49-F238E27FC236}">
+                    <a16:creationId xmlns:a16="http://schemas.microsoft.com/office/drawing/2014/main" id="{73796381-36EC-4FCE-BFA3-CFFE68C1ED1F}"/>
+                  </a:ext>
+                </a:extLst>
+              </p:cNvPr>
+              <p:cNvSpPr txBox="1">
+                <a:spLocks noRot="1" noChangeAspect="1" noMove="1" noResize="1" noEditPoints="1" noAdjustHandles="1" noChangeArrowheads="1" noChangeShapeType="1" noTextEdit="1"/>
+              </p:cNvSpPr>
+              <p:nvPr/>
+            </p:nvSpPr>
+            <p:spPr>
+              <a:xfrm>
+                <a:off x="3737334" y="638440"/>
+                <a:ext cx="3186962" cy="778931"/>
+              </a:xfrm>
+              <a:prstGeom prst="rect">
+                <a:avLst/>
+              </a:prstGeom>
+              <a:blipFill>
+                <a:blip r:embed="rId4"/>
+                <a:stretch>
+                  <a:fillRect/>
+                </a:stretch>
+              </a:blipFill>
+            </p:spPr>
+            <p:txBody>
+              <a:bodyPr/>
+              <a:lstStyle/>
+              <a:p>
+                <a:r>
+                  <a:rPr lang="en-US">
+                    <a:noFill/>
+                  </a:rPr>
+                  <a:t> </a:t>
+                </a:r>
+              </a:p>
+            </p:txBody>
+          </p:sp>
+        </mc:Fallback>
+      </mc:AlternateContent>
+      <p:sp>
+        <p:nvSpPr>
+          <p:cNvPr id="8" name="TextBox 7">
+            <a:extLst>
+              <a:ext uri="{FF2B5EF4-FFF2-40B4-BE49-F238E27FC236}">
+                <a16:creationId xmlns:a16="http://schemas.microsoft.com/office/drawing/2014/main" id="{8A1DC06B-FEF9-4077-98B2-93BA1E2483C2}"/>
+              </a:ext>
+            </a:extLst>
+          </p:cNvPr>
+          <p:cNvSpPr txBox="1"/>
+          <p:nvPr/>
+        </p:nvSpPr>
+        <p:spPr>
+          <a:xfrm>
+            <a:off x="1600200" y="1872467"/>
+            <a:ext cx="2305050" cy="369332"/>
+          </a:xfrm>
+          <a:prstGeom prst="rect">
+            <a:avLst/>
+          </a:prstGeom>
+          <a:noFill/>
+        </p:spPr>
+        <p:txBody>
+          <a:bodyPr wrap="square" rtlCol="0">
+            <a:spAutoFit/>
+          </a:bodyPr>
+          <a:lstStyle/>
+          <a:p>
+            <a:r>
+              <a:rPr lang="en-US" dirty="0"/>
+              <a:t>Instant Measurement</a:t>
+            </a:r>
+          </a:p>
+        </p:txBody>
+      </p:sp>
+      <p:sp>
+        <p:nvSpPr>
+          <p:cNvPr id="9" name="TextBox 8">
+            <a:extLst>
+              <a:ext uri="{FF2B5EF4-FFF2-40B4-BE49-F238E27FC236}">
+                <a16:creationId xmlns:a16="http://schemas.microsoft.com/office/drawing/2014/main" id="{1382C69A-C205-43C0-AA8B-660E05ADA9E1}"/>
+              </a:ext>
+            </a:extLst>
+          </p:cNvPr>
+          <p:cNvSpPr txBox="1"/>
+          <p:nvPr/>
+        </p:nvSpPr>
+        <p:spPr>
+          <a:xfrm>
+            <a:off x="7914554" y="1905270"/>
+            <a:ext cx="2305050" cy="369332"/>
+          </a:xfrm>
+          <a:prstGeom prst="rect">
+            <a:avLst/>
+          </a:prstGeom>
+          <a:noFill/>
+        </p:spPr>
+        <p:txBody>
+          <a:bodyPr wrap="square" rtlCol="0">
+            <a:spAutoFit/>
+          </a:bodyPr>
+          <a:lstStyle/>
+          <a:p>
+            <a:r>
+              <a:rPr lang="en-US" dirty="0"/>
+              <a:t>Average Measurement</a:t>
+            </a:r>
+          </a:p>
+        </p:txBody>
+      </p:sp>
+    </p:spTree>
+    <p:extLst>
+      <p:ext uri="{BB962C8B-B14F-4D97-AF65-F5344CB8AC3E}">
+        <p14:creationId xmlns:p14="http://schemas.microsoft.com/office/powerpoint/2010/main" val="2526470342"/>
       </p:ext>
     </p:extLst>
   </p:cSld>
@@ -7148,7 +7856,7 @@
           <p:cNvPr id="2" name="Title 1">
             <a:extLst>
               <a:ext uri="{FF2B5EF4-FFF2-40B4-BE49-F238E27FC236}">
-                <a16:creationId xmlns:a16="http://schemas.microsoft.com/office/drawing/2014/main" id="{324AD8A5-28D9-4373-848E-249A8F78A524}"/>
+                <a16:creationId xmlns:a16="http://schemas.microsoft.com/office/drawing/2014/main" id="{DC645DAF-B11F-4FD3-BAF4-C4A24C6A39D0}"/>
               </a:ext>
             </a:extLst>
           </p:cNvPr>
@@ -7159,29 +7867,24 @@
             <p:ph type="title"/>
           </p:nvPr>
         </p:nvSpPr>
-        <p:spPr>
-          <a:xfrm>
-            <a:off x="838200" y="205468"/>
-            <a:ext cx="10515600" cy="1325563"/>
-          </a:xfrm>
-        </p:spPr>
+        <p:spPr/>
         <p:txBody>
           <a:bodyPr/>
           <a:lstStyle/>
           <a:p>
             <a:r>
               <a:rPr lang="en-US" dirty="0"/>
-              <a:t>Issue 1</a:t>
+              <a:t>Debug MPC</a:t>
             </a:r>
           </a:p>
         </p:txBody>
       </p:sp>
       <p:pic>
         <p:nvPicPr>
-          <p:cNvPr id="4" name="Content Placeholder 3">
-            <a:extLst>
-              <a:ext uri="{FF2B5EF4-FFF2-40B4-BE49-F238E27FC236}">
-                <a16:creationId xmlns:a16="http://schemas.microsoft.com/office/drawing/2014/main" id="{FAC60AFA-7307-46D4-80A9-A1CEE7D60FFF}"/>
+          <p:cNvPr id="4" name="Content Placeholder 7">
+            <a:extLst>
+              <a:ext uri="{FF2B5EF4-FFF2-40B4-BE49-F238E27FC236}">
+                <a16:creationId xmlns:a16="http://schemas.microsoft.com/office/drawing/2014/main" id="{D65265B0-6B8E-4FAD-98BD-433C59595EEE}"/>
               </a:ext>
             </a:extLst>
           </p:cNvPr>
@@ -7192,20 +7895,22 @@
             <p:ph idx="1"/>
           </p:nvPr>
         </p:nvPicPr>
-        <p:blipFill>
-          <a:blip r:embed="rId2"/>
-          <a:stretch>
-            <a:fillRect/>
-          </a:stretch>
+        <p:blipFill rotWithShape="1">
+          <a:blip r:embed="rId2">
+            <a:extLst>
+              <a:ext uri="{28A0092B-C50C-407E-A947-70E740481C1C}">
+                <a14:useLocalDpi xmlns:a14="http://schemas.microsoft.com/office/drawing/2010/main" val="0"/>
+              </a:ext>
+            </a:extLst>
+          </a:blip>
+          <a:srcRect t="10080" b="5530"/>
+          <a:stretch/>
         </p:blipFill>
         <p:spPr>
           <a:xfrm>
-            <a:off x="1038195" y="1825625"/>
-            <a:ext cx="10115610" cy="4351338"/>
+            <a:off x="4101463" y="1906255"/>
+            <a:ext cx="5851429" cy="3703516"/>
           </a:xfrm>
-          <a:prstGeom prst="rect">
-            <a:avLst/>
-          </a:prstGeom>
         </p:spPr>
       </p:pic>
       <p:sp>
@@ -7213,7 +7918,7 @@
           <p:cNvPr id="5" name="TextBox 4">
             <a:extLst>
               <a:ext uri="{FF2B5EF4-FFF2-40B4-BE49-F238E27FC236}">
-                <a16:creationId xmlns:a16="http://schemas.microsoft.com/office/drawing/2014/main" id="{DC179C07-3C50-4541-97A3-31AB63780FE3}"/>
+                <a16:creationId xmlns:a16="http://schemas.microsoft.com/office/drawing/2014/main" id="{A223D812-C69B-465E-B6E4-96339EA05E92}"/>
               </a:ext>
             </a:extLst>
           </p:cNvPr>
@@ -7222,8 +7927,8 @@
         </p:nvSpPr>
         <p:spPr>
           <a:xfrm>
-            <a:off x="1038195" y="1308996"/>
-            <a:ext cx="9455634" cy="369332"/>
+            <a:off x="838200" y="2743200"/>
+            <a:ext cx="1923412" cy="646331"/>
           </a:xfrm>
           <a:prstGeom prst="rect">
             <a:avLst/>
@@ -7231,14 +7936,20 @@
           <a:noFill/>
         </p:spPr>
         <p:txBody>
-          <a:bodyPr wrap="square" rtlCol="0">
+          <a:bodyPr wrap="none" rtlCol="0">
             <a:spAutoFit/>
           </a:bodyPr>
           <a:lstStyle/>
           <a:p>
             <a:r>
               <a:rPr lang="en-US" dirty="0"/>
-              <a:t>System total power is not sensitive to air flow control</a:t>
+              <a:t>Fast fan dynamics</a:t>
+            </a:r>
+          </a:p>
+          <a:p>
+            <a:r>
+              <a:rPr lang="en-US" dirty="0"/>
+              <a:t>Exceed constraints</a:t>
             </a:r>
           </a:p>
         </p:txBody>
@@ -7246,7 +7957,7 @@
     </p:spTree>
     <p:extLst>
       <p:ext uri="{BB962C8B-B14F-4D97-AF65-F5344CB8AC3E}">
-        <p14:creationId xmlns:p14="http://schemas.microsoft.com/office/powerpoint/2010/main" val="255521627"/>
+        <p14:creationId xmlns:p14="http://schemas.microsoft.com/office/powerpoint/2010/main" val="1614232998"/>
       </p:ext>
     </p:extLst>
   </p:cSld>
@@ -7278,7 +7989,7 @@
           <p:cNvPr id="2" name="Title 1">
             <a:extLst>
               <a:ext uri="{FF2B5EF4-FFF2-40B4-BE49-F238E27FC236}">
-                <a16:creationId xmlns:a16="http://schemas.microsoft.com/office/drawing/2014/main" id="{F8AD1CB0-D4E6-4901-BA00-A36031EA4855}"/>
+                <a16:creationId xmlns:a16="http://schemas.microsoft.com/office/drawing/2014/main" id="{11B6629F-E8DD-4A20-8283-6C18301915E9}"/>
               </a:ext>
             </a:extLst>
           </p:cNvPr>
@@ -7294,76 +8005,40 @@
           <a:bodyPr/>
           <a:lstStyle/>
           <a:p>
-            <a:r>
-              <a:rPr lang="en-US" dirty="0"/>
-              <a:t>Issue 2</a:t>
-            </a:r>
+            <a:endParaRPr lang="en-US"/>
           </a:p>
         </p:txBody>
       </p:sp>
-      <p:pic>
-        <p:nvPicPr>
-          <p:cNvPr id="4" name="Content Placeholder 3">
-            <a:extLst>
-              <a:ext uri="{FF2B5EF4-FFF2-40B4-BE49-F238E27FC236}">
-                <a16:creationId xmlns:a16="http://schemas.microsoft.com/office/drawing/2014/main" id="{EF20E89E-F175-4979-85CA-C3D64802A395}"/>
-              </a:ext>
-            </a:extLst>
-          </p:cNvPr>
-          <p:cNvPicPr>
-            <a:picLocks noGrp="1" noChangeAspect="1"/>
-          </p:cNvPicPr>
+      <p:sp>
+        <p:nvSpPr>
+          <p:cNvPr id="3" name="Content Placeholder 2">
+            <a:extLst>
+              <a:ext uri="{FF2B5EF4-FFF2-40B4-BE49-F238E27FC236}">
+                <a16:creationId xmlns:a16="http://schemas.microsoft.com/office/drawing/2014/main" id="{A33825BA-5840-497D-BC9B-5FD7DB914D46}"/>
+              </a:ext>
+            </a:extLst>
+          </p:cNvPr>
+          <p:cNvSpPr>
+            <a:spLocks noGrp="1"/>
+          </p:cNvSpPr>
           <p:nvPr>
             <p:ph idx="1"/>
           </p:nvPr>
-        </p:nvPicPr>
-        <p:blipFill>
-          <a:blip r:embed="rId2"/>
-          <a:stretch>
-            <a:fillRect/>
-          </a:stretch>
-        </p:blipFill>
-        <p:spPr>
-          <a:xfrm>
-            <a:off x="1017340" y="1825625"/>
-            <a:ext cx="10157320" cy="4351338"/>
-          </a:xfrm>
-          <a:prstGeom prst="rect">
-            <a:avLst/>
-          </a:prstGeom>
-        </p:spPr>
-      </p:pic>
-      <p:sp>
-        <p:nvSpPr>
-          <p:cNvPr id="3" name="TextBox 2">
-            <a:extLst>
-              <a:ext uri="{FF2B5EF4-FFF2-40B4-BE49-F238E27FC236}">
-                <a16:creationId xmlns:a16="http://schemas.microsoft.com/office/drawing/2014/main" id="{969765AE-4E56-4C25-87D6-6D8232DFEE5A}"/>
-              </a:ext>
-            </a:extLst>
-          </p:cNvPr>
-          <p:cNvSpPr txBox="1"/>
-          <p:nvPr/>
         </p:nvSpPr>
-        <p:spPr>
-          <a:xfrm>
-            <a:off x="1786855" y="6308209"/>
-            <a:ext cx="3825380" cy="369332"/>
-          </a:xfrm>
-          <a:prstGeom prst="rect">
-            <a:avLst/>
-          </a:prstGeom>
-          <a:noFill/>
-        </p:spPr>
+        <p:spPr/>
         <p:txBody>
-          <a:bodyPr wrap="square" rtlCol="0">
-            <a:spAutoFit/>
-          </a:bodyPr>
+          <a:bodyPr/>
           <a:lstStyle/>
           <a:p>
             <a:r>
               <a:rPr lang="en-US" dirty="0"/>
-              <a:t>Possible: PLR~0.8, most efficient</a:t>
+              <a:t>Minimize fan power instead of system-level power</a:t>
+            </a:r>
+          </a:p>
+          <a:p>
+            <a:r>
+              <a:rPr lang="en-US" dirty="0"/>
+              <a:t>Make sure supply air temperature can be controlled at any time by enlarging water side size of the cooling coil</a:t>
             </a:r>
           </a:p>
         </p:txBody>
@@ -7371,7 +8046,7 @@
     </p:spTree>
     <p:extLst>
       <p:ext uri="{BB962C8B-B14F-4D97-AF65-F5344CB8AC3E}">
-        <p14:creationId xmlns:p14="http://schemas.microsoft.com/office/powerpoint/2010/main" val="565505974"/>
+        <p14:creationId xmlns:p14="http://schemas.microsoft.com/office/powerpoint/2010/main" val="1367266104"/>
       </p:ext>
     </p:extLst>
   </p:cSld>
@@ -7403,7 +8078,7 @@
           <p:cNvPr id="2" name="Title 1">
             <a:extLst>
               <a:ext uri="{FF2B5EF4-FFF2-40B4-BE49-F238E27FC236}">
-                <a16:creationId xmlns:a16="http://schemas.microsoft.com/office/drawing/2014/main" id="{7096C745-BA19-4200-89CF-83BD973A86A0}"/>
+                <a16:creationId xmlns:a16="http://schemas.microsoft.com/office/drawing/2014/main" id="{2E2E1E41-84E8-43EE-B9C3-F8939717CC01}"/>
               </a:ext>
             </a:extLst>
           </p:cNvPr>
@@ -7421,7 +8096,7 @@
           <a:p>
             <a:r>
               <a:rPr lang="en-US" dirty="0"/>
-              <a:t>Issue 3</a:t>
+              <a:t>3/23</a:t>
             </a:r>
           </a:p>
         </p:txBody>
@@ -7431,7 +8106,7 @@
           <p:cNvPr id="3" name="Content Placeholder 2">
             <a:extLst>
               <a:ext uri="{FF2B5EF4-FFF2-40B4-BE49-F238E27FC236}">
-                <a16:creationId xmlns:a16="http://schemas.microsoft.com/office/drawing/2014/main" id="{6AC9433B-4A19-436B-A2E8-2AA4B74B931A}"/>
+                <a16:creationId xmlns:a16="http://schemas.microsoft.com/office/drawing/2014/main" id="{ED5B9780-EE98-4AFC-ACFB-FA10C3B69FF4}"/>
               </a:ext>
             </a:extLst>
           </p:cNvPr>
@@ -7442,63 +8117,27 @@
             <p:ph idx="1"/>
           </p:nvPr>
         </p:nvSpPr>
-        <p:spPr>
-          <a:xfrm>
-            <a:off x="838200" y="1825625"/>
-            <a:ext cx="5045891" cy="4351338"/>
-          </a:xfrm>
-        </p:spPr>
+        <p:spPr/>
         <p:txBody>
           <a:bodyPr/>
           <a:lstStyle/>
           <a:p>
             <a:r>
               <a:rPr lang="en-US" dirty="0"/>
-              <a:t>Exceed constraint bounds</a:t>
+              <a:t>MPC model accuracy</a:t>
             </a:r>
           </a:p>
           <a:p>
-            <a:pPr lvl="1"/>
-            <a:r>
-              <a:rPr lang="en-US" dirty="0">
-                <a:solidFill>
-                  <a:srgbClr val="FF0000"/>
-                </a:solidFill>
-              </a:rPr>
-              <a:t>MPC optimizer may not converge </a:t>
-            </a:r>
-          </a:p>
-          <a:p>
-            <a:pPr lvl="1"/>
-            <a:r>
-              <a:rPr lang="en-US" dirty="0">
-                <a:solidFill>
-                  <a:srgbClr val="FF0000"/>
-                </a:solidFill>
-              </a:rPr>
-              <a:t>Alpha is not well-tuned</a:t>
-            </a:r>
-          </a:p>
-          <a:p>
             <a:endParaRPr lang="en-US" dirty="0"/>
-          </a:p>
-          <a:p>
-            <a:endParaRPr lang="en-US" dirty="0"/>
-          </a:p>
-          <a:p>
-            <a:r>
-              <a:rPr lang="en-US" dirty="0"/>
-              <a:t>Is this a good MPC optimization problem???</a:t>
-            </a:r>
           </a:p>
         </p:txBody>
       </p:sp>
       <p:pic>
         <p:nvPicPr>
-          <p:cNvPr id="4" name="Content Placeholder 7">
-            <a:extLst>
-              <a:ext uri="{FF2B5EF4-FFF2-40B4-BE49-F238E27FC236}">
-                <a16:creationId xmlns:a16="http://schemas.microsoft.com/office/drawing/2014/main" id="{C7D30C42-332B-4A13-8FA6-D99E9BCEB7BB}"/>
+          <p:cNvPr id="4" name="Picture 3">
+            <a:extLst>
+              <a:ext uri="{FF2B5EF4-FFF2-40B4-BE49-F238E27FC236}">
+                <a16:creationId xmlns:a16="http://schemas.microsoft.com/office/drawing/2014/main" id="{29557EF6-374B-426F-B28F-F74F2C9815A9}"/>
               </a:ext>
             </a:extLst>
           </p:cNvPr>
@@ -7507,31 +8146,628 @@
           </p:cNvPicPr>
           <p:nvPr/>
         </p:nvPicPr>
-        <p:blipFill rotWithShape="1">
-          <a:blip r:embed="rId2">
-            <a:extLst>
-              <a:ext uri="{28A0092B-C50C-407E-A947-70E740481C1C}">
-                <a14:useLocalDpi xmlns:a14="http://schemas.microsoft.com/office/drawing/2010/main" val="0"/>
-              </a:ext>
-            </a:extLst>
-          </a:blip>
-          <a:srcRect t="10080" r="8200" b="5530"/>
-          <a:stretch/>
+        <p:blipFill>
+          <a:blip r:embed="rId2"/>
+          <a:stretch>
+            <a:fillRect/>
+          </a:stretch>
         </p:blipFill>
         <p:spPr>
           <a:xfrm>
-            <a:off x="5884091" y="2439925"/>
-            <a:ext cx="6131698" cy="4227574"/>
+            <a:off x="6492728" y="2896299"/>
+            <a:ext cx="4598276" cy="3200400"/>
           </a:xfrm>
           <a:prstGeom prst="rect">
             <a:avLst/>
           </a:prstGeom>
         </p:spPr>
       </p:pic>
+      <mc:AlternateContent xmlns:mc="http://schemas.openxmlformats.org/markup-compatibility/2006" xmlns:a14="http://schemas.microsoft.com/office/drawing/2010/main">
+        <mc:Choice Requires="a14">
+          <p:sp>
+            <p:nvSpPr>
+              <p:cNvPr id="6" name="TextBox 5">
+                <a:extLst>
+                  <a:ext uri="{FF2B5EF4-FFF2-40B4-BE49-F238E27FC236}">
+                    <a16:creationId xmlns:a16="http://schemas.microsoft.com/office/drawing/2014/main" id="{16DEB784-AFED-4ECA-BAB2-4F9DAEB6BD1B}"/>
+                  </a:ext>
+                </a:extLst>
+              </p:cNvPr>
+              <p:cNvSpPr txBox="1"/>
+              <p:nvPr/>
+            </p:nvSpPr>
+            <p:spPr>
+              <a:xfrm>
+                <a:off x="7176781" y="2117368"/>
+                <a:ext cx="1836400" cy="778931"/>
+              </a:xfrm>
+              <a:prstGeom prst="rect">
+                <a:avLst/>
+              </a:prstGeom>
+              <a:noFill/>
+            </p:spPr>
+            <p:txBody>
+              <a:bodyPr wrap="none" lIns="0" tIns="0" rIns="0" bIns="0" rtlCol="0">
+                <a:spAutoFit/>
+              </a:bodyPr>
+              <a:lstStyle/>
+              <a:p>
+                <a:pPr/>
+                <a14:m>
+                  <m:oMathPara xmlns:m="http://schemas.openxmlformats.org/officeDocument/2006/math">
+                    <m:oMathParaPr>
+                      <m:jc m:val="centerGroup"/>
+                    </m:oMathParaPr>
+                    <m:oMath xmlns:m="http://schemas.openxmlformats.org/officeDocument/2006/math">
+                      <m:func>
+                        <m:funcPr>
+                          <m:ctrlPr>
+                            <a:rPr lang="en-US" b="0" i="1" smtClean="0">
+                              <a:latin typeface="Cambria Math" panose="02040503050406030204" pitchFamily="18" charset="0"/>
+                            </a:rPr>
+                          </m:ctrlPr>
+                        </m:funcPr>
+                        <m:fName>
+                          <m:limLow>
+                            <m:limLowPr>
+                              <m:ctrlPr>
+                                <a:rPr lang="en-US" b="0" i="1" smtClean="0">
+                                  <a:latin typeface="Cambria Math" panose="02040503050406030204" pitchFamily="18" charset="0"/>
+                                </a:rPr>
+                              </m:ctrlPr>
+                            </m:limLowPr>
+                            <m:e>
+                              <m:r>
+                                <m:rPr>
+                                  <m:sty m:val="p"/>
+                                </m:rPr>
+                                <a:rPr lang="en-US" b="0" i="0" smtClean="0">
+                                  <a:latin typeface="Cambria Math" panose="02040503050406030204" pitchFamily="18" charset="0"/>
+                                </a:rPr>
+                                <m:t>min</m:t>
+                              </m:r>
+                            </m:e>
+                            <m:lim>
+                              <m:r>
+                                <m:rPr>
+                                  <m:sty m:val="p"/>
+                                </m:rPr>
+                                <a:rPr lang="en-US" b="0" i="0" smtClean="0">
+                                  <a:latin typeface="Cambria Math" panose="02040503050406030204" pitchFamily="18" charset="0"/>
+                                </a:rPr>
+                                <m:t>u</m:t>
+                              </m:r>
+                            </m:lim>
+                          </m:limLow>
+                        </m:fName>
+                        <m:e>
+                          <m:nary>
+                            <m:naryPr>
+                              <m:chr m:val="∑"/>
+                              <m:ctrlPr>
+                                <a:rPr lang="en-US" b="0" i="1" smtClean="0">
+                                  <a:latin typeface="Cambria Math" panose="02040503050406030204" pitchFamily="18" charset="0"/>
+                                </a:rPr>
+                              </m:ctrlPr>
+                            </m:naryPr>
+                            <m:sub>
+                              <m:r>
+                                <m:rPr>
+                                  <m:brk m:alnAt="23"/>
+                                </m:rPr>
+                                <a:rPr lang="en-US" b="0" i="1" smtClean="0">
+                                  <a:latin typeface="Cambria Math" panose="02040503050406030204" pitchFamily="18" charset="0"/>
+                                </a:rPr>
+                                <m:t>𝑖</m:t>
+                              </m:r>
+                              <m:r>
+                                <a:rPr lang="en-US" b="0" i="1" smtClean="0">
+                                  <a:latin typeface="Cambria Math" panose="02040503050406030204" pitchFamily="18" charset="0"/>
+                                </a:rPr>
+                                <m:t>=1</m:t>
+                              </m:r>
+                            </m:sub>
+                            <m:sup>
+                              <m:r>
+                                <a:rPr lang="en-US" b="0" i="1" smtClean="0">
+                                  <a:latin typeface="Cambria Math" panose="02040503050406030204" pitchFamily="18" charset="0"/>
+                                </a:rPr>
+                                <m:t>𝑃𝐻</m:t>
+                              </m:r>
+                            </m:sup>
+                            <m:e>
+                              <m:sSub>
+                                <m:sSubPr>
+                                  <m:ctrlPr>
+                                    <a:rPr lang="en-US" b="0" i="1" smtClean="0">
+                                      <a:latin typeface="Cambria Math" panose="02040503050406030204" pitchFamily="18" charset="0"/>
+                                    </a:rPr>
+                                  </m:ctrlPr>
+                                </m:sSubPr>
+                                <m:e>
+                                  <m:r>
+                                    <a:rPr lang="en-US" b="0" i="1" smtClean="0">
+                                      <a:latin typeface="Cambria Math" panose="02040503050406030204" pitchFamily="18" charset="0"/>
+                                    </a:rPr>
+                                    <m:t>(</m:t>
+                                  </m:r>
+                                  <m:r>
+                                    <a:rPr lang="en-US" b="0" i="1" smtClean="0">
+                                      <a:latin typeface="Cambria Math" panose="02040503050406030204" pitchFamily="18" charset="0"/>
+                                    </a:rPr>
+                                    <m:t>𝑑𝑇</m:t>
+                                  </m:r>
+                                </m:e>
+                                <m:sub>
+                                  <m:r>
+                                    <a:rPr lang="en-US" b="0" i="1" smtClean="0">
+                                      <a:latin typeface="Cambria Math" panose="02040503050406030204" pitchFamily="18" charset="0"/>
+                                    </a:rPr>
+                                    <m:t>𝑢</m:t>
+                                  </m:r>
+                                </m:sub>
+                              </m:sSub>
+                              <m:r>
+                                <a:rPr lang="en-US" b="0" i="1" smtClean="0">
+                                  <a:latin typeface="Cambria Math" panose="02040503050406030204" pitchFamily="18" charset="0"/>
+                                </a:rPr>
+                                <m:t>+</m:t>
+                              </m:r>
+                              <m:r>
+                                <a:rPr lang="en-US" b="0" i="1" smtClean="0">
+                                  <a:latin typeface="Cambria Math" panose="02040503050406030204" pitchFamily="18" charset="0"/>
+                                </a:rPr>
+                                <m:t>𝑑</m:t>
+                              </m:r>
+                              <m:sSub>
+                                <m:sSubPr>
+                                  <m:ctrlPr>
+                                    <a:rPr lang="en-US" b="0" i="1" smtClean="0">
+                                      <a:latin typeface="Cambria Math" panose="02040503050406030204" pitchFamily="18" charset="0"/>
+                                    </a:rPr>
+                                  </m:ctrlPr>
+                                </m:sSubPr>
+                                <m:e>
+                                  <m:r>
+                                    <a:rPr lang="en-US" b="0" i="1" smtClean="0">
+                                      <a:latin typeface="Cambria Math" panose="02040503050406030204" pitchFamily="18" charset="0"/>
+                                    </a:rPr>
+                                    <m:t>𝑇</m:t>
+                                  </m:r>
+                                </m:e>
+                                <m:sub>
+                                  <m:r>
+                                    <a:rPr lang="en-US" b="0" i="1" smtClean="0">
+                                      <a:latin typeface="Cambria Math" panose="02040503050406030204" pitchFamily="18" charset="0"/>
+                                    </a:rPr>
+                                    <m:t>𝑙</m:t>
+                                  </m:r>
+                                </m:sub>
+                              </m:sSub>
+                              <m:r>
+                                <a:rPr lang="en-US" b="0" i="1" smtClean="0">
+                                  <a:latin typeface="Cambria Math" panose="02040503050406030204" pitchFamily="18" charset="0"/>
+                                </a:rPr>
+                                <m:t>)</m:t>
+                              </m:r>
+                            </m:e>
+                          </m:nary>
+                        </m:e>
+                      </m:func>
+                    </m:oMath>
+                  </m:oMathPara>
+                </a14:m>
+                <a:endParaRPr lang="en-US" dirty="0"/>
+              </a:p>
+            </p:txBody>
+          </p:sp>
+        </mc:Choice>
+        <mc:Fallback xmlns="">
+          <p:sp>
+            <p:nvSpPr>
+              <p:cNvPr id="6" name="TextBox 5">
+                <a:extLst>
+                  <a:ext uri="{FF2B5EF4-FFF2-40B4-BE49-F238E27FC236}">
+                    <a16:creationId xmlns:a16="http://schemas.microsoft.com/office/drawing/2014/main" id="{16DEB784-AFED-4ECA-BAB2-4F9DAEB6BD1B}"/>
+                  </a:ext>
+                </a:extLst>
+              </p:cNvPr>
+              <p:cNvSpPr txBox="1">
+                <a:spLocks noRot="1" noChangeAspect="1" noMove="1" noResize="1" noEditPoints="1" noAdjustHandles="1" noChangeArrowheads="1" noChangeShapeType="1" noTextEdit="1"/>
+              </p:cNvSpPr>
+              <p:nvPr/>
+            </p:nvSpPr>
+            <p:spPr>
+              <a:xfrm>
+                <a:off x="7176781" y="2117368"/>
+                <a:ext cx="1836400" cy="778931"/>
+              </a:xfrm>
+              <a:prstGeom prst="rect">
+                <a:avLst/>
+              </a:prstGeom>
+              <a:blipFill>
+                <a:blip r:embed="rId3"/>
+                <a:stretch>
+                  <a:fillRect/>
+                </a:stretch>
+              </a:blipFill>
+            </p:spPr>
+            <p:txBody>
+              <a:bodyPr/>
+              <a:lstStyle/>
+              <a:p>
+                <a:r>
+                  <a:rPr lang="en-US">
+                    <a:noFill/>
+                  </a:rPr>
+                  <a:t> </a:t>
+                </a:r>
+              </a:p>
+            </p:txBody>
+          </p:sp>
+        </mc:Fallback>
+      </mc:AlternateContent>
+      <p:sp>
+        <p:nvSpPr>
+          <p:cNvPr id="7" name="TextBox 6">
+            <a:extLst>
+              <a:ext uri="{FF2B5EF4-FFF2-40B4-BE49-F238E27FC236}">
+                <a16:creationId xmlns:a16="http://schemas.microsoft.com/office/drawing/2014/main" id="{B6F15B68-D6D6-46D7-9E36-97D2927CFFE6}"/>
+              </a:ext>
+            </a:extLst>
+          </p:cNvPr>
+          <p:cNvSpPr txBox="1"/>
+          <p:nvPr/>
+        </p:nvSpPr>
+        <p:spPr>
+          <a:xfrm>
+            <a:off x="9357237" y="2324265"/>
+            <a:ext cx="679994" cy="369332"/>
+          </a:xfrm>
+          <a:prstGeom prst="rect">
+            <a:avLst/>
+          </a:prstGeom>
+          <a:noFill/>
+        </p:spPr>
+        <p:txBody>
+          <a:bodyPr wrap="none" rtlCol="0">
+            <a:spAutoFit/>
+          </a:bodyPr>
+          <a:lstStyle/>
+          <a:p>
+            <a:r>
+              <a:rPr lang="en-US" dirty="0"/>
+              <a:t>PH=1</a:t>
+            </a:r>
+          </a:p>
+        </p:txBody>
+      </p:sp>
+      <p:pic>
+        <p:nvPicPr>
+          <p:cNvPr id="8" name="Picture 7">
+            <a:extLst>
+              <a:ext uri="{FF2B5EF4-FFF2-40B4-BE49-F238E27FC236}">
+                <a16:creationId xmlns:a16="http://schemas.microsoft.com/office/drawing/2014/main" id="{8256B481-302E-4069-B64D-CA322B67F98E}"/>
+              </a:ext>
+            </a:extLst>
+          </p:cNvPr>
+          <p:cNvPicPr>
+            <a:picLocks noChangeAspect="1"/>
+          </p:cNvPicPr>
+          <p:nvPr/>
+        </p:nvPicPr>
+        <p:blipFill>
+          <a:blip r:embed="rId4"/>
+          <a:stretch>
+            <a:fillRect/>
+          </a:stretch>
+        </p:blipFill>
+        <p:spPr>
+          <a:xfrm>
+            <a:off x="838200" y="2999866"/>
+            <a:ext cx="4460906" cy="3157810"/>
+          </a:xfrm>
+          <a:prstGeom prst="rect">
+            <a:avLst/>
+          </a:prstGeom>
+        </p:spPr>
+      </p:pic>
+      <mc:AlternateContent xmlns:mc="http://schemas.openxmlformats.org/markup-compatibility/2006" xmlns:a14="http://schemas.microsoft.com/office/drawing/2010/main">
+        <mc:Choice Requires="a14">
+          <p:sp>
+            <p:nvSpPr>
+              <p:cNvPr id="9" name="TextBox 8">
+                <a:extLst>
+                  <a:ext uri="{FF2B5EF4-FFF2-40B4-BE49-F238E27FC236}">
+                    <a16:creationId xmlns:a16="http://schemas.microsoft.com/office/drawing/2014/main" id="{86232F01-8319-4C4C-A7F8-D1F729D1AB0C}"/>
+                  </a:ext>
+                </a:extLst>
+              </p:cNvPr>
+              <p:cNvSpPr txBox="1"/>
+              <p:nvPr/>
+            </p:nvSpPr>
+            <p:spPr>
+              <a:xfrm>
+                <a:off x="1696550" y="2201648"/>
+                <a:ext cx="1607876" cy="778931"/>
+              </a:xfrm>
+              <a:prstGeom prst="rect">
+                <a:avLst/>
+              </a:prstGeom>
+              <a:noFill/>
+            </p:spPr>
+            <p:txBody>
+              <a:bodyPr wrap="none" lIns="0" tIns="0" rIns="0" bIns="0" rtlCol="0">
+                <a:spAutoFit/>
+              </a:bodyPr>
+              <a:lstStyle/>
+              <a:p>
+                <a:pPr/>
+                <a14:m>
+                  <m:oMathPara xmlns:m="http://schemas.openxmlformats.org/officeDocument/2006/math">
+                    <m:oMathParaPr>
+                      <m:jc m:val="centerGroup"/>
+                    </m:oMathParaPr>
+                    <m:oMath xmlns:m="http://schemas.openxmlformats.org/officeDocument/2006/math">
+                      <m:func>
+                        <m:funcPr>
+                          <m:ctrlPr>
+                            <a:rPr lang="en-US" b="0" i="1" smtClean="0">
+                              <a:latin typeface="Cambria Math" panose="02040503050406030204" pitchFamily="18" charset="0"/>
+                            </a:rPr>
+                          </m:ctrlPr>
+                        </m:funcPr>
+                        <m:fName>
+                          <m:limLow>
+                            <m:limLowPr>
+                              <m:ctrlPr>
+                                <a:rPr lang="en-US" b="0" i="1" smtClean="0">
+                                  <a:latin typeface="Cambria Math" panose="02040503050406030204" pitchFamily="18" charset="0"/>
+                                </a:rPr>
+                              </m:ctrlPr>
+                            </m:limLowPr>
+                            <m:e>
+                              <m:r>
+                                <m:rPr>
+                                  <m:sty m:val="p"/>
+                                </m:rPr>
+                                <a:rPr lang="en-US" b="0" i="0" smtClean="0">
+                                  <a:latin typeface="Cambria Math" panose="02040503050406030204" pitchFamily="18" charset="0"/>
+                                </a:rPr>
+                                <m:t>min</m:t>
+                              </m:r>
+                            </m:e>
+                            <m:lim>
+                              <m:r>
+                                <m:rPr>
+                                  <m:sty m:val="p"/>
+                                </m:rPr>
+                                <a:rPr lang="en-US" b="0" i="0" smtClean="0">
+                                  <a:latin typeface="Cambria Math" panose="02040503050406030204" pitchFamily="18" charset="0"/>
+                                </a:rPr>
+                                <m:t>u</m:t>
+                              </m:r>
+                            </m:lim>
+                          </m:limLow>
+                        </m:fName>
+                        <m:e>
+                          <m:nary>
+                            <m:naryPr>
+                              <m:chr m:val="∑"/>
+                              <m:ctrlPr>
+                                <a:rPr lang="en-US" b="0" i="1" smtClean="0">
+                                  <a:latin typeface="Cambria Math" panose="02040503050406030204" pitchFamily="18" charset="0"/>
+                                </a:rPr>
+                              </m:ctrlPr>
+                            </m:naryPr>
+                            <m:sub>
+                              <m:r>
+                                <m:rPr>
+                                  <m:brk m:alnAt="23"/>
+                                </m:rPr>
+                                <a:rPr lang="en-US" b="0" i="1" smtClean="0">
+                                  <a:latin typeface="Cambria Math" panose="02040503050406030204" pitchFamily="18" charset="0"/>
+                                </a:rPr>
+                                <m:t>𝑖</m:t>
+                              </m:r>
+                              <m:r>
+                                <a:rPr lang="en-US" b="0" i="1" smtClean="0">
+                                  <a:latin typeface="Cambria Math" panose="02040503050406030204" pitchFamily="18" charset="0"/>
+                                </a:rPr>
+                                <m:t>=1</m:t>
+                              </m:r>
+                            </m:sub>
+                            <m:sup>
+                              <m:r>
+                                <a:rPr lang="en-US" b="0" i="1" smtClean="0">
+                                  <a:latin typeface="Cambria Math" panose="02040503050406030204" pitchFamily="18" charset="0"/>
+                                </a:rPr>
+                                <m:t>𝑃𝐻</m:t>
+                              </m:r>
+                            </m:sup>
+                            <m:e>
+                              <m:sSub>
+                                <m:sSubPr>
+                                  <m:ctrlPr>
+                                    <a:rPr lang="en-US" b="0" i="1" smtClean="0">
+                                      <a:latin typeface="Cambria Math" panose="02040503050406030204" pitchFamily="18" charset="0"/>
+                                    </a:rPr>
+                                  </m:ctrlPr>
+                                </m:sSubPr>
+                                <m:e>
+                                  <m:r>
+                                    <a:rPr lang="en-US" b="0" i="1" smtClean="0">
+                                      <a:latin typeface="Cambria Math" panose="02040503050406030204" pitchFamily="18" charset="0"/>
+                                    </a:rPr>
+                                    <m:t>𝑝</m:t>
+                                  </m:r>
+                                </m:e>
+                                <m:sub>
+                                  <m:r>
+                                    <a:rPr lang="en-US" b="0" i="1" smtClean="0">
+                                      <a:latin typeface="Cambria Math" panose="02040503050406030204" pitchFamily="18" charset="0"/>
+                                    </a:rPr>
+                                    <m:t>𝑖</m:t>
+                                  </m:r>
+                                </m:sub>
+                              </m:sSub>
+                              <m:sSub>
+                                <m:sSubPr>
+                                  <m:ctrlPr>
+                                    <a:rPr lang="en-US" b="0" i="1" smtClean="0">
+                                      <a:latin typeface="Cambria Math" panose="02040503050406030204" pitchFamily="18" charset="0"/>
+                                    </a:rPr>
+                                  </m:ctrlPr>
+                                </m:sSubPr>
+                                <m:e>
+                                  <m:r>
+                                    <a:rPr lang="en-US" b="0" i="1" smtClean="0">
+                                      <a:latin typeface="Cambria Math" panose="02040503050406030204" pitchFamily="18" charset="0"/>
+                                    </a:rPr>
+                                    <m:t>𝑃</m:t>
+                                  </m:r>
+                                </m:e>
+                                <m:sub>
+                                  <m:r>
+                                    <a:rPr lang="en-US" b="0" i="1" smtClean="0">
+                                      <a:latin typeface="Cambria Math" panose="02040503050406030204" pitchFamily="18" charset="0"/>
+                                    </a:rPr>
+                                    <m:t>𝑖</m:t>
+                                  </m:r>
+                                </m:sub>
+                              </m:sSub>
+                              <m:d>
+                                <m:dPr>
+                                  <m:ctrlPr>
+                                    <a:rPr lang="en-US" b="0" i="1" smtClean="0">
+                                      <a:latin typeface="Cambria Math" panose="02040503050406030204" pitchFamily="18" charset="0"/>
+                                    </a:rPr>
+                                  </m:ctrlPr>
+                                </m:dPr>
+                                <m:e>
+                                  <m:sSub>
+                                    <m:sSubPr>
+                                      <m:ctrlPr>
+                                        <a:rPr lang="en-US" b="0" i="1" smtClean="0">
+                                          <a:latin typeface="Cambria Math" panose="02040503050406030204" pitchFamily="18" charset="0"/>
+                                        </a:rPr>
+                                      </m:ctrlPr>
+                                    </m:sSubPr>
+                                    <m:e>
+                                      <m:r>
+                                        <a:rPr lang="en-US" b="0" i="1" smtClean="0">
+                                          <a:latin typeface="Cambria Math" panose="02040503050406030204" pitchFamily="18" charset="0"/>
+                                        </a:rPr>
+                                        <m:t>𝑢</m:t>
+                                      </m:r>
+                                    </m:e>
+                                    <m:sub>
+                                      <m:r>
+                                        <a:rPr lang="en-US" b="0" i="1" smtClean="0">
+                                          <a:latin typeface="Cambria Math" panose="02040503050406030204" pitchFamily="18" charset="0"/>
+                                        </a:rPr>
+                                        <m:t>𝑖</m:t>
+                                      </m:r>
+                                    </m:sub>
+                                  </m:sSub>
+                                </m:e>
+                              </m:d>
+                            </m:e>
+                          </m:nary>
+                        </m:e>
+                      </m:func>
+                    </m:oMath>
+                  </m:oMathPara>
+                </a14:m>
+                <a:endParaRPr lang="en-US" dirty="0"/>
+              </a:p>
+            </p:txBody>
+          </p:sp>
+        </mc:Choice>
+        <mc:Fallback xmlns="">
+          <p:sp>
+            <p:nvSpPr>
+              <p:cNvPr id="9" name="TextBox 8">
+                <a:extLst>
+                  <a:ext uri="{FF2B5EF4-FFF2-40B4-BE49-F238E27FC236}">
+                    <a16:creationId xmlns:a16="http://schemas.microsoft.com/office/drawing/2014/main" id="{86232F01-8319-4C4C-A7F8-D1F729D1AB0C}"/>
+                  </a:ext>
+                </a:extLst>
+              </p:cNvPr>
+              <p:cNvSpPr txBox="1">
+                <a:spLocks noRot="1" noChangeAspect="1" noMove="1" noResize="1" noEditPoints="1" noAdjustHandles="1" noChangeArrowheads="1" noChangeShapeType="1" noTextEdit="1"/>
+              </p:cNvSpPr>
+              <p:nvPr/>
+            </p:nvSpPr>
+            <p:spPr>
+              <a:xfrm>
+                <a:off x="1696550" y="2201648"/>
+                <a:ext cx="1607876" cy="778931"/>
+              </a:xfrm>
+              <a:prstGeom prst="rect">
+                <a:avLst/>
+              </a:prstGeom>
+              <a:blipFill>
+                <a:blip r:embed="rId5"/>
+                <a:stretch>
+                  <a:fillRect/>
+                </a:stretch>
+              </a:blipFill>
+            </p:spPr>
+            <p:txBody>
+              <a:bodyPr/>
+              <a:lstStyle/>
+              <a:p>
+                <a:r>
+                  <a:rPr lang="en-US">
+                    <a:noFill/>
+                  </a:rPr>
+                  <a:t> </a:t>
+                </a:r>
+              </a:p>
+            </p:txBody>
+          </p:sp>
+        </mc:Fallback>
+      </mc:AlternateContent>
+      <p:sp>
+        <p:nvSpPr>
+          <p:cNvPr id="10" name="TextBox 9">
+            <a:extLst>
+              <a:ext uri="{FF2B5EF4-FFF2-40B4-BE49-F238E27FC236}">
+                <a16:creationId xmlns:a16="http://schemas.microsoft.com/office/drawing/2014/main" id="{360541BC-D51B-4D2D-AC9F-C44DFF4C8D59}"/>
+              </a:ext>
+            </a:extLst>
+          </p:cNvPr>
+          <p:cNvSpPr txBox="1"/>
+          <p:nvPr/>
+        </p:nvSpPr>
+        <p:spPr>
+          <a:xfrm>
+            <a:off x="3729623" y="2436225"/>
+            <a:ext cx="679994" cy="369332"/>
+          </a:xfrm>
+          <a:prstGeom prst="rect">
+            <a:avLst/>
+          </a:prstGeom>
+          <a:noFill/>
+        </p:spPr>
+        <p:txBody>
+          <a:bodyPr wrap="none" rtlCol="0">
+            <a:spAutoFit/>
+          </a:bodyPr>
+          <a:lstStyle/>
+          <a:p>
+            <a:r>
+              <a:rPr lang="en-US" dirty="0"/>
+              <a:t>PH=1</a:t>
+            </a:r>
+          </a:p>
+        </p:txBody>
+      </p:sp>
     </p:spTree>
     <p:extLst>
       <p:ext uri="{BB962C8B-B14F-4D97-AF65-F5344CB8AC3E}">
-        <p14:creationId xmlns:p14="http://schemas.microsoft.com/office/powerpoint/2010/main" val="2368775415"/>
+        <p14:creationId xmlns:p14="http://schemas.microsoft.com/office/powerpoint/2010/main" val="3792786487"/>
       </p:ext>
     </p:extLst>
   </p:cSld>
@@ -7563,7 +8799,7 @@
           <p:cNvPr id="2" name="Title 1">
             <a:extLst>
               <a:ext uri="{FF2B5EF4-FFF2-40B4-BE49-F238E27FC236}">
-                <a16:creationId xmlns:a16="http://schemas.microsoft.com/office/drawing/2014/main" id="{7CF4C261-9E20-488B-94B4-5F8A4FA4D2EA}"/>
+                <a16:creationId xmlns:a16="http://schemas.microsoft.com/office/drawing/2014/main" id="{8AFF19EB-A762-4838-A240-737139FA2C84}"/>
               </a:ext>
             </a:extLst>
           </p:cNvPr>
@@ -7574,14 +8810,19 @@
             <p:ph type="title"/>
           </p:nvPr>
         </p:nvSpPr>
-        <p:spPr/>
+        <p:spPr>
+          <a:xfrm>
+            <a:off x="838200" y="365125"/>
+            <a:ext cx="10515600" cy="910002"/>
+          </a:xfrm>
+        </p:spPr>
         <p:txBody>
           <a:bodyPr/>
           <a:lstStyle/>
           <a:p>
             <a:r>
               <a:rPr lang="en-US" dirty="0"/>
-              <a:t>To-Do</a:t>
+              <a:t>Zone Temperature Dynamics</a:t>
             </a:r>
           </a:p>
         </p:txBody>
@@ -7591,7 +8832,7 @@
           <p:cNvPr id="3" name="Content Placeholder 2">
             <a:extLst>
               <a:ext uri="{FF2B5EF4-FFF2-40B4-BE49-F238E27FC236}">
-                <a16:creationId xmlns:a16="http://schemas.microsoft.com/office/drawing/2014/main" id="{8C30C5E2-BDFE-402E-BD83-61AA9301739F}"/>
+                <a16:creationId xmlns:a16="http://schemas.microsoft.com/office/drawing/2014/main" id="{19DF214F-E69E-4142-BF06-E3F82D06856C}"/>
               </a:ext>
             </a:extLst>
           </p:cNvPr>
@@ -7609,31 +8850,35 @@
           <a:p>
             <a:r>
               <a:rPr lang="en-US" dirty="0"/>
-              <a:t>1. remove chiller power; normalize objective function, tune alpha</a:t>
+              <a:t>Model 1: polynomial </a:t>
             </a:r>
           </a:p>
           <a:p>
             <a:r>
               <a:rPr lang="en-US" dirty="0"/>
-              <a:t>2. change application to control setpoints</a:t>
+              <a:t>Model 2: ANN</a:t>
             </a:r>
           </a:p>
           <a:p>
+            <a:pPr lvl="1"/>
             <a:r>
               <a:rPr lang="en-US" dirty="0"/>
-              <a:t>3. Five-zone DRL environment</a:t>
+              <a:t>1. one history step</a:t>
             </a:r>
           </a:p>
           <a:p>
             <a:pPr lvl="1"/>
-            <a:endParaRPr lang="en-US" dirty="0"/>
+            <a:r>
+              <a:rPr lang="en-US" dirty="0"/>
+              <a:t>2. four history step</a:t>
+            </a:r>
           </a:p>
         </p:txBody>
       </p:sp>
     </p:spTree>
     <p:extLst>
       <p:ext uri="{BB962C8B-B14F-4D97-AF65-F5344CB8AC3E}">
-        <p14:creationId xmlns:p14="http://schemas.microsoft.com/office/powerpoint/2010/main" val="648875799"/>
+        <p14:creationId xmlns:p14="http://schemas.microsoft.com/office/powerpoint/2010/main" val="695880980"/>
       </p:ext>
     </p:extLst>
   </p:cSld>
@@ -7660,12 +8905,138 @@
           <a:chExt cx="0" cy="0"/>
         </a:xfrm>
       </p:grpSpPr>
+      <p:graphicFrame>
+        <p:nvGraphicFramePr>
+          <p:cNvPr id="5" name="Object 4">
+            <a:extLst>
+              <a:ext uri="{FF2B5EF4-FFF2-40B4-BE49-F238E27FC236}">
+                <a16:creationId xmlns:a16="http://schemas.microsoft.com/office/drawing/2014/main" id="{792BB656-4AFA-49F1-AC25-75B57719FBF0}"/>
+              </a:ext>
+            </a:extLst>
+          </p:cNvPr>
+          <p:cNvGraphicFramePr>
+            <a:graphicFrameLocks noChangeAspect="1"/>
+          </p:cNvGraphicFramePr>
+          <p:nvPr>
+            <p:extLst>
+              <p:ext uri="{D42A27DB-BD31-4B8C-83A1-F6EECF244321}">
+                <p14:modId xmlns:p14="http://schemas.microsoft.com/office/powerpoint/2010/main" val="243388522"/>
+              </p:ext>
+            </p:extLst>
+          </p:nvPr>
+        </p:nvGraphicFramePr>
+        <p:xfrm>
+          <a:off x="7038237" y="3995867"/>
+          <a:ext cx="3575515" cy="2683575"/>
+        </p:xfrm>
+        <a:graphic>
+          <a:graphicData uri="http://schemas.openxmlformats.org/presentationml/2006/ole">
+            <mc:AlternateContent xmlns:mc="http://schemas.openxmlformats.org/markup-compatibility/2006">
+              <mc:Choice xmlns:v="urn:schemas-microsoft-com:vml" Requires="v">
+                <p:oleObj spid="_x0000_s1086" name="Acrobat Document" r:id="rId3" imgW="4390855" imgH="3295315" progId="Acrobat.Document.2017">
+                  <p:embed/>
+                </p:oleObj>
+              </mc:Choice>
+              <mc:Fallback>
+                <p:oleObj name="Acrobat Document" r:id="rId3" imgW="4390855" imgH="3295315" progId="Acrobat.Document.2017">
+                  <p:embed/>
+                  <p:pic>
+                    <p:nvPicPr>
+                      <p:cNvPr id="0" name=""/>
+                      <p:cNvPicPr/>
+                      <p:nvPr/>
+                    </p:nvPicPr>
+                    <p:blipFill>
+                      <a:blip r:embed="rId4"/>
+                      <a:stretch>
+                        <a:fillRect/>
+                      </a:stretch>
+                    </p:blipFill>
+                    <p:spPr>
+                      <a:xfrm>
+                        <a:off x="7038237" y="3995867"/>
+                        <a:ext cx="3575515" cy="2683575"/>
+                      </a:xfrm>
+                      <a:prstGeom prst="rect">
+                        <a:avLst/>
+                      </a:prstGeom>
+                    </p:spPr>
+                  </p:pic>
+                </p:oleObj>
+              </mc:Fallback>
+            </mc:AlternateContent>
+          </a:graphicData>
+        </a:graphic>
+      </p:graphicFrame>
+      <p:graphicFrame>
+        <p:nvGraphicFramePr>
+          <p:cNvPr id="4" name="Object 3">
+            <a:extLst>
+              <a:ext uri="{FF2B5EF4-FFF2-40B4-BE49-F238E27FC236}">
+                <a16:creationId xmlns:a16="http://schemas.microsoft.com/office/drawing/2014/main" id="{E2E921B0-F86E-4C5A-897D-DB7576908DB1}"/>
+              </a:ext>
+            </a:extLst>
+          </p:cNvPr>
+          <p:cNvGraphicFramePr>
+            <a:graphicFrameLocks noChangeAspect="1"/>
+          </p:cNvGraphicFramePr>
+          <p:nvPr>
+            <p:extLst>
+              <p:ext uri="{D42A27DB-BD31-4B8C-83A1-F6EECF244321}">
+                <p14:modId xmlns:p14="http://schemas.microsoft.com/office/powerpoint/2010/main" val="438981972"/>
+              </p:ext>
+            </p:extLst>
+          </p:nvPr>
+        </p:nvGraphicFramePr>
+        <p:xfrm>
+          <a:off x="695586" y="3995868"/>
+          <a:ext cx="3575515" cy="2683575"/>
+        </p:xfrm>
+        <a:graphic>
+          <a:graphicData uri="http://schemas.openxmlformats.org/presentationml/2006/ole">
+            <mc:AlternateContent xmlns:mc="http://schemas.openxmlformats.org/markup-compatibility/2006">
+              <mc:Choice xmlns:v="urn:schemas-microsoft-com:vml" Requires="v">
+                <p:oleObj spid="_x0000_s1087" name="Acrobat Document" r:id="rId5" imgW="4390855" imgH="3295315" progId="Acrobat.Document.2017">
+                  <p:embed/>
+                </p:oleObj>
+              </mc:Choice>
+              <mc:Fallback>
+                <p:oleObj name="Acrobat Document" r:id="rId5" imgW="4390855" imgH="3295315" progId="Acrobat.Document.2017">
+                  <p:embed/>
+                  <p:pic>
+                    <p:nvPicPr>
+                      <p:cNvPr id="0" name=""/>
+                      <p:cNvPicPr/>
+                      <p:nvPr/>
+                    </p:nvPicPr>
+                    <p:blipFill>
+                      <a:blip r:embed="rId6"/>
+                      <a:stretch>
+                        <a:fillRect/>
+                      </a:stretch>
+                    </p:blipFill>
+                    <p:spPr>
+                      <a:xfrm>
+                        <a:off x="695586" y="3995868"/>
+                        <a:ext cx="3575515" cy="2683575"/>
+                      </a:xfrm>
+                      <a:prstGeom prst="rect">
+                        <a:avLst/>
+                      </a:prstGeom>
+                    </p:spPr>
+                  </p:pic>
+                </p:oleObj>
+              </mc:Fallback>
+            </mc:AlternateContent>
+          </a:graphicData>
+        </a:graphic>
+      </p:graphicFrame>
       <p:sp>
         <p:nvSpPr>
           <p:cNvPr id="2" name="Title 1">
             <a:extLst>
               <a:ext uri="{FF2B5EF4-FFF2-40B4-BE49-F238E27FC236}">
-                <a16:creationId xmlns:a16="http://schemas.microsoft.com/office/drawing/2014/main" id="{DC645DAF-B11F-4FD3-BAF4-C4A24C6A39D0}"/>
+                <a16:creationId xmlns:a16="http://schemas.microsoft.com/office/drawing/2014/main" id="{22E75172-1386-433B-8A05-E6B4E9764C7F}"/>
               </a:ext>
             </a:extLst>
           </p:cNvPr>
@@ -7676,58 +9047,160 @@
             <p:ph type="title"/>
           </p:nvPr>
         </p:nvSpPr>
-        <p:spPr/>
+        <p:spPr>
+          <a:xfrm>
+            <a:off x="695587" y="178557"/>
+            <a:ext cx="10515600" cy="834501"/>
+          </a:xfrm>
+        </p:spPr>
         <p:txBody>
           <a:bodyPr/>
           <a:lstStyle/>
           <a:p>
             <a:r>
               <a:rPr lang="en-US" dirty="0"/>
-              <a:t>Debug MPC</a:t>
+              <a:t>Zone </a:t>
             </a:r>
+            <a:r>
+              <a:rPr lang="en-US"/>
+              <a:t>Dynamics Identification</a:t>
+            </a:r>
+            <a:endParaRPr lang="en-US" dirty="0"/>
           </a:p>
         </p:txBody>
       </p:sp>
-      <p:pic>
-        <p:nvPicPr>
-          <p:cNvPr id="4" name="Content Placeholder 7">
-            <a:extLst>
-              <a:ext uri="{FF2B5EF4-FFF2-40B4-BE49-F238E27FC236}">
-                <a16:creationId xmlns:a16="http://schemas.microsoft.com/office/drawing/2014/main" id="{D65265B0-6B8E-4FAD-98BD-433C59595EEE}"/>
-              </a:ext>
-            </a:extLst>
-          </p:cNvPr>
-          <p:cNvPicPr>
-            <a:picLocks noGrp="1" noChangeAspect="1"/>
-          </p:cNvPicPr>
+      <p:graphicFrame>
+        <p:nvGraphicFramePr>
+          <p:cNvPr id="7" name="Object 6">
+            <a:extLst>
+              <a:ext uri="{FF2B5EF4-FFF2-40B4-BE49-F238E27FC236}">
+                <a16:creationId xmlns:a16="http://schemas.microsoft.com/office/drawing/2014/main" id="{45FAF77A-31C6-4BF0-8D1E-08BAD37DBC94}"/>
+              </a:ext>
+            </a:extLst>
+          </p:cNvPr>
+          <p:cNvGraphicFramePr>
+            <a:graphicFrameLocks noChangeAspect="1"/>
+          </p:cNvGraphicFramePr>
           <p:nvPr>
-            <p:ph idx="1"/>
+            <p:extLst>
+              <p:ext uri="{D42A27DB-BD31-4B8C-83A1-F6EECF244321}">
+                <p14:modId xmlns:p14="http://schemas.microsoft.com/office/powerpoint/2010/main" val="552996375"/>
+              </p:ext>
+            </p:extLst>
           </p:nvPr>
-        </p:nvPicPr>
-        <p:blipFill rotWithShape="1">
-          <a:blip r:embed="rId2">
-            <a:extLst>
-              <a:ext uri="{28A0092B-C50C-407E-A947-70E740481C1C}">
-                <a14:useLocalDpi xmlns:a14="http://schemas.microsoft.com/office/drawing/2010/main" val="0"/>
-              </a:ext>
-            </a:extLst>
-          </a:blip>
-          <a:srcRect t="10080" b="5530"/>
-          <a:stretch/>
-        </p:blipFill>
-        <p:spPr>
-          <a:xfrm>
-            <a:off x="4101463" y="1906255"/>
-            <a:ext cx="5851429" cy="3703516"/>
-          </a:xfrm>
-        </p:spPr>
-      </p:pic>
+        </p:nvGraphicFramePr>
+        <p:xfrm>
+          <a:off x="695587" y="1072740"/>
+          <a:ext cx="3575515" cy="2683575"/>
+        </p:xfrm>
+        <a:graphic>
+          <a:graphicData uri="http://schemas.openxmlformats.org/presentationml/2006/ole">
+            <mc:AlternateContent xmlns:mc="http://schemas.openxmlformats.org/markup-compatibility/2006">
+              <mc:Choice xmlns:v="urn:schemas-microsoft-com:vml" Requires="v">
+                <p:oleObj spid="_x0000_s1088" name="Acrobat Document" r:id="rId7" imgW="4390855" imgH="3295315" progId="Acrobat.Document.2017">
+                  <p:embed/>
+                </p:oleObj>
+              </mc:Choice>
+              <mc:Fallback>
+                <p:oleObj name="Acrobat Document" r:id="rId7" imgW="4390855" imgH="3295315" progId="Acrobat.Document.2017">
+                  <p:embed/>
+                  <p:pic>
+                    <p:nvPicPr>
+                      <p:cNvPr id="0" name=""/>
+                      <p:cNvPicPr/>
+                      <p:nvPr/>
+                    </p:nvPicPr>
+                    <p:blipFill>
+                      <a:blip r:embed="rId8"/>
+                      <a:stretch>
+                        <a:fillRect/>
+                      </a:stretch>
+                    </p:blipFill>
+                    <p:spPr>
+                      <a:xfrm>
+                        <a:off x="695587" y="1072740"/>
+                        <a:ext cx="3575515" cy="2683575"/>
+                      </a:xfrm>
+                      <a:prstGeom prst="rect">
+                        <a:avLst/>
+                      </a:prstGeom>
+                    </p:spPr>
+                  </p:pic>
+                </p:oleObj>
+              </mc:Fallback>
+            </mc:AlternateContent>
+          </a:graphicData>
+        </a:graphic>
+      </p:graphicFrame>
+      <p:graphicFrame>
+        <p:nvGraphicFramePr>
+          <p:cNvPr id="9" name="Object 8">
+            <a:extLst>
+              <a:ext uri="{FF2B5EF4-FFF2-40B4-BE49-F238E27FC236}">
+                <a16:creationId xmlns:a16="http://schemas.microsoft.com/office/drawing/2014/main" id="{57FB08B6-7759-4AB5-A963-0C7B1CAF5B00}"/>
+              </a:ext>
+            </a:extLst>
+          </p:cNvPr>
+          <p:cNvGraphicFramePr>
+            <a:graphicFrameLocks noChangeAspect="1"/>
+          </p:cNvGraphicFramePr>
+          <p:nvPr>
+            <p:extLst>
+              <p:ext uri="{D42A27DB-BD31-4B8C-83A1-F6EECF244321}">
+                <p14:modId xmlns:p14="http://schemas.microsoft.com/office/powerpoint/2010/main" val="1258706682"/>
+              </p:ext>
+            </p:extLst>
+          </p:nvPr>
+        </p:nvGraphicFramePr>
+        <p:xfrm>
+          <a:off x="7038237" y="1060683"/>
+          <a:ext cx="3508443" cy="2633235"/>
+        </p:xfrm>
+        <a:graphic>
+          <a:graphicData uri="http://schemas.openxmlformats.org/presentationml/2006/ole">
+            <mc:AlternateContent xmlns:mc="http://schemas.openxmlformats.org/markup-compatibility/2006">
+              <mc:Choice xmlns:v="urn:schemas-microsoft-com:vml" Requires="v">
+                <p:oleObj spid="_x0000_s1089" name="Acrobat Document" r:id="rId9" imgW="4390855" imgH="3295315" progId="Acrobat.Document.2017">
+                  <p:embed/>
+                </p:oleObj>
+              </mc:Choice>
+              <mc:Fallback>
+                <p:oleObj name="Acrobat Document" r:id="rId9" imgW="4390855" imgH="3295315" progId="Acrobat.Document.2017">
+                  <p:embed/>
+                  <p:pic>
+                    <p:nvPicPr>
+                      <p:cNvPr id="0" name=""/>
+                      <p:cNvPicPr/>
+                      <p:nvPr/>
+                    </p:nvPicPr>
+                    <p:blipFill>
+                      <a:blip r:embed="rId10"/>
+                      <a:stretch>
+                        <a:fillRect/>
+                      </a:stretch>
+                    </p:blipFill>
+                    <p:spPr>
+                      <a:xfrm>
+                        <a:off x="7038237" y="1060683"/>
+                        <a:ext cx="3508443" cy="2633235"/>
+                      </a:xfrm>
+                      <a:prstGeom prst="rect">
+                        <a:avLst/>
+                      </a:prstGeom>
+                    </p:spPr>
+                  </p:pic>
+                </p:oleObj>
+              </mc:Fallback>
+            </mc:AlternateContent>
+          </a:graphicData>
+        </a:graphic>
+      </p:graphicFrame>
       <p:sp>
         <p:nvSpPr>
-          <p:cNvPr id="5" name="TextBox 4">
-            <a:extLst>
-              <a:ext uri="{FF2B5EF4-FFF2-40B4-BE49-F238E27FC236}">
-                <a16:creationId xmlns:a16="http://schemas.microsoft.com/office/drawing/2014/main" id="{A223D812-C69B-465E-B6E4-96339EA05E92}"/>
+          <p:cNvPr id="3" name="TextBox 2">
+            <a:extLst>
+              <a:ext uri="{FF2B5EF4-FFF2-40B4-BE49-F238E27FC236}">
+                <a16:creationId xmlns:a16="http://schemas.microsoft.com/office/drawing/2014/main" id="{19C8CF5C-0D9B-4ECD-9006-20F13353EB31}"/>
               </a:ext>
             </a:extLst>
           </p:cNvPr>
@@ -7736,8 +9209,8 @@
         </p:nvSpPr>
         <p:spPr>
           <a:xfrm>
-            <a:off x="838200" y="2743200"/>
-            <a:ext cx="1923412" cy="646331"/>
+            <a:off x="525932" y="894406"/>
+            <a:ext cx="3086294" cy="369332"/>
           </a:xfrm>
           <a:prstGeom prst="rect">
             <a:avLst/>
@@ -7752,13 +9225,112 @@
           <a:p>
             <a:r>
               <a:rPr lang="en-US" dirty="0"/>
-              <a:t>Fast fan dynamics</a:t>
+              <a:t>Model 1: instant measurement</a:t>
             </a:r>
           </a:p>
+        </p:txBody>
+      </p:sp>
+      <p:sp>
+        <p:nvSpPr>
+          <p:cNvPr id="11" name="TextBox 10">
+            <a:extLst>
+              <a:ext uri="{FF2B5EF4-FFF2-40B4-BE49-F238E27FC236}">
+                <a16:creationId xmlns:a16="http://schemas.microsoft.com/office/drawing/2014/main" id="{20551E7D-C45E-4663-AFFA-2A12E96B7262}"/>
+              </a:ext>
+            </a:extLst>
+          </p:cNvPr>
+          <p:cNvSpPr txBox="1"/>
+          <p:nvPr/>
+        </p:nvSpPr>
+        <p:spPr>
+          <a:xfrm>
+            <a:off x="510304" y="3843150"/>
+            <a:ext cx="3175613" cy="369332"/>
+          </a:xfrm>
+          <a:prstGeom prst="rect">
+            <a:avLst/>
+          </a:prstGeom>
+          <a:noFill/>
+        </p:spPr>
+        <p:txBody>
+          <a:bodyPr wrap="none" rtlCol="0">
+            <a:spAutoFit/>
+          </a:bodyPr>
+          <a:lstStyle/>
           <a:p>
             <a:r>
               <a:rPr lang="en-US" dirty="0"/>
-              <a:t>Exceed constraints</a:t>
+              <a:t>Model 1: average measurement</a:t>
+            </a:r>
+          </a:p>
+        </p:txBody>
+      </p:sp>
+      <p:sp>
+        <p:nvSpPr>
+          <p:cNvPr id="12" name="TextBox 11">
+            <a:extLst>
+              <a:ext uri="{FF2B5EF4-FFF2-40B4-BE49-F238E27FC236}">
+                <a16:creationId xmlns:a16="http://schemas.microsoft.com/office/drawing/2014/main" id="{82435FE7-4DA8-4664-8DAE-665F9B1C9C24}"/>
+              </a:ext>
+            </a:extLst>
+          </p:cNvPr>
+          <p:cNvSpPr txBox="1"/>
+          <p:nvPr/>
+        </p:nvSpPr>
+        <p:spPr>
+          <a:xfrm>
+            <a:off x="7263689" y="903008"/>
+            <a:ext cx="3086294" cy="369332"/>
+          </a:xfrm>
+          <a:prstGeom prst="rect">
+            <a:avLst/>
+          </a:prstGeom>
+          <a:noFill/>
+        </p:spPr>
+        <p:txBody>
+          <a:bodyPr wrap="none" rtlCol="0">
+            <a:spAutoFit/>
+          </a:bodyPr>
+          <a:lstStyle/>
+          <a:p>
+            <a:r>
+              <a:rPr lang="en-US" dirty="0"/>
+              <a:t>Model 2: instant measurement</a:t>
+            </a:r>
+          </a:p>
+        </p:txBody>
+      </p:sp>
+      <p:sp>
+        <p:nvSpPr>
+          <p:cNvPr id="15" name="TextBox 14">
+            <a:extLst>
+              <a:ext uri="{FF2B5EF4-FFF2-40B4-BE49-F238E27FC236}">
+                <a16:creationId xmlns:a16="http://schemas.microsoft.com/office/drawing/2014/main" id="{1D6FF2A7-8AF7-4E80-AD6C-D94A769634D8}"/>
+              </a:ext>
+            </a:extLst>
+          </p:cNvPr>
+          <p:cNvSpPr txBox="1"/>
+          <p:nvPr/>
+        </p:nvSpPr>
+        <p:spPr>
+          <a:xfrm>
+            <a:off x="7219030" y="3843150"/>
+            <a:ext cx="3175613" cy="369332"/>
+          </a:xfrm>
+          <a:prstGeom prst="rect">
+            <a:avLst/>
+          </a:prstGeom>
+          <a:noFill/>
+        </p:spPr>
+        <p:txBody>
+          <a:bodyPr wrap="none" rtlCol="0">
+            <a:spAutoFit/>
+          </a:bodyPr>
+          <a:lstStyle/>
+          <a:p>
+            <a:r>
+              <a:rPr lang="en-US" dirty="0"/>
+              <a:t>Model 2: average measurement</a:t>
             </a:r>
           </a:p>
         </p:txBody>
@@ -7766,7 +9338,7 @@
     </p:spTree>
     <p:extLst>
       <p:ext uri="{BB962C8B-B14F-4D97-AF65-F5344CB8AC3E}">
-        <p14:creationId xmlns:p14="http://schemas.microsoft.com/office/powerpoint/2010/main" val="1614232998"/>
+        <p14:creationId xmlns:p14="http://schemas.microsoft.com/office/powerpoint/2010/main" val="702200145"/>
       </p:ext>
     </p:extLst>
   </p:cSld>
@@ -7793,12 +9365,42 @@
           <a:chExt cx="0" cy="0"/>
         </a:xfrm>
       </p:grpSpPr>
+      <p:pic>
+        <p:nvPicPr>
+          <p:cNvPr id="13" name="Picture 12">
+            <a:extLst>
+              <a:ext uri="{FF2B5EF4-FFF2-40B4-BE49-F238E27FC236}">
+                <a16:creationId xmlns:a16="http://schemas.microsoft.com/office/drawing/2014/main" id="{38D8B86D-1311-4F5F-9820-AC4D3BB32C90}"/>
+              </a:ext>
+            </a:extLst>
+          </p:cNvPr>
+          <p:cNvPicPr>
+            <a:picLocks noChangeAspect="1"/>
+          </p:cNvPicPr>
+          <p:nvPr/>
+        </p:nvPicPr>
+        <p:blipFill>
+          <a:blip r:embed="rId2"/>
+          <a:stretch>
+            <a:fillRect/>
+          </a:stretch>
+        </p:blipFill>
+        <p:spPr>
+          <a:xfrm>
+            <a:off x="7844624" y="2597208"/>
+            <a:ext cx="3795123" cy="2863978"/>
+          </a:xfrm>
+          <a:prstGeom prst="rect">
+            <a:avLst/>
+          </a:prstGeom>
+        </p:spPr>
+      </p:pic>
       <p:sp>
         <p:nvSpPr>
           <p:cNvPr id="2" name="Title 1">
             <a:extLst>
               <a:ext uri="{FF2B5EF4-FFF2-40B4-BE49-F238E27FC236}">
-                <a16:creationId xmlns:a16="http://schemas.microsoft.com/office/drawing/2014/main" id="{11B6629F-E8DD-4A20-8283-6C18301915E9}"/>
+                <a16:creationId xmlns:a16="http://schemas.microsoft.com/office/drawing/2014/main" id="{3646AFDB-3C27-4B51-ABCA-7E43867793DA}"/>
               </a:ext>
             </a:extLst>
           </p:cNvPr>
@@ -7809,53 +9411,967 @@
             <p:ph type="title"/>
           </p:nvPr>
         </p:nvSpPr>
-        <p:spPr/>
+        <p:spPr>
+          <a:xfrm>
+            <a:off x="838200" y="365125"/>
+            <a:ext cx="10515600" cy="834501"/>
+          </a:xfrm>
+        </p:spPr>
         <p:txBody>
           <a:bodyPr/>
           <a:lstStyle/>
           <a:p>
-            <a:endParaRPr lang="en-US"/>
+            <a:r>
+              <a:rPr lang="en-US" dirty="0"/>
+              <a:t>MPC</a:t>
+            </a:r>
           </a:p>
         </p:txBody>
       </p:sp>
       <p:sp>
         <p:nvSpPr>
-          <p:cNvPr id="3" name="Content Placeholder 2">
-            <a:extLst>
-              <a:ext uri="{FF2B5EF4-FFF2-40B4-BE49-F238E27FC236}">
-                <a16:creationId xmlns:a16="http://schemas.microsoft.com/office/drawing/2014/main" id="{A33825BA-5840-497D-BC9B-5FD7DB914D46}"/>
-              </a:ext>
-            </a:extLst>
-          </p:cNvPr>
-          <p:cNvSpPr>
-            <a:spLocks noGrp="1"/>
-          </p:cNvSpPr>
-          <p:nvPr>
-            <p:ph idx="1"/>
-          </p:nvPr>
+          <p:cNvPr id="4" name="TextBox 3">
+            <a:extLst>
+              <a:ext uri="{FF2B5EF4-FFF2-40B4-BE49-F238E27FC236}">
+                <a16:creationId xmlns:a16="http://schemas.microsoft.com/office/drawing/2014/main" id="{E59AD211-7DC5-434B-BABD-D1E8C00792FD}"/>
+              </a:ext>
+            </a:extLst>
+          </p:cNvPr>
+          <p:cNvSpPr txBox="1"/>
+          <p:nvPr/>
         </p:nvSpPr>
-        <p:spPr/>
+        <p:spPr>
+          <a:xfrm>
+            <a:off x="838200" y="1327959"/>
+            <a:ext cx="1749197" cy="369332"/>
+          </a:xfrm>
+          <a:prstGeom prst="rect">
+            <a:avLst/>
+          </a:prstGeom>
+          <a:noFill/>
+        </p:spPr>
         <p:txBody>
-          <a:bodyPr/>
+          <a:bodyPr wrap="none" rtlCol="0">
+            <a:spAutoFit/>
+          </a:bodyPr>
           <a:lstStyle/>
           <a:p>
             <a:r>
               <a:rPr lang="en-US" dirty="0"/>
-              <a:t>Minimize fan power instead of system-level power</a:t>
-            </a:r>
-          </a:p>
-          <a:p>
-            <a:r>
-              <a:rPr lang="en-US" dirty="0"/>
-              <a:t>Make sure supply air temperature can be controlled at any time by enlarging water side size of the cooling coil</a:t>
+              <a:t>Model 1.2: PH=1</a:t>
             </a:r>
           </a:p>
         </p:txBody>
       </p:sp>
+      <mc:AlternateContent xmlns:mc="http://schemas.openxmlformats.org/markup-compatibility/2006" xmlns:a14="http://schemas.microsoft.com/office/drawing/2010/main">
+        <mc:Choice Requires="a14">
+          <p:sp>
+            <p:nvSpPr>
+              <p:cNvPr id="7" name="TextBox 6">
+                <a:extLst>
+                  <a:ext uri="{FF2B5EF4-FFF2-40B4-BE49-F238E27FC236}">
+                    <a16:creationId xmlns:a16="http://schemas.microsoft.com/office/drawing/2014/main" id="{3D316B3E-197F-4450-BF17-E50051B33414}"/>
+                  </a:ext>
+                </a:extLst>
+              </p:cNvPr>
+              <p:cNvSpPr txBox="1"/>
+              <p:nvPr/>
+            </p:nvSpPr>
+            <p:spPr>
+              <a:xfrm>
+                <a:off x="979521" y="1986261"/>
+                <a:ext cx="1607876" cy="778931"/>
+              </a:xfrm>
+              <a:prstGeom prst="rect">
+                <a:avLst/>
+              </a:prstGeom>
+              <a:noFill/>
+            </p:spPr>
+            <p:txBody>
+              <a:bodyPr wrap="none" lIns="0" tIns="0" rIns="0" bIns="0" rtlCol="0">
+                <a:spAutoFit/>
+              </a:bodyPr>
+              <a:lstStyle/>
+              <a:p>
+                <a:pPr/>
+                <a14:m>
+                  <m:oMathPara xmlns:m="http://schemas.openxmlformats.org/officeDocument/2006/math">
+                    <m:oMathParaPr>
+                      <m:jc m:val="centerGroup"/>
+                    </m:oMathParaPr>
+                    <m:oMath xmlns:m="http://schemas.openxmlformats.org/officeDocument/2006/math">
+                      <m:func>
+                        <m:funcPr>
+                          <m:ctrlPr>
+                            <a:rPr lang="en-US" b="0" i="1" smtClean="0">
+                              <a:latin typeface="Cambria Math" panose="02040503050406030204" pitchFamily="18" charset="0"/>
+                            </a:rPr>
+                          </m:ctrlPr>
+                        </m:funcPr>
+                        <m:fName>
+                          <m:limLow>
+                            <m:limLowPr>
+                              <m:ctrlPr>
+                                <a:rPr lang="en-US" b="0" i="1" smtClean="0">
+                                  <a:latin typeface="Cambria Math" panose="02040503050406030204" pitchFamily="18" charset="0"/>
+                                </a:rPr>
+                              </m:ctrlPr>
+                            </m:limLowPr>
+                            <m:e>
+                              <m:r>
+                                <m:rPr>
+                                  <m:sty m:val="p"/>
+                                </m:rPr>
+                                <a:rPr lang="en-US" b="0" i="0" smtClean="0">
+                                  <a:latin typeface="Cambria Math" panose="02040503050406030204" pitchFamily="18" charset="0"/>
+                                </a:rPr>
+                                <m:t>min</m:t>
+                              </m:r>
+                            </m:e>
+                            <m:lim>
+                              <m:r>
+                                <m:rPr>
+                                  <m:sty m:val="p"/>
+                                </m:rPr>
+                                <a:rPr lang="en-US" b="0" i="0" smtClean="0">
+                                  <a:latin typeface="Cambria Math" panose="02040503050406030204" pitchFamily="18" charset="0"/>
+                                </a:rPr>
+                                <m:t>u</m:t>
+                              </m:r>
+                            </m:lim>
+                          </m:limLow>
+                        </m:fName>
+                        <m:e>
+                          <m:nary>
+                            <m:naryPr>
+                              <m:chr m:val="∑"/>
+                              <m:ctrlPr>
+                                <a:rPr lang="en-US" b="0" i="1" smtClean="0">
+                                  <a:latin typeface="Cambria Math" panose="02040503050406030204" pitchFamily="18" charset="0"/>
+                                </a:rPr>
+                              </m:ctrlPr>
+                            </m:naryPr>
+                            <m:sub>
+                              <m:r>
+                                <m:rPr>
+                                  <m:brk m:alnAt="23"/>
+                                </m:rPr>
+                                <a:rPr lang="en-US" b="0" i="1" smtClean="0">
+                                  <a:latin typeface="Cambria Math" panose="02040503050406030204" pitchFamily="18" charset="0"/>
+                                </a:rPr>
+                                <m:t>𝑖</m:t>
+                              </m:r>
+                              <m:r>
+                                <a:rPr lang="en-US" b="0" i="1" smtClean="0">
+                                  <a:latin typeface="Cambria Math" panose="02040503050406030204" pitchFamily="18" charset="0"/>
+                                </a:rPr>
+                                <m:t>=1</m:t>
+                              </m:r>
+                            </m:sub>
+                            <m:sup>
+                              <m:r>
+                                <a:rPr lang="en-US" b="0" i="1" smtClean="0">
+                                  <a:latin typeface="Cambria Math" panose="02040503050406030204" pitchFamily="18" charset="0"/>
+                                </a:rPr>
+                                <m:t>𝑃𝐻</m:t>
+                              </m:r>
+                            </m:sup>
+                            <m:e>
+                              <m:sSub>
+                                <m:sSubPr>
+                                  <m:ctrlPr>
+                                    <a:rPr lang="en-US" b="0" i="1" smtClean="0">
+                                      <a:latin typeface="Cambria Math" panose="02040503050406030204" pitchFamily="18" charset="0"/>
+                                    </a:rPr>
+                                  </m:ctrlPr>
+                                </m:sSubPr>
+                                <m:e>
+                                  <m:r>
+                                    <a:rPr lang="en-US" b="0" i="1" smtClean="0">
+                                      <a:latin typeface="Cambria Math" panose="02040503050406030204" pitchFamily="18" charset="0"/>
+                                    </a:rPr>
+                                    <m:t>𝑝</m:t>
+                                  </m:r>
+                                </m:e>
+                                <m:sub>
+                                  <m:r>
+                                    <a:rPr lang="en-US" b="0" i="1" smtClean="0">
+                                      <a:latin typeface="Cambria Math" panose="02040503050406030204" pitchFamily="18" charset="0"/>
+                                    </a:rPr>
+                                    <m:t>𝑖</m:t>
+                                  </m:r>
+                                </m:sub>
+                              </m:sSub>
+                              <m:sSub>
+                                <m:sSubPr>
+                                  <m:ctrlPr>
+                                    <a:rPr lang="en-US" b="0" i="1" smtClean="0">
+                                      <a:latin typeface="Cambria Math" panose="02040503050406030204" pitchFamily="18" charset="0"/>
+                                    </a:rPr>
+                                  </m:ctrlPr>
+                                </m:sSubPr>
+                                <m:e>
+                                  <m:r>
+                                    <a:rPr lang="en-US" b="0" i="1" smtClean="0">
+                                      <a:latin typeface="Cambria Math" panose="02040503050406030204" pitchFamily="18" charset="0"/>
+                                    </a:rPr>
+                                    <m:t>𝑃</m:t>
+                                  </m:r>
+                                </m:e>
+                                <m:sub>
+                                  <m:r>
+                                    <a:rPr lang="en-US" b="0" i="1" smtClean="0">
+                                      <a:latin typeface="Cambria Math" panose="02040503050406030204" pitchFamily="18" charset="0"/>
+                                    </a:rPr>
+                                    <m:t>𝑖</m:t>
+                                  </m:r>
+                                </m:sub>
+                              </m:sSub>
+                              <m:d>
+                                <m:dPr>
+                                  <m:ctrlPr>
+                                    <a:rPr lang="en-US" b="0" i="1" smtClean="0">
+                                      <a:latin typeface="Cambria Math" panose="02040503050406030204" pitchFamily="18" charset="0"/>
+                                    </a:rPr>
+                                  </m:ctrlPr>
+                                </m:dPr>
+                                <m:e>
+                                  <m:sSub>
+                                    <m:sSubPr>
+                                      <m:ctrlPr>
+                                        <a:rPr lang="en-US" b="0" i="1" smtClean="0">
+                                          <a:latin typeface="Cambria Math" panose="02040503050406030204" pitchFamily="18" charset="0"/>
+                                        </a:rPr>
+                                      </m:ctrlPr>
+                                    </m:sSubPr>
+                                    <m:e>
+                                      <m:r>
+                                        <a:rPr lang="en-US" b="0" i="1" smtClean="0">
+                                          <a:latin typeface="Cambria Math" panose="02040503050406030204" pitchFamily="18" charset="0"/>
+                                        </a:rPr>
+                                        <m:t>𝑢</m:t>
+                                      </m:r>
+                                    </m:e>
+                                    <m:sub>
+                                      <m:r>
+                                        <a:rPr lang="en-US" b="0" i="1" smtClean="0">
+                                          <a:latin typeface="Cambria Math" panose="02040503050406030204" pitchFamily="18" charset="0"/>
+                                        </a:rPr>
+                                        <m:t>𝑖</m:t>
+                                      </m:r>
+                                    </m:sub>
+                                  </m:sSub>
+                                </m:e>
+                              </m:d>
+                            </m:e>
+                          </m:nary>
+                        </m:e>
+                      </m:func>
+                    </m:oMath>
+                  </m:oMathPara>
+                </a14:m>
+                <a:endParaRPr lang="en-US" dirty="0"/>
+              </a:p>
+            </p:txBody>
+          </p:sp>
+        </mc:Choice>
+        <mc:Fallback xmlns="">
+          <p:sp>
+            <p:nvSpPr>
+              <p:cNvPr id="7" name="TextBox 6">
+                <a:extLst>
+                  <a:ext uri="{FF2B5EF4-FFF2-40B4-BE49-F238E27FC236}">
+                    <a16:creationId xmlns:a16="http://schemas.microsoft.com/office/drawing/2014/main" id="{3D316B3E-197F-4450-BF17-E50051B33414}"/>
+                  </a:ext>
+                </a:extLst>
+              </p:cNvPr>
+              <p:cNvSpPr txBox="1">
+                <a:spLocks noRot="1" noChangeAspect="1" noMove="1" noResize="1" noEditPoints="1" noAdjustHandles="1" noChangeArrowheads="1" noChangeShapeType="1" noTextEdit="1"/>
+              </p:cNvSpPr>
+              <p:nvPr/>
+            </p:nvSpPr>
+            <p:spPr>
+              <a:xfrm>
+                <a:off x="979521" y="1986261"/>
+                <a:ext cx="1607876" cy="778931"/>
+              </a:xfrm>
+              <a:prstGeom prst="rect">
+                <a:avLst/>
+              </a:prstGeom>
+              <a:blipFill>
+                <a:blip r:embed="rId4"/>
+                <a:stretch>
+                  <a:fillRect/>
+                </a:stretch>
+              </a:blipFill>
+            </p:spPr>
+            <p:txBody>
+              <a:bodyPr/>
+              <a:lstStyle/>
+              <a:p>
+                <a:r>
+                  <a:rPr lang="en-US">
+                    <a:noFill/>
+                  </a:rPr>
+                  <a:t> </a:t>
+                </a:r>
+              </a:p>
+            </p:txBody>
+          </p:sp>
+        </mc:Fallback>
+      </mc:AlternateContent>
+      <mc:AlternateContent xmlns:mc="http://schemas.openxmlformats.org/markup-compatibility/2006" xmlns:a14="http://schemas.microsoft.com/office/drawing/2010/main">
+        <mc:Choice Requires="a14">
+          <p:sp>
+            <p:nvSpPr>
+              <p:cNvPr id="8" name="TextBox 7">
+                <a:extLst>
+                  <a:ext uri="{FF2B5EF4-FFF2-40B4-BE49-F238E27FC236}">
+                    <a16:creationId xmlns:a16="http://schemas.microsoft.com/office/drawing/2014/main" id="{1D9FB051-799C-4097-9803-A11EB38C9F17}"/>
+                  </a:ext>
+                </a:extLst>
+              </p:cNvPr>
+              <p:cNvSpPr txBox="1"/>
+              <p:nvPr/>
+            </p:nvSpPr>
+            <p:spPr>
+              <a:xfrm>
+                <a:off x="4917448" y="1986261"/>
+                <a:ext cx="1836400" cy="778931"/>
+              </a:xfrm>
+              <a:prstGeom prst="rect">
+                <a:avLst/>
+              </a:prstGeom>
+              <a:noFill/>
+            </p:spPr>
+            <p:txBody>
+              <a:bodyPr wrap="none" lIns="0" tIns="0" rIns="0" bIns="0" rtlCol="0">
+                <a:spAutoFit/>
+              </a:bodyPr>
+              <a:lstStyle/>
+              <a:p>
+                <a:pPr/>
+                <a14:m>
+                  <m:oMathPara xmlns:m="http://schemas.openxmlformats.org/officeDocument/2006/math">
+                    <m:oMathParaPr>
+                      <m:jc m:val="centerGroup"/>
+                    </m:oMathParaPr>
+                    <m:oMath xmlns:m="http://schemas.openxmlformats.org/officeDocument/2006/math">
+                      <m:func>
+                        <m:funcPr>
+                          <m:ctrlPr>
+                            <a:rPr lang="en-US" b="0" i="1" smtClean="0">
+                              <a:latin typeface="Cambria Math" panose="02040503050406030204" pitchFamily="18" charset="0"/>
+                            </a:rPr>
+                          </m:ctrlPr>
+                        </m:funcPr>
+                        <m:fName>
+                          <m:limLow>
+                            <m:limLowPr>
+                              <m:ctrlPr>
+                                <a:rPr lang="en-US" b="0" i="1" smtClean="0">
+                                  <a:latin typeface="Cambria Math" panose="02040503050406030204" pitchFamily="18" charset="0"/>
+                                </a:rPr>
+                              </m:ctrlPr>
+                            </m:limLowPr>
+                            <m:e>
+                              <m:r>
+                                <m:rPr>
+                                  <m:sty m:val="p"/>
+                                </m:rPr>
+                                <a:rPr lang="en-US" b="0" i="0" smtClean="0">
+                                  <a:latin typeface="Cambria Math" panose="02040503050406030204" pitchFamily="18" charset="0"/>
+                                </a:rPr>
+                                <m:t>min</m:t>
+                              </m:r>
+                            </m:e>
+                            <m:lim>
+                              <m:r>
+                                <m:rPr>
+                                  <m:sty m:val="p"/>
+                                </m:rPr>
+                                <a:rPr lang="en-US" b="0" i="0" smtClean="0">
+                                  <a:latin typeface="Cambria Math" panose="02040503050406030204" pitchFamily="18" charset="0"/>
+                                </a:rPr>
+                                <m:t>u</m:t>
+                              </m:r>
+                            </m:lim>
+                          </m:limLow>
+                        </m:fName>
+                        <m:e>
+                          <m:nary>
+                            <m:naryPr>
+                              <m:chr m:val="∑"/>
+                              <m:ctrlPr>
+                                <a:rPr lang="en-US" b="0" i="1" smtClean="0">
+                                  <a:latin typeface="Cambria Math" panose="02040503050406030204" pitchFamily="18" charset="0"/>
+                                </a:rPr>
+                              </m:ctrlPr>
+                            </m:naryPr>
+                            <m:sub>
+                              <m:r>
+                                <m:rPr>
+                                  <m:brk m:alnAt="23"/>
+                                </m:rPr>
+                                <a:rPr lang="en-US" b="0" i="1" smtClean="0">
+                                  <a:latin typeface="Cambria Math" panose="02040503050406030204" pitchFamily="18" charset="0"/>
+                                </a:rPr>
+                                <m:t>𝑖</m:t>
+                              </m:r>
+                              <m:r>
+                                <a:rPr lang="en-US" b="0" i="1" smtClean="0">
+                                  <a:latin typeface="Cambria Math" panose="02040503050406030204" pitchFamily="18" charset="0"/>
+                                </a:rPr>
+                                <m:t>=1</m:t>
+                              </m:r>
+                            </m:sub>
+                            <m:sup>
+                              <m:r>
+                                <a:rPr lang="en-US" b="0" i="1" smtClean="0">
+                                  <a:latin typeface="Cambria Math" panose="02040503050406030204" pitchFamily="18" charset="0"/>
+                                </a:rPr>
+                                <m:t>𝑃𝐻</m:t>
+                              </m:r>
+                            </m:sup>
+                            <m:e>
+                              <m:sSub>
+                                <m:sSubPr>
+                                  <m:ctrlPr>
+                                    <a:rPr lang="en-US" b="0" i="1" smtClean="0">
+                                      <a:latin typeface="Cambria Math" panose="02040503050406030204" pitchFamily="18" charset="0"/>
+                                    </a:rPr>
+                                  </m:ctrlPr>
+                                </m:sSubPr>
+                                <m:e>
+                                  <m:r>
+                                    <a:rPr lang="en-US" b="0" i="1" smtClean="0">
+                                      <a:latin typeface="Cambria Math" panose="02040503050406030204" pitchFamily="18" charset="0"/>
+                                    </a:rPr>
+                                    <m:t>(</m:t>
+                                  </m:r>
+                                  <m:r>
+                                    <a:rPr lang="en-US" b="0" i="1" smtClean="0">
+                                      <a:latin typeface="Cambria Math" panose="02040503050406030204" pitchFamily="18" charset="0"/>
+                                    </a:rPr>
+                                    <m:t>𝑑𝑇</m:t>
+                                  </m:r>
+                                </m:e>
+                                <m:sub>
+                                  <m:r>
+                                    <a:rPr lang="en-US" b="0" i="1" smtClean="0">
+                                      <a:latin typeface="Cambria Math" panose="02040503050406030204" pitchFamily="18" charset="0"/>
+                                    </a:rPr>
+                                    <m:t>𝑢</m:t>
+                                  </m:r>
+                                </m:sub>
+                              </m:sSub>
+                              <m:r>
+                                <a:rPr lang="en-US" b="0" i="1" smtClean="0">
+                                  <a:latin typeface="Cambria Math" panose="02040503050406030204" pitchFamily="18" charset="0"/>
+                                </a:rPr>
+                                <m:t>+</m:t>
+                              </m:r>
+                              <m:r>
+                                <a:rPr lang="en-US" b="0" i="1" smtClean="0">
+                                  <a:latin typeface="Cambria Math" panose="02040503050406030204" pitchFamily="18" charset="0"/>
+                                </a:rPr>
+                                <m:t>𝑑</m:t>
+                              </m:r>
+                              <m:sSub>
+                                <m:sSubPr>
+                                  <m:ctrlPr>
+                                    <a:rPr lang="en-US" b="0" i="1" smtClean="0">
+                                      <a:latin typeface="Cambria Math" panose="02040503050406030204" pitchFamily="18" charset="0"/>
+                                    </a:rPr>
+                                  </m:ctrlPr>
+                                </m:sSubPr>
+                                <m:e>
+                                  <m:r>
+                                    <a:rPr lang="en-US" b="0" i="1" smtClean="0">
+                                      <a:latin typeface="Cambria Math" panose="02040503050406030204" pitchFamily="18" charset="0"/>
+                                    </a:rPr>
+                                    <m:t>𝑇</m:t>
+                                  </m:r>
+                                </m:e>
+                                <m:sub>
+                                  <m:r>
+                                    <a:rPr lang="en-US" b="0" i="1" smtClean="0">
+                                      <a:latin typeface="Cambria Math" panose="02040503050406030204" pitchFamily="18" charset="0"/>
+                                    </a:rPr>
+                                    <m:t>𝑙</m:t>
+                                  </m:r>
+                                </m:sub>
+                              </m:sSub>
+                              <m:r>
+                                <a:rPr lang="en-US" b="0" i="1" smtClean="0">
+                                  <a:latin typeface="Cambria Math" panose="02040503050406030204" pitchFamily="18" charset="0"/>
+                                </a:rPr>
+                                <m:t>)</m:t>
+                              </m:r>
+                            </m:e>
+                          </m:nary>
+                        </m:e>
+                      </m:func>
+                    </m:oMath>
+                  </m:oMathPara>
+                </a14:m>
+                <a:endParaRPr lang="en-US" dirty="0"/>
+              </a:p>
+            </p:txBody>
+          </p:sp>
+        </mc:Choice>
+        <mc:Fallback xmlns="">
+          <p:sp>
+            <p:nvSpPr>
+              <p:cNvPr id="8" name="TextBox 7">
+                <a:extLst>
+                  <a:ext uri="{FF2B5EF4-FFF2-40B4-BE49-F238E27FC236}">
+                    <a16:creationId xmlns:a16="http://schemas.microsoft.com/office/drawing/2014/main" id="{1D9FB051-799C-4097-9803-A11EB38C9F17}"/>
+                  </a:ext>
+                </a:extLst>
+              </p:cNvPr>
+              <p:cNvSpPr txBox="1">
+                <a:spLocks noRot="1" noChangeAspect="1" noMove="1" noResize="1" noEditPoints="1" noAdjustHandles="1" noChangeArrowheads="1" noChangeShapeType="1" noTextEdit="1"/>
+              </p:cNvSpPr>
+              <p:nvPr/>
+            </p:nvSpPr>
+            <p:spPr>
+              <a:xfrm>
+                <a:off x="4917448" y="1986261"/>
+                <a:ext cx="1836400" cy="778931"/>
+              </a:xfrm>
+              <a:prstGeom prst="rect">
+                <a:avLst/>
+              </a:prstGeom>
+              <a:blipFill>
+                <a:blip r:embed="rId5"/>
+                <a:stretch>
+                  <a:fillRect/>
+                </a:stretch>
+              </a:blipFill>
+            </p:spPr>
+            <p:txBody>
+              <a:bodyPr/>
+              <a:lstStyle/>
+              <a:p>
+                <a:r>
+                  <a:rPr lang="en-US">
+                    <a:noFill/>
+                  </a:rPr>
+                  <a:t> </a:t>
+                </a:r>
+              </a:p>
+            </p:txBody>
+          </p:sp>
+        </mc:Fallback>
+      </mc:AlternateContent>
+      <mc:AlternateContent xmlns:mc="http://schemas.openxmlformats.org/markup-compatibility/2006">
+        <mc:Choice xmlns:a14="http://schemas.microsoft.com/office/drawing/2010/main" Requires="a14">
+          <p:sp>
+            <p:nvSpPr>
+              <p:cNvPr id="9" name="TextBox 8">
+                <a:extLst>
+                  <a:ext uri="{FF2B5EF4-FFF2-40B4-BE49-F238E27FC236}">
+                    <a16:creationId xmlns:a16="http://schemas.microsoft.com/office/drawing/2014/main" id="{D585C990-80A8-444A-93C4-2BC12C9DF567}"/>
+                  </a:ext>
+                </a:extLst>
+              </p:cNvPr>
+              <p:cNvSpPr txBox="1"/>
+              <p:nvPr/>
+            </p:nvSpPr>
+            <p:spPr>
+              <a:xfrm>
+                <a:off x="8669449" y="1986261"/>
+                <a:ext cx="3186962" cy="778931"/>
+              </a:xfrm>
+              <a:prstGeom prst="rect">
+                <a:avLst/>
+              </a:prstGeom>
+              <a:noFill/>
+            </p:spPr>
+            <p:txBody>
+              <a:bodyPr wrap="none" lIns="0" tIns="0" rIns="0" bIns="0" rtlCol="0">
+                <a:spAutoFit/>
+              </a:bodyPr>
+              <a:lstStyle/>
+              <a:p>
+                <a:pPr/>
+                <a14:m>
+                  <m:oMathPara xmlns:m="http://schemas.openxmlformats.org/officeDocument/2006/math">
+                    <m:oMathParaPr>
+                      <m:jc m:val="centerGroup"/>
+                    </m:oMathParaPr>
+                    <m:oMath xmlns:m="http://schemas.openxmlformats.org/officeDocument/2006/math">
+                      <m:func>
+                        <m:funcPr>
+                          <m:ctrlPr>
+                            <a:rPr lang="en-US" b="0" i="1" smtClean="0">
+                              <a:latin typeface="Cambria Math" panose="02040503050406030204" pitchFamily="18" charset="0"/>
+                            </a:rPr>
+                          </m:ctrlPr>
+                        </m:funcPr>
+                        <m:fName>
+                          <m:limLow>
+                            <m:limLowPr>
+                              <m:ctrlPr>
+                                <a:rPr lang="en-US" b="0" i="1" smtClean="0">
+                                  <a:latin typeface="Cambria Math" panose="02040503050406030204" pitchFamily="18" charset="0"/>
+                                </a:rPr>
+                              </m:ctrlPr>
+                            </m:limLowPr>
+                            <m:e>
+                              <m:r>
+                                <m:rPr>
+                                  <m:sty m:val="p"/>
+                                </m:rPr>
+                                <a:rPr lang="en-US" b="0" i="0" smtClean="0">
+                                  <a:latin typeface="Cambria Math" panose="02040503050406030204" pitchFamily="18" charset="0"/>
+                                </a:rPr>
+                                <m:t>min</m:t>
+                              </m:r>
+                            </m:e>
+                            <m:lim>
+                              <m:r>
+                                <m:rPr>
+                                  <m:sty m:val="p"/>
+                                </m:rPr>
+                                <a:rPr lang="en-US" b="0" i="0" smtClean="0">
+                                  <a:latin typeface="Cambria Math" panose="02040503050406030204" pitchFamily="18" charset="0"/>
+                                </a:rPr>
+                                <m:t>u</m:t>
+                              </m:r>
+                            </m:lim>
+                          </m:limLow>
+                        </m:fName>
+                        <m:e>
+                          <m:nary>
+                            <m:naryPr>
+                              <m:chr m:val="∑"/>
+                              <m:ctrlPr>
+                                <a:rPr lang="en-US" b="0" i="1" smtClean="0">
+                                  <a:latin typeface="Cambria Math" panose="02040503050406030204" pitchFamily="18" charset="0"/>
+                                </a:rPr>
+                              </m:ctrlPr>
+                            </m:naryPr>
+                            <m:sub>
+                              <m:r>
+                                <m:rPr>
+                                  <m:brk m:alnAt="23"/>
+                                </m:rPr>
+                                <a:rPr lang="en-US" b="0" i="1" smtClean="0">
+                                  <a:latin typeface="Cambria Math" panose="02040503050406030204" pitchFamily="18" charset="0"/>
+                                </a:rPr>
+                                <m:t>𝑖</m:t>
+                              </m:r>
+                              <m:r>
+                                <a:rPr lang="en-US" b="0" i="1" smtClean="0">
+                                  <a:latin typeface="Cambria Math" panose="02040503050406030204" pitchFamily="18" charset="0"/>
+                                </a:rPr>
+                                <m:t>=1</m:t>
+                              </m:r>
+                            </m:sub>
+                            <m:sup>
+                              <m:r>
+                                <a:rPr lang="en-US" b="0" i="1" smtClean="0">
+                                  <a:latin typeface="Cambria Math" panose="02040503050406030204" pitchFamily="18" charset="0"/>
+                                </a:rPr>
+                                <m:t>𝑃𝐻</m:t>
+                              </m:r>
+                            </m:sup>
+                            <m:e>
+                              <m:sSub>
+                                <m:sSubPr>
+                                  <m:ctrlPr>
+                                    <a:rPr lang="en-US" b="0" i="1" smtClean="0">
+                                      <a:latin typeface="Cambria Math" panose="02040503050406030204" pitchFamily="18" charset="0"/>
+                                    </a:rPr>
+                                  </m:ctrlPr>
+                                </m:sSubPr>
+                                <m:e>
+                                  <m:sSub>
+                                    <m:sSubPr>
+                                      <m:ctrlPr>
+                                        <a:rPr lang="en-US" i="1">
+                                          <a:latin typeface="Cambria Math" panose="02040503050406030204" pitchFamily="18" charset="0"/>
+                                        </a:rPr>
+                                      </m:ctrlPr>
+                                    </m:sSubPr>
+                                    <m:e>
+                                      <m:r>
+                                        <a:rPr lang="en-US" i="1">
+                                          <a:latin typeface="Cambria Math" panose="02040503050406030204" pitchFamily="18" charset="0"/>
+                                        </a:rPr>
+                                        <m:t>𝑝</m:t>
+                                      </m:r>
+                                    </m:e>
+                                    <m:sub>
+                                      <m:r>
+                                        <a:rPr lang="en-US" i="1">
+                                          <a:latin typeface="Cambria Math" panose="02040503050406030204" pitchFamily="18" charset="0"/>
+                                        </a:rPr>
+                                        <m:t>𝑖</m:t>
+                                      </m:r>
+                                    </m:sub>
+                                  </m:sSub>
+                                  <m:sSub>
+                                    <m:sSubPr>
+                                      <m:ctrlPr>
+                                        <a:rPr lang="en-US" i="1">
+                                          <a:latin typeface="Cambria Math" panose="02040503050406030204" pitchFamily="18" charset="0"/>
+                                        </a:rPr>
+                                      </m:ctrlPr>
+                                    </m:sSubPr>
+                                    <m:e>
+                                      <m:r>
+                                        <a:rPr lang="en-US" i="1">
+                                          <a:latin typeface="Cambria Math" panose="02040503050406030204" pitchFamily="18" charset="0"/>
+                                        </a:rPr>
+                                        <m:t>𝑃</m:t>
+                                      </m:r>
+                                    </m:e>
+                                    <m:sub>
+                                      <m:r>
+                                        <a:rPr lang="en-US" i="1">
+                                          <a:latin typeface="Cambria Math" panose="02040503050406030204" pitchFamily="18" charset="0"/>
+                                        </a:rPr>
+                                        <m:t>𝑖</m:t>
+                                      </m:r>
+                                    </m:sub>
+                                  </m:sSub>
+                                  <m:d>
+                                    <m:dPr>
+                                      <m:ctrlPr>
+                                        <a:rPr lang="en-US" i="1">
+                                          <a:latin typeface="Cambria Math" panose="02040503050406030204" pitchFamily="18" charset="0"/>
+                                        </a:rPr>
+                                      </m:ctrlPr>
+                                    </m:dPr>
+                                    <m:e>
+                                      <m:sSub>
+                                        <m:sSubPr>
+                                          <m:ctrlPr>
+                                            <a:rPr lang="en-US" i="1">
+                                              <a:latin typeface="Cambria Math" panose="02040503050406030204" pitchFamily="18" charset="0"/>
+                                            </a:rPr>
+                                          </m:ctrlPr>
+                                        </m:sSubPr>
+                                        <m:e>
+                                          <m:r>
+                                            <a:rPr lang="en-US" i="1">
+                                              <a:latin typeface="Cambria Math" panose="02040503050406030204" pitchFamily="18" charset="0"/>
+                                            </a:rPr>
+                                            <m:t>𝑢</m:t>
+                                          </m:r>
+                                        </m:e>
+                                        <m:sub>
+                                          <m:r>
+                                            <a:rPr lang="en-US" i="1">
+                                              <a:latin typeface="Cambria Math" panose="02040503050406030204" pitchFamily="18" charset="0"/>
+                                            </a:rPr>
+                                            <m:t>𝑖</m:t>
+                                          </m:r>
+                                        </m:sub>
+                                      </m:sSub>
+                                    </m:e>
+                                  </m:d>
+                                  <m:r>
+                                    <a:rPr lang="en-US" b="0" i="1" smtClean="0">
+                                      <a:latin typeface="Cambria Math" panose="02040503050406030204" pitchFamily="18" charset="0"/>
+                                    </a:rPr>
+                                    <m:t>+</m:t>
+                                  </m:r>
+                                  <m:r>
+                                    <a:rPr lang="en-US" b="0" i="1" smtClean="0">
+                                      <a:latin typeface="Cambria Math" panose="02040503050406030204" pitchFamily="18" charset="0"/>
+                                    </a:rPr>
+                                    <m:t>𝛽</m:t>
+                                  </m:r>
+                                  <m:r>
+                                    <a:rPr lang="en-US" b="0" i="1" smtClean="0">
+                                      <a:latin typeface="Cambria Math" panose="02040503050406030204" pitchFamily="18" charset="0"/>
+                                    </a:rPr>
+                                    <m:t>(</m:t>
+                                  </m:r>
+                                  <m:r>
+                                    <a:rPr lang="en-US" b="0" i="1" smtClean="0">
+                                      <a:latin typeface="Cambria Math" panose="02040503050406030204" pitchFamily="18" charset="0"/>
+                                    </a:rPr>
+                                    <m:t>𝑑𝑇</m:t>
+                                  </m:r>
+                                </m:e>
+                                <m:sub>
+                                  <m:r>
+                                    <a:rPr lang="en-US" b="0" i="1" smtClean="0">
+                                      <a:latin typeface="Cambria Math" panose="02040503050406030204" pitchFamily="18" charset="0"/>
+                                    </a:rPr>
+                                    <m:t>𝑢</m:t>
+                                  </m:r>
+                                </m:sub>
+                              </m:sSub>
+                              <m:r>
+                                <a:rPr lang="en-US" b="0" i="1" smtClean="0">
+                                  <a:latin typeface="Cambria Math" panose="02040503050406030204" pitchFamily="18" charset="0"/>
+                                </a:rPr>
+                                <m:t>+</m:t>
+                              </m:r>
+                              <m:r>
+                                <a:rPr lang="en-US" b="0" i="1" smtClean="0">
+                                  <a:latin typeface="Cambria Math" panose="02040503050406030204" pitchFamily="18" charset="0"/>
+                                </a:rPr>
+                                <m:t>𝑑</m:t>
+                              </m:r>
+                              <m:sSub>
+                                <m:sSubPr>
+                                  <m:ctrlPr>
+                                    <a:rPr lang="en-US" b="0" i="1" smtClean="0">
+                                      <a:latin typeface="Cambria Math" panose="02040503050406030204" pitchFamily="18" charset="0"/>
+                                    </a:rPr>
+                                  </m:ctrlPr>
+                                </m:sSubPr>
+                                <m:e>
+                                  <m:r>
+                                    <a:rPr lang="en-US" b="0" i="1" smtClean="0">
+                                      <a:latin typeface="Cambria Math" panose="02040503050406030204" pitchFamily="18" charset="0"/>
+                                    </a:rPr>
+                                    <m:t>𝑇</m:t>
+                                  </m:r>
+                                </m:e>
+                                <m:sub>
+                                  <m:r>
+                                    <a:rPr lang="en-US" b="0" i="1" smtClean="0">
+                                      <a:latin typeface="Cambria Math" panose="02040503050406030204" pitchFamily="18" charset="0"/>
+                                    </a:rPr>
+                                    <m:t>𝑙</m:t>
+                                  </m:r>
+                                </m:sub>
+                              </m:sSub>
+                              <m:r>
+                                <a:rPr lang="en-US" b="0" i="1" smtClean="0">
+                                  <a:latin typeface="Cambria Math" panose="02040503050406030204" pitchFamily="18" charset="0"/>
+                                </a:rPr>
+                                <m:t>)</m:t>
+                              </m:r>
+                            </m:e>
+                          </m:nary>
+                        </m:e>
+                      </m:func>
+                    </m:oMath>
+                  </m:oMathPara>
+                </a14:m>
+                <a:endParaRPr lang="en-US" dirty="0"/>
+              </a:p>
+            </p:txBody>
+          </p:sp>
+        </mc:Choice>
+        <mc:Fallback>
+          <p:sp>
+            <p:nvSpPr>
+              <p:cNvPr id="9" name="TextBox 8">
+                <a:extLst>
+                  <a:ext uri="{FF2B5EF4-FFF2-40B4-BE49-F238E27FC236}">
+                    <a16:creationId xmlns:a16="http://schemas.microsoft.com/office/drawing/2014/main" id="{D585C990-80A8-444A-93C4-2BC12C9DF567}"/>
+                  </a:ext>
+                </a:extLst>
+              </p:cNvPr>
+              <p:cNvSpPr txBox="1">
+                <a:spLocks noRot="1" noChangeAspect="1" noMove="1" noResize="1" noEditPoints="1" noAdjustHandles="1" noChangeArrowheads="1" noChangeShapeType="1" noTextEdit="1"/>
+              </p:cNvSpPr>
+              <p:nvPr/>
+            </p:nvSpPr>
+            <p:spPr>
+              <a:xfrm>
+                <a:off x="8669449" y="1986261"/>
+                <a:ext cx="3186962" cy="778931"/>
+              </a:xfrm>
+              <a:prstGeom prst="rect">
+                <a:avLst/>
+              </a:prstGeom>
+              <a:blipFill>
+                <a:blip r:embed="rId6"/>
+                <a:stretch>
+                  <a:fillRect/>
+                </a:stretch>
+              </a:blipFill>
+            </p:spPr>
+            <p:txBody>
+              <a:bodyPr/>
+              <a:lstStyle/>
+              <a:p>
+                <a:r>
+                  <a:rPr lang="en-US">
+                    <a:noFill/>
+                  </a:rPr>
+                  <a:t> </a:t>
+                </a:r>
+              </a:p>
+            </p:txBody>
+          </p:sp>
+        </mc:Fallback>
+      </mc:AlternateContent>
+      <p:pic>
+        <p:nvPicPr>
+          <p:cNvPr id="12" name="Picture 11">
+            <a:extLst>
+              <a:ext uri="{FF2B5EF4-FFF2-40B4-BE49-F238E27FC236}">
+                <a16:creationId xmlns:a16="http://schemas.microsoft.com/office/drawing/2014/main" id="{FEFB7A83-2255-45FE-88BE-2CAA8551D95F}"/>
+              </a:ext>
+            </a:extLst>
+          </p:cNvPr>
+          <p:cNvPicPr>
+            <a:picLocks noChangeAspect="1"/>
+          </p:cNvPicPr>
+          <p:nvPr/>
+        </p:nvPicPr>
+        <p:blipFill>
+          <a:blip r:embed="rId7"/>
+          <a:stretch>
+            <a:fillRect/>
+          </a:stretch>
+        </p:blipFill>
+        <p:spPr>
+          <a:xfrm>
+            <a:off x="3885246" y="2846321"/>
+            <a:ext cx="3744564" cy="2662484"/>
+          </a:xfrm>
+          <a:prstGeom prst="rect">
+            <a:avLst/>
+          </a:prstGeom>
+        </p:spPr>
+      </p:pic>
+      <p:pic>
+        <p:nvPicPr>
+          <p:cNvPr id="14" name="Picture 13">
+            <a:extLst>
+              <a:ext uri="{FF2B5EF4-FFF2-40B4-BE49-F238E27FC236}">
+                <a16:creationId xmlns:a16="http://schemas.microsoft.com/office/drawing/2014/main" id="{770A129C-26FB-4AD9-B5C1-789F228436E2}"/>
+              </a:ext>
+            </a:extLst>
+          </p:cNvPr>
+          <p:cNvPicPr>
+            <a:picLocks noChangeAspect="1"/>
+          </p:cNvPicPr>
+          <p:nvPr/>
+        </p:nvPicPr>
+        <p:blipFill>
+          <a:blip r:embed="rId8"/>
+          <a:stretch>
+            <a:fillRect/>
+          </a:stretch>
+        </p:blipFill>
+        <p:spPr>
+          <a:xfrm>
+            <a:off x="85553" y="2512719"/>
+            <a:ext cx="3799693" cy="2961314"/>
+          </a:xfrm>
+          <a:prstGeom prst="rect">
+            <a:avLst/>
+          </a:prstGeom>
+        </p:spPr>
+      </p:pic>
     </p:spTree>
     <p:extLst>
       <p:ext uri="{BB962C8B-B14F-4D97-AF65-F5344CB8AC3E}">
-        <p14:creationId xmlns:p14="http://schemas.microsoft.com/office/powerpoint/2010/main" val="1367266104"/>
+        <p14:creationId xmlns:p14="http://schemas.microsoft.com/office/powerpoint/2010/main" val="2595218970"/>
       </p:ext>
     </p:extLst>
   </p:cSld>
